--- a/docs/diagrams/LogicComponentClassDiagram.pptx
+++ b/docs/diagrams/LogicComponentClassDiagram.pptx
@@ -1,6 +1,6 @@
 
 <file path=ppt/presentation.xml><?xml version="1.0" encoding="utf-8"?>
-<p:presentation xmlns:a="http://schemas.openxmlformats.org/drawingml/2006/main" xmlns:r="http://schemas.openxmlformats.org/officeDocument/2006/relationships" xmlns:p="http://schemas.openxmlformats.org/presentationml/2006/main" saveSubsetFonts="1">
+<p:presentation xmlns:a="http://schemas.openxmlformats.org/drawingml/2006/main" xmlns:r="http://schemas.openxmlformats.org/officeDocument/2006/relationships" xmlns:p="http://schemas.openxmlformats.org/presentationml/2006/main" saveSubsetFonts="1" autoCompressPictures="0">
   <p:sldMasterIdLst>
     <p:sldMasterId id="2147483648" r:id="rId1"/>
   </p:sldMasterIdLst>
@@ -8,9 +8,9 @@
     <p:notesMasterId r:id="rId3"/>
   </p:notesMasterIdLst>
   <p:sldIdLst>
-    <p:sldId id="262" r:id="rId2"/>
+    <p:sldId id="257" r:id="rId2"/>
   </p:sldIdLst>
-  <p:sldSz cx="9144000" cy="6858000" type="screen4x3"/>
+  <p:sldSz cx="12192000" cy="6858000"/>
   <p:notesSz cx="6858000" cy="9144000"/>
   <p:defaultTextStyle>
     <a:defPPr>
@@ -107,22 +107,6 @@
       </a:defRPr>
     </a:lvl9pPr>
   </p:defaultTextStyle>
-  <p:extLst>
-    <p:ext uri="{EFAFB233-063F-42B5-8137-9DF3F51BA10A}">
-      <p15:sldGuideLst xmlns:p15="http://schemas.microsoft.com/office/powerpoint/2012/main">
-        <p15:guide id="1" orient="horz" pos="1488">
-          <p15:clr>
-            <a:srgbClr val="A4A3A4"/>
-          </p15:clr>
-        </p15:guide>
-        <p15:guide id="2" pos="2880">
-          <p15:clr>
-            <a:srgbClr val="A4A3A4"/>
-          </p15:clr>
-        </p15:guide>
-      </p15:sldGuideLst>
-    </p:ext>
-  </p:extLst>
 </p:presentation>
 </file>
 
@@ -161,7 +145,7 @@
         <p:spPr>
           <a:xfrm>
             <a:off x="0" y="0"/>
-            <a:ext cx="2971800" cy="457200"/>
+            <a:ext cx="2971800" cy="458788"/>
           </a:xfrm>
           <a:prstGeom prst="rect">
             <a:avLst/>
@@ -192,7 +176,7 @@
         <p:spPr>
           <a:xfrm>
             <a:off x="3884613" y="0"/>
-            <a:ext cx="2971800" cy="457200"/>
+            <a:ext cx="2971800" cy="458788"/>
           </a:xfrm>
           <a:prstGeom prst="rect">
             <a:avLst/>
@@ -206,9 +190,9 @@
             </a:lvl1pPr>
           </a:lstStyle>
           <a:p>
-            <a:fld id="{F5CC4B3F-88C1-4FFA-B1B6-F41C21DC6924}" type="datetimeFigureOut">
-              <a:rPr lang="en-US" smtClean="0"/>
-              <a:t>2/2/2017</a:t>
+            <a:fld id="{67EB5D99-9D08-A64E-A20A-FA2D0EF2DC08}" type="datetimeFigureOut">
+              <a:rPr lang="en-US" smtClean="0"/>
+              <a:t>4/7/17</a:t>
             </a:fld>
             <a:endParaRPr lang="en-US"/>
           </a:p>
@@ -226,8 +210,8 @@
         </p:nvSpPr>
         <p:spPr>
           <a:xfrm>
-            <a:off x="1143000" y="685800"/>
-            <a:ext cx="4572000" cy="3429000"/>
+            <a:off x="685800" y="1143000"/>
+            <a:ext cx="5486400" cy="3086100"/>
           </a:xfrm>
           <a:prstGeom prst="rect">
             <a:avLst/>
@@ -259,8 +243,8 @@
         </p:nvSpPr>
         <p:spPr>
           <a:xfrm>
-            <a:off x="685800" y="4343400"/>
-            <a:ext cx="5486400" cy="4114800"/>
+            <a:off x="685800" y="4400550"/>
+            <a:ext cx="5486400" cy="3600450"/>
           </a:xfrm>
           <a:prstGeom prst="rect">
             <a:avLst/>
@@ -320,7 +304,7 @@
         <p:spPr>
           <a:xfrm>
             <a:off x="0" y="8685213"/>
-            <a:ext cx="2971800" cy="457200"/>
+            <a:ext cx="2971800" cy="458787"/>
           </a:xfrm>
           <a:prstGeom prst="rect">
             <a:avLst/>
@@ -351,7 +335,7 @@
         <p:spPr>
           <a:xfrm>
             <a:off x="3884613" y="8685213"/>
-            <a:ext cx="2971800" cy="457200"/>
+            <a:ext cx="2971800" cy="458787"/>
           </a:xfrm>
           <a:prstGeom prst="rect">
             <a:avLst/>
@@ -365,7 +349,7 @@
             </a:lvl1pPr>
           </a:lstStyle>
           <a:p>
-            <a:fld id="{5A7AB025-77E3-4BD1-A2FD-B3183DBA47A3}" type="slidenum">
+            <a:fld id="{DC14A6E1-8EA7-5C4E-BE06-64E34BBCFBA9}" type="slidenum">
               <a:rPr lang="en-US" smtClean="0"/>
               <a:t>‹#›</a:t>
             </a:fld>
@@ -376,7 +360,7 @@
     </p:spTree>
     <p:extLst>
       <p:ext uri="{BB962C8B-B14F-4D97-AF65-F5344CB8AC3E}">
-        <p14:creationId xmlns:p14="http://schemas.microsoft.com/office/powerpoint/2010/main" val="2023976206"/>
+        <p14:creationId xmlns:p14="http://schemas.microsoft.com/office/powerpoint/2010/main" val="1986136101"/>
       </p:ext>
     </p:extLst>
   </p:cSld>
@@ -476,6 +460,112 @@
 </p:notesMaster>
 </file>
 
+<file path=ppt/notesSlides/notesSlide1.xml><?xml version="1.0" encoding="utf-8"?>
+<p:notes xmlns:a="http://schemas.openxmlformats.org/drawingml/2006/main" xmlns:r="http://schemas.openxmlformats.org/officeDocument/2006/relationships" xmlns:p="http://schemas.openxmlformats.org/presentationml/2006/main" showMasterSp="0" showMasterPhAnim="0">
+  <p:cSld>
+    <p:spTree>
+      <p:nvGrpSpPr>
+        <p:cNvPr id="1" name="Shape 220"/>
+        <p:cNvGrpSpPr/>
+        <p:nvPr/>
+      </p:nvGrpSpPr>
+      <p:grpSpPr>
+        <a:xfrm>
+          <a:off x="0" y="0"/>
+          <a:ext cx="0" cy="0"/>
+          <a:chOff x="0" y="0"/>
+          <a:chExt cx="0" cy="0"/>
+        </a:xfrm>
+      </p:grpSpPr>
+      <p:sp>
+        <p:nvSpPr>
+          <p:cNvPr id="221" name="Shape 221"/>
+          <p:cNvSpPr txBox="1">
+            <a:spLocks noGrp="1"/>
+          </p:cNvSpPr>
+          <p:nvPr>
+            <p:ph type="body" idx="1"/>
+          </p:nvPr>
+        </p:nvSpPr>
+        <p:spPr>
+          <a:xfrm>
+            <a:off x="685800" y="4343400"/>
+            <a:ext cx="5486400" cy="4114800"/>
+          </a:xfrm>
+          <a:prstGeom prst="rect">
+            <a:avLst/>
+          </a:prstGeom>
+        </p:spPr>
+        <p:txBody>
+          <a:bodyPr lIns="91425" tIns="91425" rIns="91425" bIns="91425" anchor="t" anchorCtr="0">
+            <a:noAutofit/>
+          </a:bodyPr>
+          <a:lstStyle/>
+          <a:p>
+            <a:pPr lvl="0" rtl="0">
+              <a:spcBef>
+                <a:spcPts val="0"/>
+              </a:spcBef>
+              <a:buNone/>
+            </a:pPr>
+            <a:endParaRPr/>
+          </a:p>
+        </p:txBody>
+      </p:sp>
+      <p:sp>
+        <p:nvSpPr>
+          <p:cNvPr id="222" name="Shape 222"/>
+          <p:cNvSpPr>
+            <a:spLocks noGrp="1" noRot="1" noChangeAspect="1"/>
+          </p:cNvSpPr>
+          <p:nvPr>
+            <p:ph type="sldImg" idx="2"/>
+          </p:nvPr>
+        </p:nvSpPr>
+        <p:spPr>
+          <a:xfrm>
+            <a:off x="381000" y="685800"/>
+            <a:ext cx="6096000" cy="3429000"/>
+          </a:xfrm>
+          <a:custGeom>
+            <a:avLst/>
+            <a:gdLst/>
+            <a:ahLst/>
+            <a:cxnLst/>
+            <a:rect l="0" t="0" r="0" b="0"/>
+            <a:pathLst>
+              <a:path w="120000" h="120000" extrusionOk="0">
+                <a:moveTo>
+                  <a:pt x="0" y="0"/>
+                </a:moveTo>
+                <a:lnTo>
+                  <a:pt x="120000" y="0"/>
+                </a:lnTo>
+                <a:lnTo>
+                  <a:pt x="120000" y="120000"/>
+                </a:lnTo>
+                <a:lnTo>
+                  <a:pt x="0" y="120000"/>
+                </a:lnTo>
+                <a:close/>
+              </a:path>
+            </a:pathLst>
+          </a:custGeom>
+        </p:spPr>
+      </p:sp>
+    </p:spTree>
+    <p:extLst>
+      <p:ext uri="{BB962C8B-B14F-4D97-AF65-F5344CB8AC3E}">
+        <p14:creationId xmlns:p14="http://schemas.microsoft.com/office/powerpoint/2010/main" val="1453486146"/>
+      </p:ext>
+    </p:extLst>
+  </p:cSld>
+  <p:clrMapOvr>
+    <a:masterClrMapping/>
+  </p:clrMapOvr>
+</p:notes>
+</file>
+
 <file path=ppt/slideLayouts/slideLayout1.xml><?xml version="1.0" encoding="utf-8"?>
 <p:sldLayout xmlns:a="http://schemas.openxmlformats.org/drawingml/2006/main" xmlns:r="http://schemas.openxmlformats.org/officeDocument/2006/relationships" xmlns:p="http://schemas.openxmlformats.org/presentationml/2006/main" type="title" preserve="1">
   <p:cSld name="Title Slide">
@@ -505,13 +595,17 @@
         </p:nvSpPr>
         <p:spPr>
           <a:xfrm>
-            <a:off x="685800" y="2130425"/>
-            <a:ext cx="7772400" cy="1470025"/>
-          </a:xfrm>
-        </p:spPr>
-        <p:txBody>
-          <a:bodyPr/>
-          <a:lstStyle/>
+            <a:off x="1524000" y="1122363"/>
+            <a:ext cx="9144000" cy="2387600"/>
+          </a:xfrm>
+        </p:spPr>
+        <p:txBody>
+          <a:bodyPr anchor="b"/>
+          <a:lstStyle>
+            <a:lvl1pPr algn="ctr">
+              <a:defRPr sz="6000"/>
+            </a:lvl1pPr>
+          </a:lstStyle>
           <a:p>
             <a:r>
               <a:rPr lang="en-US" smtClean="0"/>
@@ -533,8 +627,8 @@
         </p:nvSpPr>
         <p:spPr>
           <a:xfrm>
-            <a:off x="1371600" y="3886200"/>
-            <a:ext cx="6400800" cy="1752600"/>
+            <a:off x="1524000" y="3602038"/>
+            <a:ext cx="9144000" cy="1655762"/>
           </a:xfrm>
         </p:spPr>
         <p:txBody>
@@ -542,93 +636,39 @@
           <a:lstStyle>
             <a:lvl1pPr marL="0" indent="0" algn="ctr">
               <a:buNone/>
-              <a:defRPr>
-                <a:solidFill>
-                  <a:schemeClr val="tx1">
-                    <a:tint val="75000"/>
-                  </a:schemeClr>
-                </a:solidFill>
-              </a:defRPr>
+              <a:defRPr sz="2400"/>
             </a:lvl1pPr>
             <a:lvl2pPr marL="457200" indent="0" algn="ctr">
               <a:buNone/>
-              <a:defRPr>
-                <a:solidFill>
-                  <a:schemeClr val="tx1">
-                    <a:tint val="75000"/>
-                  </a:schemeClr>
-                </a:solidFill>
-              </a:defRPr>
+              <a:defRPr sz="2000"/>
             </a:lvl2pPr>
             <a:lvl3pPr marL="914400" indent="0" algn="ctr">
               <a:buNone/>
-              <a:defRPr>
-                <a:solidFill>
-                  <a:schemeClr val="tx1">
-                    <a:tint val="75000"/>
-                  </a:schemeClr>
-                </a:solidFill>
-              </a:defRPr>
+              <a:defRPr sz="1800"/>
             </a:lvl3pPr>
             <a:lvl4pPr marL="1371600" indent="0" algn="ctr">
               <a:buNone/>
-              <a:defRPr>
-                <a:solidFill>
-                  <a:schemeClr val="tx1">
-                    <a:tint val="75000"/>
-                  </a:schemeClr>
-                </a:solidFill>
-              </a:defRPr>
+              <a:defRPr sz="1600"/>
             </a:lvl4pPr>
             <a:lvl5pPr marL="1828800" indent="0" algn="ctr">
               <a:buNone/>
-              <a:defRPr>
-                <a:solidFill>
-                  <a:schemeClr val="tx1">
-                    <a:tint val="75000"/>
-                  </a:schemeClr>
-                </a:solidFill>
-              </a:defRPr>
+              <a:defRPr sz="1600"/>
             </a:lvl5pPr>
             <a:lvl6pPr marL="2286000" indent="0" algn="ctr">
               <a:buNone/>
-              <a:defRPr>
-                <a:solidFill>
-                  <a:schemeClr val="tx1">
-                    <a:tint val="75000"/>
-                  </a:schemeClr>
-                </a:solidFill>
-              </a:defRPr>
+              <a:defRPr sz="1600"/>
             </a:lvl6pPr>
             <a:lvl7pPr marL="2743200" indent="0" algn="ctr">
               <a:buNone/>
-              <a:defRPr>
-                <a:solidFill>
-                  <a:schemeClr val="tx1">
-                    <a:tint val="75000"/>
-                  </a:schemeClr>
-                </a:solidFill>
-              </a:defRPr>
+              <a:defRPr sz="1600"/>
             </a:lvl7pPr>
             <a:lvl8pPr marL="3200400" indent="0" algn="ctr">
               <a:buNone/>
-              <a:defRPr>
-                <a:solidFill>
-                  <a:schemeClr val="tx1">
-                    <a:tint val="75000"/>
-                  </a:schemeClr>
-                </a:solidFill>
-              </a:defRPr>
+              <a:defRPr sz="1600"/>
             </a:lvl8pPr>
             <a:lvl9pPr marL="3657600" indent="0" algn="ctr">
               <a:buNone/>
-              <a:defRPr>
-                <a:solidFill>
-                  <a:schemeClr val="tx1">
-                    <a:tint val="75000"/>
-                  </a:schemeClr>
-                </a:solidFill>
-              </a:defRPr>
+              <a:defRPr sz="1600"/>
             </a:lvl9pPr>
           </a:lstStyle>
           <a:p>
@@ -655,9 +695,9 @@
           <a:bodyPr/>
           <a:lstStyle/>
           <a:p>
-            <a:fld id="{78C97017-6FC3-485B-9764-EAC9E56C1D49}" type="datetimeFigureOut">
-              <a:rPr lang="en-US" smtClean="0"/>
-              <a:t>2/2/2017</a:t>
+            <a:fld id="{F1F88101-B03D-3E43-ACD6-3C0D4BB6D11E}" type="datetimeFigureOut">
+              <a:rPr lang="en-US" smtClean="0"/>
+              <a:t>4/7/17</a:t>
             </a:fld>
             <a:endParaRPr lang="en-US"/>
           </a:p>
@@ -697,7 +737,7 @@
           <a:bodyPr/>
           <a:lstStyle/>
           <a:p>
-            <a:fld id="{FB34683C-161B-4520-BF45-B179E228CF2A}" type="slidenum">
+            <a:fld id="{BDABB64F-55DA-0D4C-B769-E8114F816D1C}" type="slidenum">
               <a:rPr lang="en-US" smtClean="0"/>
               <a:t>‹#›</a:t>
             </a:fld>
@@ -708,7 +748,7 @@
     </p:spTree>
     <p:extLst>
       <p:ext uri="{BB962C8B-B14F-4D97-AF65-F5344CB8AC3E}">
-        <p14:creationId xmlns:p14="http://schemas.microsoft.com/office/powerpoint/2010/main" val="3246593157"/>
+        <p14:creationId xmlns:p14="http://schemas.microsoft.com/office/powerpoint/2010/main" val="1323961857"/>
       </p:ext>
     </p:extLst>
   </p:cSld>
@@ -825,9 +865,9 @@
           <a:bodyPr/>
           <a:lstStyle/>
           <a:p>
-            <a:fld id="{78C97017-6FC3-485B-9764-EAC9E56C1D49}" type="datetimeFigureOut">
-              <a:rPr lang="en-US" smtClean="0"/>
-              <a:t>2/2/2017</a:t>
+            <a:fld id="{F1F88101-B03D-3E43-ACD6-3C0D4BB6D11E}" type="datetimeFigureOut">
+              <a:rPr lang="en-US" smtClean="0"/>
+              <a:t>4/7/17</a:t>
             </a:fld>
             <a:endParaRPr lang="en-US"/>
           </a:p>
@@ -867,7 +907,7 @@
           <a:bodyPr/>
           <a:lstStyle/>
           <a:p>
-            <a:fld id="{FB34683C-161B-4520-BF45-B179E228CF2A}" type="slidenum">
+            <a:fld id="{BDABB64F-55DA-0D4C-B769-E8114F816D1C}" type="slidenum">
               <a:rPr lang="en-US" smtClean="0"/>
               <a:t>‹#›</a:t>
             </a:fld>
@@ -878,7 +918,7 @@
     </p:spTree>
     <p:extLst>
       <p:ext uri="{BB962C8B-B14F-4D97-AF65-F5344CB8AC3E}">
-        <p14:creationId xmlns:p14="http://schemas.microsoft.com/office/powerpoint/2010/main" val="2707025021"/>
+        <p14:creationId xmlns:p14="http://schemas.microsoft.com/office/powerpoint/2010/main" val="1540256127"/>
       </p:ext>
     </p:extLst>
   </p:cSld>
@@ -917,8 +957,8 @@
         </p:nvSpPr>
         <p:spPr>
           <a:xfrm>
-            <a:off x="6629400" y="274638"/>
-            <a:ext cx="2057400" cy="5851525"/>
+            <a:off x="8724900" y="365125"/>
+            <a:ext cx="2628900" cy="5811838"/>
           </a:xfrm>
         </p:spPr>
         <p:txBody>
@@ -945,8 +985,8 @@
         </p:nvSpPr>
         <p:spPr>
           <a:xfrm>
-            <a:off x="457200" y="274638"/>
-            <a:ext cx="6019800" cy="5851525"/>
+            <a:off x="838200" y="365125"/>
+            <a:ext cx="7734300" cy="5811838"/>
           </a:xfrm>
         </p:spPr>
         <p:txBody>
@@ -1005,9 +1045,9 @@
           <a:bodyPr/>
           <a:lstStyle/>
           <a:p>
-            <a:fld id="{78C97017-6FC3-485B-9764-EAC9E56C1D49}" type="datetimeFigureOut">
-              <a:rPr lang="en-US" smtClean="0"/>
-              <a:t>2/2/2017</a:t>
+            <a:fld id="{F1F88101-B03D-3E43-ACD6-3C0D4BB6D11E}" type="datetimeFigureOut">
+              <a:rPr lang="en-US" smtClean="0"/>
+              <a:t>4/7/17</a:t>
             </a:fld>
             <a:endParaRPr lang="en-US"/>
           </a:p>
@@ -1047,7 +1087,7 @@
           <a:bodyPr/>
           <a:lstStyle/>
           <a:p>
-            <a:fld id="{FB34683C-161B-4520-BF45-B179E228CF2A}" type="slidenum">
+            <a:fld id="{BDABB64F-55DA-0D4C-B769-E8114F816D1C}" type="slidenum">
               <a:rPr lang="en-US" smtClean="0"/>
               <a:t>‹#›</a:t>
             </a:fld>
@@ -1058,7 +1098,7 @@
     </p:spTree>
     <p:extLst>
       <p:ext uri="{BB962C8B-B14F-4D97-AF65-F5344CB8AC3E}">
-        <p14:creationId xmlns:p14="http://schemas.microsoft.com/office/powerpoint/2010/main" val="568378986"/>
+        <p14:creationId xmlns:p14="http://schemas.microsoft.com/office/powerpoint/2010/main" val="1316845551"/>
       </p:ext>
     </p:extLst>
   </p:cSld>
@@ -1175,9 +1215,9 @@
           <a:bodyPr/>
           <a:lstStyle/>
           <a:p>
-            <a:fld id="{78C97017-6FC3-485B-9764-EAC9E56C1D49}" type="datetimeFigureOut">
-              <a:rPr lang="en-US" smtClean="0"/>
-              <a:t>2/2/2017</a:t>
+            <a:fld id="{F1F88101-B03D-3E43-ACD6-3C0D4BB6D11E}" type="datetimeFigureOut">
+              <a:rPr lang="en-US" smtClean="0"/>
+              <a:t>4/7/17</a:t>
             </a:fld>
             <a:endParaRPr lang="en-US"/>
           </a:p>
@@ -1217,7 +1257,7 @@
           <a:bodyPr/>
           <a:lstStyle/>
           <a:p>
-            <a:fld id="{FB34683C-161B-4520-BF45-B179E228CF2A}" type="slidenum">
+            <a:fld id="{BDABB64F-55DA-0D4C-B769-E8114F816D1C}" type="slidenum">
               <a:rPr lang="en-US" smtClean="0"/>
               <a:t>‹#›</a:t>
             </a:fld>
@@ -1228,7 +1268,7 @@
     </p:spTree>
     <p:extLst>
       <p:ext uri="{BB962C8B-B14F-4D97-AF65-F5344CB8AC3E}">
-        <p14:creationId xmlns:p14="http://schemas.microsoft.com/office/powerpoint/2010/main" val="266658052"/>
+        <p14:creationId xmlns:p14="http://schemas.microsoft.com/office/powerpoint/2010/main" val="1143362186"/>
       </p:ext>
     </p:extLst>
   </p:cSld>
@@ -1267,15 +1307,15 @@
         </p:nvSpPr>
         <p:spPr>
           <a:xfrm>
-            <a:off x="722313" y="4406900"/>
-            <a:ext cx="7772400" cy="1362075"/>
-          </a:xfrm>
-        </p:spPr>
-        <p:txBody>
-          <a:bodyPr anchor="t"/>
+            <a:off x="831850" y="1709738"/>
+            <a:ext cx="10515600" cy="2852737"/>
+          </a:xfrm>
+        </p:spPr>
+        <p:txBody>
+          <a:bodyPr anchor="b"/>
           <a:lstStyle>
-            <a:lvl1pPr algn="l">
-              <a:defRPr sz="4000" b="1" cap="all"/>
+            <a:lvl1pPr>
+              <a:defRPr sz="6000"/>
             </a:lvl1pPr>
           </a:lstStyle>
           <a:p>
@@ -1299,16 +1339,16 @@
         </p:nvSpPr>
         <p:spPr>
           <a:xfrm>
-            <a:off x="722313" y="2906713"/>
-            <a:ext cx="7772400" cy="1500187"/>
-          </a:xfrm>
-        </p:spPr>
-        <p:txBody>
-          <a:bodyPr anchor="b"/>
+            <a:off x="831850" y="4589463"/>
+            <a:ext cx="10515600" cy="1500187"/>
+          </a:xfrm>
+        </p:spPr>
+        <p:txBody>
+          <a:bodyPr/>
           <a:lstStyle>
             <a:lvl1pPr marL="0" indent="0">
               <a:buNone/>
-              <a:defRPr sz="2000">
+              <a:defRPr sz="2400">
                 <a:solidFill>
                   <a:schemeClr val="tx1">
                     <a:tint val="75000"/>
@@ -1318,7 +1358,7 @@
             </a:lvl1pPr>
             <a:lvl2pPr marL="457200" indent="0">
               <a:buNone/>
-              <a:defRPr sz="1800">
+              <a:defRPr sz="2000">
                 <a:solidFill>
                   <a:schemeClr val="tx1">
                     <a:tint val="75000"/>
@@ -1328,7 +1368,7 @@
             </a:lvl2pPr>
             <a:lvl3pPr marL="914400" indent="0">
               <a:buNone/>
-              <a:defRPr sz="1600">
+              <a:defRPr sz="1800">
                 <a:solidFill>
                   <a:schemeClr val="tx1">
                     <a:tint val="75000"/>
@@ -1338,7 +1378,7 @@
             </a:lvl3pPr>
             <a:lvl4pPr marL="1371600" indent="0">
               <a:buNone/>
-              <a:defRPr sz="1400">
+              <a:defRPr sz="1600">
                 <a:solidFill>
                   <a:schemeClr val="tx1">
                     <a:tint val="75000"/>
@@ -1348,7 +1388,7 @@
             </a:lvl4pPr>
             <a:lvl5pPr marL="1828800" indent="0">
               <a:buNone/>
-              <a:defRPr sz="1400">
+              <a:defRPr sz="1600">
                 <a:solidFill>
                   <a:schemeClr val="tx1">
                     <a:tint val="75000"/>
@@ -1358,7 +1398,7 @@
             </a:lvl5pPr>
             <a:lvl6pPr marL="2286000" indent="0">
               <a:buNone/>
-              <a:defRPr sz="1400">
+              <a:defRPr sz="1600">
                 <a:solidFill>
                   <a:schemeClr val="tx1">
                     <a:tint val="75000"/>
@@ -1368,7 +1408,7 @@
             </a:lvl6pPr>
             <a:lvl7pPr marL="2743200" indent="0">
               <a:buNone/>
-              <a:defRPr sz="1400">
+              <a:defRPr sz="1600">
                 <a:solidFill>
                   <a:schemeClr val="tx1">
                     <a:tint val="75000"/>
@@ -1378,7 +1418,7 @@
             </a:lvl7pPr>
             <a:lvl8pPr marL="3200400" indent="0">
               <a:buNone/>
-              <a:defRPr sz="1400">
+              <a:defRPr sz="1600">
                 <a:solidFill>
                   <a:schemeClr val="tx1">
                     <a:tint val="75000"/>
@@ -1388,7 +1428,7 @@
             </a:lvl8pPr>
             <a:lvl9pPr marL="3657600" indent="0">
               <a:buNone/>
-              <a:defRPr sz="1400">
+              <a:defRPr sz="1600">
                 <a:solidFill>
                   <a:schemeClr val="tx1">
                     <a:tint val="75000"/>
@@ -1421,9 +1461,9 @@
           <a:bodyPr/>
           <a:lstStyle/>
           <a:p>
-            <a:fld id="{78C97017-6FC3-485B-9764-EAC9E56C1D49}" type="datetimeFigureOut">
-              <a:rPr lang="en-US" smtClean="0"/>
-              <a:t>2/2/2017</a:t>
+            <a:fld id="{F1F88101-B03D-3E43-ACD6-3C0D4BB6D11E}" type="datetimeFigureOut">
+              <a:rPr lang="en-US" smtClean="0"/>
+              <a:t>4/7/17</a:t>
             </a:fld>
             <a:endParaRPr lang="en-US"/>
           </a:p>
@@ -1463,7 +1503,7 @@
           <a:bodyPr/>
           <a:lstStyle/>
           <a:p>
-            <a:fld id="{FB34683C-161B-4520-BF45-B179E228CF2A}" type="slidenum">
+            <a:fld id="{BDABB64F-55DA-0D4C-B769-E8114F816D1C}" type="slidenum">
               <a:rPr lang="en-US" smtClean="0"/>
               <a:t>‹#›</a:t>
             </a:fld>
@@ -1474,7 +1514,7 @@
     </p:spTree>
     <p:extLst>
       <p:ext uri="{BB962C8B-B14F-4D97-AF65-F5344CB8AC3E}">
-        <p14:creationId xmlns:p14="http://schemas.microsoft.com/office/powerpoint/2010/main" val="474686344"/>
+        <p14:creationId xmlns:p14="http://schemas.microsoft.com/office/powerpoint/2010/main" val="804586746"/>
       </p:ext>
     </p:extLst>
   </p:cSld>
@@ -1536,41 +1576,13 @@
         </p:nvSpPr>
         <p:spPr>
           <a:xfrm>
-            <a:off x="457200" y="1600200"/>
-            <a:ext cx="4038600" cy="4525963"/>
+            <a:off x="838200" y="1825625"/>
+            <a:ext cx="5181600" cy="4351338"/>
           </a:xfrm>
         </p:spPr>
         <p:txBody>
           <a:bodyPr/>
-          <a:lstStyle>
-            <a:lvl1pPr>
-              <a:defRPr sz="2800"/>
-            </a:lvl1pPr>
-            <a:lvl2pPr>
-              <a:defRPr sz="2400"/>
-            </a:lvl2pPr>
-            <a:lvl3pPr>
-              <a:defRPr sz="2000"/>
-            </a:lvl3pPr>
-            <a:lvl4pPr>
-              <a:defRPr sz="1800"/>
-            </a:lvl4pPr>
-            <a:lvl5pPr>
-              <a:defRPr sz="1800"/>
-            </a:lvl5pPr>
-            <a:lvl6pPr>
-              <a:defRPr sz="1800"/>
-            </a:lvl6pPr>
-            <a:lvl7pPr>
-              <a:defRPr sz="1800"/>
-            </a:lvl7pPr>
-            <a:lvl8pPr>
-              <a:defRPr sz="1800"/>
-            </a:lvl8pPr>
-            <a:lvl9pPr>
-              <a:defRPr sz="1800"/>
-            </a:lvl9pPr>
-          </a:lstStyle>
+          <a:lstStyle/>
           <a:p>
             <a:pPr lvl="0"/>
             <a:r>
@@ -1621,41 +1633,13 @@
         </p:nvSpPr>
         <p:spPr>
           <a:xfrm>
-            <a:off x="4648200" y="1600200"/>
-            <a:ext cx="4038600" cy="4525963"/>
+            <a:off x="6172200" y="1825625"/>
+            <a:ext cx="5181600" cy="4351338"/>
           </a:xfrm>
         </p:spPr>
         <p:txBody>
           <a:bodyPr/>
-          <a:lstStyle>
-            <a:lvl1pPr>
-              <a:defRPr sz="2800"/>
-            </a:lvl1pPr>
-            <a:lvl2pPr>
-              <a:defRPr sz="2400"/>
-            </a:lvl2pPr>
-            <a:lvl3pPr>
-              <a:defRPr sz="2000"/>
-            </a:lvl3pPr>
-            <a:lvl4pPr>
-              <a:defRPr sz="1800"/>
-            </a:lvl4pPr>
-            <a:lvl5pPr>
-              <a:defRPr sz="1800"/>
-            </a:lvl5pPr>
-            <a:lvl6pPr>
-              <a:defRPr sz="1800"/>
-            </a:lvl6pPr>
-            <a:lvl7pPr>
-              <a:defRPr sz="1800"/>
-            </a:lvl7pPr>
-            <a:lvl8pPr>
-              <a:defRPr sz="1800"/>
-            </a:lvl8pPr>
-            <a:lvl9pPr>
-              <a:defRPr sz="1800"/>
-            </a:lvl9pPr>
-          </a:lstStyle>
+          <a:lstStyle/>
           <a:p>
             <a:pPr lvl="0"/>
             <a:r>
@@ -1709,9 +1693,9 @@
           <a:bodyPr/>
           <a:lstStyle/>
           <a:p>
-            <a:fld id="{78C97017-6FC3-485B-9764-EAC9E56C1D49}" type="datetimeFigureOut">
-              <a:rPr lang="en-US" smtClean="0"/>
-              <a:t>2/2/2017</a:t>
+            <a:fld id="{F1F88101-B03D-3E43-ACD6-3C0D4BB6D11E}" type="datetimeFigureOut">
+              <a:rPr lang="en-US" smtClean="0"/>
+              <a:t>4/7/17</a:t>
             </a:fld>
             <a:endParaRPr lang="en-US"/>
           </a:p>
@@ -1751,7 +1735,7 @@
           <a:bodyPr/>
           <a:lstStyle/>
           <a:p>
-            <a:fld id="{FB34683C-161B-4520-BF45-B179E228CF2A}" type="slidenum">
+            <a:fld id="{BDABB64F-55DA-0D4C-B769-E8114F816D1C}" type="slidenum">
               <a:rPr lang="en-US" smtClean="0"/>
               <a:t>‹#›</a:t>
             </a:fld>
@@ -1762,7 +1746,7 @@
     </p:spTree>
     <p:extLst>
       <p:ext uri="{BB962C8B-B14F-4D97-AF65-F5344CB8AC3E}">
-        <p14:creationId xmlns:p14="http://schemas.microsoft.com/office/powerpoint/2010/main" val="562293251"/>
+        <p14:creationId xmlns:p14="http://schemas.microsoft.com/office/powerpoint/2010/main" val="2132398510"/>
       </p:ext>
     </p:extLst>
   </p:cSld>
@@ -1799,14 +1783,15 @@
             <p:ph type="title"/>
           </p:nvPr>
         </p:nvSpPr>
-        <p:spPr/>
+        <p:spPr>
+          <a:xfrm>
+            <a:off x="839788" y="365125"/>
+            <a:ext cx="10515600" cy="1325563"/>
+          </a:xfrm>
+        </p:spPr>
         <p:txBody>
           <a:bodyPr/>
-          <a:lstStyle>
-            <a:lvl1pPr>
-              <a:defRPr/>
-            </a:lvl1pPr>
-          </a:lstStyle>
+          <a:lstStyle/>
           <a:p>
             <a:r>
               <a:rPr lang="en-US" smtClean="0"/>
@@ -1828,8 +1813,8 @@
         </p:nvSpPr>
         <p:spPr>
           <a:xfrm>
-            <a:off x="457200" y="1535113"/>
-            <a:ext cx="4040188" cy="639762"/>
+            <a:off x="839788" y="1681163"/>
+            <a:ext cx="5157787" cy="823912"/>
           </a:xfrm>
         </p:spPr>
         <p:txBody>
@@ -1893,41 +1878,13 @@
         </p:nvSpPr>
         <p:spPr>
           <a:xfrm>
-            <a:off x="457200" y="2174875"/>
-            <a:ext cx="4040188" cy="3951288"/>
+            <a:off x="839788" y="2505075"/>
+            <a:ext cx="5157787" cy="3684588"/>
           </a:xfrm>
         </p:spPr>
         <p:txBody>
           <a:bodyPr/>
-          <a:lstStyle>
-            <a:lvl1pPr>
-              <a:defRPr sz="2400"/>
-            </a:lvl1pPr>
-            <a:lvl2pPr>
-              <a:defRPr sz="2000"/>
-            </a:lvl2pPr>
-            <a:lvl3pPr>
-              <a:defRPr sz="1800"/>
-            </a:lvl3pPr>
-            <a:lvl4pPr>
-              <a:defRPr sz="1600"/>
-            </a:lvl4pPr>
-            <a:lvl5pPr>
-              <a:defRPr sz="1600"/>
-            </a:lvl5pPr>
-            <a:lvl6pPr>
-              <a:defRPr sz="1600"/>
-            </a:lvl6pPr>
-            <a:lvl7pPr>
-              <a:defRPr sz="1600"/>
-            </a:lvl7pPr>
-            <a:lvl8pPr>
-              <a:defRPr sz="1600"/>
-            </a:lvl8pPr>
-            <a:lvl9pPr>
-              <a:defRPr sz="1600"/>
-            </a:lvl9pPr>
-          </a:lstStyle>
+          <a:lstStyle/>
           <a:p>
             <a:pPr lvl="0"/>
             <a:r>
@@ -1978,8 +1935,8 @@
         </p:nvSpPr>
         <p:spPr>
           <a:xfrm>
-            <a:off x="4645025" y="1535113"/>
-            <a:ext cx="4041775" cy="639762"/>
+            <a:off x="6172200" y="1681163"/>
+            <a:ext cx="5183188" cy="823912"/>
           </a:xfrm>
         </p:spPr>
         <p:txBody>
@@ -2043,41 +2000,13 @@
         </p:nvSpPr>
         <p:spPr>
           <a:xfrm>
-            <a:off x="4645025" y="2174875"/>
-            <a:ext cx="4041775" cy="3951288"/>
+            <a:off x="6172200" y="2505075"/>
+            <a:ext cx="5183188" cy="3684588"/>
           </a:xfrm>
         </p:spPr>
         <p:txBody>
           <a:bodyPr/>
-          <a:lstStyle>
-            <a:lvl1pPr>
-              <a:defRPr sz="2400"/>
-            </a:lvl1pPr>
-            <a:lvl2pPr>
-              <a:defRPr sz="2000"/>
-            </a:lvl2pPr>
-            <a:lvl3pPr>
-              <a:defRPr sz="1800"/>
-            </a:lvl3pPr>
-            <a:lvl4pPr>
-              <a:defRPr sz="1600"/>
-            </a:lvl4pPr>
-            <a:lvl5pPr>
-              <a:defRPr sz="1600"/>
-            </a:lvl5pPr>
-            <a:lvl6pPr>
-              <a:defRPr sz="1600"/>
-            </a:lvl6pPr>
-            <a:lvl7pPr>
-              <a:defRPr sz="1600"/>
-            </a:lvl7pPr>
-            <a:lvl8pPr>
-              <a:defRPr sz="1600"/>
-            </a:lvl8pPr>
-            <a:lvl9pPr>
-              <a:defRPr sz="1600"/>
-            </a:lvl9pPr>
-          </a:lstStyle>
+          <a:lstStyle/>
           <a:p>
             <a:pPr lvl="0"/>
             <a:r>
@@ -2131,9 +2060,9 @@
           <a:bodyPr/>
           <a:lstStyle/>
           <a:p>
-            <a:fld id="{78C97017-6FC3-485B-9764-EAC9E56C1D49}" type="datetimeFigureOut">
-              <a:rPr lang="en-US" smtClean="0"/>
-              <a:t>2/2/2017</a:t>
+            <a:fld id="{F1F88101-B03D-3E43-ACD6-3C0D4BB6D11E}" type="datetimeFigureOut">
+              <a:rPr lang="en-US" smtClean="0"/>
+              <a:t>4/7/17</a:t>
             </a:fld>
             <a:endParaRPr lang="en-US"/>
           </a:p>
@@ -2173,7 +2102,7 @@
           <a:bodyPr/>
           <a:lstStyle/>
           <a:p>
-            <a:fld id="{FB34683C-161B-4520-BF45-B179E228CF2A}" type="slidenum">
+            <a:fld id="{BDABB64F-55DA-0D4C-B769-E8114F816D1C}" type="slidenum">
               <a:rPr lang="en-US" smtClean="0"/>
               <a:t>‹#›</a:t>
             </a:fld>
@@ -2184,7 +2113,7 @@
     </p:spTree>
     <p:extLst>
       <p:ext uri="{BB962C8B-B14F-4D97-AF65-F5344CB8AC3E}">
-        <p14:creationId xmlns:p14="http://schemas.microsoft.com/office/powerpoint/2010/main" val="1126424250"/>
+        <p14:creationId xmlns:p14="http://schemas.microsoft.com/office/powerpoint/2010/main" val="2014656434"/>
       </p:ext>
     </p:extLst>
   </p:cSld>
@@ -2249,9 +2178,9 @@
           <a:bodyPr/>
           <a:lstStyle/>
           <a:p>
-            <a:fld id="{78C97017-6FC3-485B-9764-EAC9E56C1D49}" type="datetimeFigureOut">
-              <a:rPr lang="en-US" smtClean="0"/>
-              <a:t>2/2/2017</a:t>
+            <a:fld id="{F1F88101-B03D-3E43-ACD6-3C0D4BB6D11E}" type="datetimeFigureOut">
+              <a:rPr lang="en-US" smtClean="0"/>
+              <a:t>4/7/17</a:t>
             </a:fld>
             <a:endParaRPr lang="en-US"/>
           </a:p>
@@ -2291,7 +2220,7 @@
           <a:bodyPr/>
           <a:lstStyle/>
           <a:p>
-            <a:fld id="{FB34683C-161B-4520-BF45-B179E228CF2A}" type="slidenum">
+            <a:fld id="{BDABB64F-55DA-0D4C-B769-E8114F816D1C}" type="slidenum">
               <a:rPr lang="en-US" smtClean="0"/>
               <a:t>‹#›</a:t>
             </a:fld>
@@ -2302,7 +2231,7 @@
     </p:spTree>
     <p:extLst>
       <p:ext uri="{BB962C8B-B14F-4D97-AF65-F5344CB8AC3E}">
-        <p14:creationId xmlns:p14="http://schemas.microsoft.com/office/powerpoint/2010/main" val="4159724230"/>
+        <p14:creationId xmlns:p14="http://schemas.microsoft.com/office/powerpoint/2010/main" val="956023989"/>
       </p:ext>
     </p:extLst>
   </p:cSld>
@@ -2344,9 +2273,9 @@
           <a:bodyPr/>
           <a:lstStyle/>
           <a:p>
-            <a:fld id="{78C97017-6FC3-485B-9764-EAC9E56C1D49}" type="datetimeFigureOut">
-              <a:rPr lang="en-US" smtClean="0"/>
-              <a:t>2/2/2017</a:t>
+            <a:fld id="{F1F88101-B03D-3E43-ACD6-3C0D4BB6D11E}" type="datetimeFigureOut">
+              <a:rPr lang="en-US" smtClean="0"/>
+              <a:t>4/7/17</a:t>
             </a:fld>
             <a:endParaRPr lang="en-US"/>
           </a:p>
@@ -2386,7 +2315,7 @@
           <a:bodyPr/>
           <a:lstStyle/>
           <a:p>
-            <a:fld id="{FB34683C-161B-4520-BF45-B179E228CF2A}" type="slidenum">
+            <a:fld id="{BDABB64F-55DA-0D4C-B769-E8114F816D1C}" type="slidenum">
               <a:rPr lang="en-US" smtClean="0"/>
               <a:t>‹#›</a:t>
             </a:fld>
@@ -2397,7 +2326,7 @@
     </p:spTree>
     <p:extLst>
       <p:ext uri="{BB962C8B-B14F-4D97-AF65-F5344CB8AC3E}">
-        <p14:creationId xmlns:p14="http://schemas.microsoft.com/office/powerpoint/2010/main" val="1793928710"/>
+        <p14:creationId xmlns:p14="http://schemas.microsoft.com/office/powerpoint/2010/main" val="422536269"/>
       </p:ext>
     </p:extLst>
   </p:cSld>
@@ -2436,15 +2365,15 @@
         </p:nvSpPr>
         <p:spPr>
           <a:xfrm>
-            <a:off x="457200" y="273050"/>
-            <a:ext cx="3008313" cy="1162050"/>
+            <a:off x="839788" y="457200"/>
+            <a:ext cx="3932237" cy="1600200"/>
           </a:xfrm>
         </p:spPr>
         <p:txBody>
           <a:bodyPr anchor="b"/>
           <a:lstStyle>
-            <a:lvl1pPr algn="l">
-              <a:defRPr sz="2000" b="1"/>
+            <a:lvl1pPr>
+              <a:defRPr sz="3200"/>
             </a:lvl1pPr>
           </a:lstStyle>
           <a:p>
@@ -2468,8 +2397,8 @@
         </p:nvSpPr>
         <p:spPr>
           <a:xfrm>
-            <a:off x="3575050" y="273050"/>
-            <a:ext cx="5111750" cy="5853113"/>
+            <a:off x="5183188" y="987425"/>
+            <a:ext cx="6172200" cy="4873625"/>
           </a:xfrm>
         </p:spPr>
         <p:txBody>
@@ -2553,8 +2482,8 @@
         </p:nvSpPr>
         <p:spPr>
           <a:xfrm>
-            <a:off x="457200" y="1435100"/>
-            <a:ext cx="3008313" cy="4691063"/>
+            <a:off x="839788" y="2057400"/>
+            <a:ext cx="3932237" cy="3811588"/>
           </a:xfrm>
         </p:spPr>
         <p:txBody>
@@ -2562,39 +2491,39 @@
           <a:lstStyle>
             <a:lvl1pPr marL="0" indent="0">
               <a:buNone/>
-              <a:defRPr sz="1400"/>
+              <a:defRPr sz="1600"/>
             </a:lvl1pPr>
             <a:lvl2pPr marL="457200" indent="0">
               <a:buNone/>
-              <a:defRPr sz="1200"/>
+              <a:defRPr sz="1400"/>
             </a:lvl2pPr>
             <a:lvl3pPr marL="914400" indent="0">
               <a:buNone/>
-              <a:defRPr sz="1000"/>
+              <a:defRPr sz="1200"/>
             </a:lvl3pPr>
             <a:lvl4pPr marL="1371600" indent="0">
               <a:buNone/>
-              <a:defRPr sz="900"/>
+              <a:defRPr sz="1000"/>
             </a:lvl4pPr>
             <a:lvl5pPr marL="1828800" indent="0">
               <a:buNone/>
-              <a:defRPr sz="900"/>
+              <a:defRPr sz="1000"/>
             </a:lvl5pPr>
             <a:lvl6pPr marL="2286000" indent="0">
               <a:buNone/>
-              <a:defRPr sz="900"/>
+              <a:defRPr sz="1000"/>
             </a:lvl6pPr>
             <a:lvl7pPr marL="2743200" indent="0">
               <a:buNone/>
-              <a:defRPr sz="900"/>
+              <a:defRPr sz="1000"/>
             </a:lvl7pPr>
             <a:lvl8pPr marL="3200400" indent="0">
               <a:buNone/>
-              <a:defRPr sz="900"/>
+              <a:defRPr sz="1000"/>
             </a:lvl8pPr>
             <a:lvl9pPr marL="3657600" indent="0">
               <a:buNone/>
-              <a:defRPr sz="900"/>
+              <a:defRPr sz="1000"/>
             </a:lvl9pPr>
           </a:lstStyle>
           <a:p>
@@ -2621,9 +2550,9 @@
           <a:bodyPr/>
           <a:lstStyle/>
           <a:p>
-            <a:fld id="{78C97017-6FC3-485B-9764-EAC9E56C1D49}" type="datetimeFigureOut">
-              <a:rPr lang="en-US" smtClean="0"/>
-              <a:t>2/2/2017</a:t>
+            <a:fld id="{F1F88101-B03D-3E43-ACD6-3C0D4BB6D11E}" type="datetimeFigureOut">
+              <a:rPr lang="en-US" smtClean="0"/>
+              <a:t>4/7/17</a:t>
             </a:fld>
             <a:endParaRPr lang="en-US"/>
           </a:p>
@@ -2663,7 +2592,7 @@
           <a:bodyPr/>
           <a:lstStyle/>
           <a:p>
-            <a:fld id="{FB34683C-161B-4520-BF45-B179E228CF2A}" type="slidenum">
+            <a:fld id="{BDABB64F-55DA-0D4C-B769-E8114F816D1C}" type="slidenum">
               <a:rPr lang="en-US" smtClean="0"/>
               <a:t>‹#›</a:t>
             </a:fld>
@@ -2674,7 +2603,7 @@
     </p:spTree>
     <p:extLst>
       <p:ext uri="{BB962C8B-B14F-4D97-AF65-F5344CB8AC3E}">
-        <p14:creationId xmlns:p14="http://schemas.microsoft.com/office/powerpoint/2010/main" val="2076802089"/>
+        <p14:creationId xmlns:p14="http://schemas.microsoft.com/office/powerpoint/2010/main" val="2030207224"/>
       </p:ext>
     </p:extLst>
   </p:cSld>
@@ -2713,15 +2642,15 @@
         </p:nvSpPr>
         <p:spPr>
           <a:xfrm>
-            <a:off x="1792288" y="4800600"/>
-            <a:ext cx="5486400" cy="566738"/>
+            <a:off x="839788" y="457200"/>
+            <a:ext cx="3932237" cy="1600200"/>
           </a:xfrm>
         </p:spPr>
         <p:txBody>
           <a:bodyPr anchor="b"/>
           <a:lstStyle>
-            <a:lvl1pPr algn="l">
-              <a:defRPr sz="2000" b="1"/>
+            <a:lvl1pPr>
+              <a:defRPr sz="3200"/>
             </a:lvl1pPr>
           </a:lstStyle>
           <a:p>
@@ -2745,8 +2674,8 @@
         </p:nvSpPr>
         <p:spPr>
           <a:xfrm>
-            <a:off x="1792288" y="612775"/>
-            <a:ext cx="5486400" cy="4114800"/>
+            <a:off x="5183188" y="987425"/>
+            <a:ext cx="6172200" cy="4873625"/>
           </a:xfrm>
         </p:spPr>
         <p:txBody>
@@ -2806,8 +2735,8 @@
         </p:nvSpPr>
         <p:spPr>
           <a:xfrm>
-            <a:off x="1792288" y="5367338"/>
-            <a:ext cx="5486400" cy="804862"/>
+            <a:off x="839788" y="2057400"/>
+            <a:ext cx="3932237" cy="3811588"/>
           </a:xfrm>
         </p:spPr>
         <p:txBody>
@@ -2815,39 +2744,39 @@
           <a:lstStyle>
             <a:lvl1pPr marL="0" indent="0">
               <a:buNone/>
-              <a:defRPr sz="1400"/>
+              <a:defRPr sz="1600"/>
             </a:lvl1pPr>
             <a:lvl2pPr marL="457200" indent="0">
               <a:buNone/>
-              <a:defRPr sz="1200"/>
+              <a:defRPr sz="1400"/>
             </a:lvl2pPr>
             <a:lvl3pPr marL="914400" indent="0">
               <a:buNone/>
-              <a:defRPr sz="1000"/>
+              <a:defRPr sz="1200"/>
             </a:lvl3pPr>
             <a:lvl4pPr marL="1371600" indent="0">
               <a:buNone/>
-              <a:defRPr sz="900"/>
+              <a:defRPr sz="1000"/>
             </a:lvl4pPr>
             <a:lvl5pPr marL="1828800" indent="0">
               <a:buNone/>
-              <a:defRPr sz="900"/>
+              <a:defRPr sz="1000"/>
             </a:lvl5pPr>
             <a:lvl6pPr marL="2286000" indent="0">
               <a:buNone/>
-              <a:defRPr sz="900"/>
+              <a:defRPr sz="1000"/>
             </a:lvl6pPr>
             <a:lvl7pPr marL="2743200" indent="0">
               <a:buNone/>
-              <a:defRPr sz="900"/>
+              <a:defRPr sz="1000"/>
             </a:lvl7pPr>
             <a:lvl8pPr marL="3200400" indent="0">
               <a:buNone/>
-              <a:defRPr sz="900"/>
+              <a:defRPr sz="1000"/>
             </a:lvl8pPr>
             <a:lvl9pPr marL="3657600" indent="0">
               <a:buNone/>
-              <a:defRPr sz="900"/>
+              <a:defRPr sz="1000"/>
             </a:lvl9pPr>
           </a:lstStyle>
           <a:p>
@@ -2874,9 +2803,9 @@
           <a:bodyPr/>
           <a:lstStyle/>
           <a:p>
-            <a:fld id="{78C97017-6FC3-485B-9764-EAC9E56C1D49}" type="datetimeFigureOut">
-              <a:rPr lang="en-US" smtClean="0"/>
-              <a:t>2/2/2017</a:t>
+            <a:fld id="{F1F88101-B03D-3E43-ACD6-3C0D4BB6D11E}" type="datetimeFigureOut">
+              <a:rPr lang="en-US" smtClean="0"/>
+              <a:t>4/7/17</a:t>
             </a:fld>
             <a:endParaRPr lang="en-US"/>
           </a:p>
@@ -2916,7 +2845,7 @@
           <a:bodyPr/>
           <a:lstStyle/>
           <a:p>
-            <a:fld id="{FB34683C-161B-4520-BF45-B179E228CF2A}" type="slidenum">
+            <a:fld id="{BDABB64F-55DA-0D4C-B769-E8114F816D1C}" type="slidenum">
               <a:rPr lang="en-US" smtClean="0"/>
               <a:t>‹#›</a:t>
             </a:fld>
@@ -2927,7 +2856,7 @@
     </p:spTree>
     <p:extLst>
       <p:ext uri="{BB962C8B-B14F-4D97-AF65-F5344CB8AC3E}">
-        <p14:creationId xmlns:p14="http://schemas.microsoft.com/office/powerpoint/2010/main" val="201835938"/>
+        <p14:creationId xmlns:p14="http://schemas.microsoft.com/office/powerpoint/2010/main" val="325146585"/>
       </p:ext>
     </p:extLst>
   </p:cSld>
@@ -2971,8 +2900,8 @@
         </p:nvSpPr>
         <p:spPr>
           <a:xfrm>
-            <a:off x="457200" y="274638"/>
-            <a:ext cx="8229600" cy="1143000"/>
+            <a:off x="838200" y="365125"/>
+            <a:ext cx="10515600" cy="1325563"/>
           </a:xfrm>
           <a:prstGeom prst="rect">
             <a:avLst/>
@@ -3004,8 +2933,8 @@
         </p:nvSpPr>
         <p:spPr>
           <a:xfrm>
-            <a:off x="457200" y="1600200"/>
-            <a:ext cx="8229600" cy="4525963"/>
+            <a:off x="838200" y="1825625"/>
+            <a:ext cx="10515600" cy="4351338"/>
           </a:xfrm>
           <a:prstGeom prst="rect">
             <a:avLst/>
@@ -3066,8 +2995,8 @@
         </p:nvSpPr>
         <p:spPr>
           <a:xfrm>
-            <a:off x="457200" y="6356350"/>
-            <a:ext cx="2133600" cy="365125"/>
+            <a:off x="838200" y="6356350"/>
+            <a:ext cx="2743200" cy="365125"/>
           </a:xfrm>
           <a:prstGeom prst="rect">
             <a:avLst/>
@@ -3087,9 +3016,9 @@
             </a:lvl1pPr>
           </a:lstStyle>
           <a:p>
-            <a:fld id="{78C97017-6FC3-485B-9764-EAC9E56C1D49}" type="datetimeFigureOut">
-              <a:rPr lang="en-US" smtClean="0"/>
-              <a:t>2/2/2017</a:t>
+            <a:fld id="{F1F88101-B03D-3E43-ACD6-3C0D4BB6D11E}" type="datetimeFigureOut">
+              <a:rPr lang="en-US" smtClean="0"/>
+              <a:t>4/7/17</a:t>
             </a:fld>
             <a:endParaRPr lang="en-US"/>
           </a:p>
@@ -3107,8 +3036,8 @@
         </p:nvSpPr>
         <p:spPr>
           <a:xfrm>
-            <a:off x="3124200" y="6356350"/>
-            <a:ext cx="2895600" cy="365125"/>
+            <a:off x="4038600" y="6356350"/>
+            <a:ext cx="4114800" cy="365125"/>
           </a:xfrm>
           <a:prstGeom prst="rect">
             <a:avLst/>
@@ -3144,8 +3073,8 @@
         </p:nvSpPr>
         <p:spPr>
           <a:xfrm>
-            <a:off x="6553200" y="6356350"/>
-            <a:ext cx="2133600" cy="365125"/>
+            <a:off x="8610600" y="6356350"/>
+            <a:ext cx="2743200" cy="365125"/>
           </a:xfrm>
           <a:prstGeom prst="rect">
             <a:avLst/>
@@ -3165,7 +3094,7 @@
             </a:lvl1pPr>
           </a:lstStyle>
           <a:p>
-            <a:fld id="{FB34683C-161B-4520-BF45-B179E228CF2A}" type="slidenum">
+            <a:fld id="{BDABB64F-55DA-0D4C-B769-E8114F816D1C}" type="slidenum">
               <a:rPr lang="en-US" smtClean="0"/>
               <a:t>‹#›</a:t>
             </a:fld>
@@ -3176,7 +3105,7 @@
     </p:spTree>
     <p:extLst>
       <p:ext uri="{BB962C8B-B14F-4D97-AF65-F5344CB8AC3E}">
-        <p14:creationId xmlns:p14="http://schemas.microsoft.com/office/powerpoint/2010/main" val="2341400630"/>
+        <p14:creationId xmlns:p14="http://schemas.microsoft.com/office/powerpoint/2010/main" val="363976759"/>
       </p:ext>
     </p:extLst>
   </p:cSld>
@@ -3196,7 +3125,10 @@
   </p:sldLayoutIdLst>
   <p:txStyles>
     <p:titleStyle>
-      <a:lvl1pPr algn="ctr" defTabSz="914400" rtl="0" eaLnBrk="1" latinLnBrk="0" hangingPunct="1">
+      <a:lvl1pPr algn="l" defTabSz="914400" rtl="0" eaLnBrk="1" latinLnBrk="0" hangingPunct="1">
+        <a:lnSpc>
+          <a:spcPct val="90000"/>
+        </a:lnSpc>
         <a:spcBef>
           <a:spcPct val="0"/>
         </a:spcBef>
@@ -3212,13 +3144,16 @@
       </a:lvl1pPr>
     </p:titleStyle>
     <p:bodyStyle>
-      <a:lvl1pPr marL="342900" indent="-342900" algn="l" defTabSz="914400" rtl="0" eaLnBrk="1" latinLnBrk="0" hangingPunct="1">
+      <a:lvl1pPr marL="228600" indent="-228600" algn="l" defTabSz="914400" rtl="0" eaLnBrk="1" latinLnBrk="0" hangingPunct="1">
+        <a:lnSpc>
+          <a:spcPct val="90000"/>
+        </a:lnSpc>
         <a:spcBef>
-          <a:spcPct val="20000"/>
+          <a:spcPts val="1000"/>
         </a:spcBef>
-        <a:buFont typeface="Arial" panose="020B0604020202020204" pitchFamily="34" charset="0"/>
+        <a:buFont typeface="Arial"/>
         <a:buChar char="•"/>
-        <a:defRPr sz="3200" kern="1200">
+        <a:defRPr sz="2800" kern="1200">
           <a:solidFill>
             <a:schemeClr val="tx1"/>
           </a:solidFill>
@@ -3227,13 +3162,16 @@
           <a:cs typeface="+mn-cs"/>
         </a:defRPr>
       </a:lvl1pPr>
-      <a:lvl2pPr marL="742950" indent="-285750" algn="l" defTabSz="914400" rtl="0" eaLnBrk="1" latinLnBrk="0" hangingPunct="1">
+      <a:lvl2pPr marL="685800" indent="-228600" algn="l" defTabSz="914400" rtl="0" eaLnBrk="1" latinLnBrk="0" hangingPunct="1">
+        <a:lnSpc>
+          <a:spcPct val="90000"/>
+        </a:lnSpc>
         <a:spcBef>
-          <a:spcPct val="20000"/>
+          <a:spcPts val="500"/>
         </a:spcBef>
-        <a:buFont typeface="Arial" panose="020B0604020202020204" pitchFamily="34" charset="0"/>
-        <a:buChar char="–"/>
-        <a:defRPr sz="2800" kern="1200">
+        <a:buFont typeface="Arial"/>
+        <a:buChar char="•"/>
+        <a:defRPr sz="2400" kern="1200">
           <a:solidFill>
             <a:schemeClr val="tx1"/>
           </a:solidFill>
@@ -3243,12 +3181,15 @@
         </a:defRPr>
       </a:lvl2pPr>
       <a:lvl3pPr marL="1143000" indent="-228600" algn="l" defTabSz="914400" rtl="0" eaLnBrk="1" latinLnBrk="0" hangingPunct="1">
+        <a:lnSpc>
+          <a:spcPct val="90000"/>
+        </a:lnSpc>
         <a:spcBef>
-          <a:spcPct val="20000"/>
+          <a:spcPts val="500"/>
         </a:spcBef>
-        <a:buFont typeface="Arial" panose="020B0604020202020204" pitchFamily="34" charset="0"/>
+        <a:buFont typeface="Arial"/>
         <a:buChar char="•"/>
-        <a:defRPr sz="2400" kern="1200">
+        <a:defRPr sz="2000" kern="1200">
           <a:solidFill>
             <a:schemeClr val="tx1"/>
           </a:solidFill>
@@ -3258,12 +3199,15 @@
         </a:defRPr>
       </a:lvl3pPr>
       <a:lvl4pPr marL="1600200" indent="-228600" algn="l" defTabSz="914400" rtl="0" eaLnBrk="1" latinLnBrk="0" hangingPunct="1">
+        <a:lnSpc>
+          <a:spcPct val="90000"/>
+        </a:lnSpc>
         <a:spcBef>
-          <a:spcPct val="20000"/>
+          <a:spcPts val="500"/>
         </a:spcBef>
-        <a:buFont typeface="Arial" panose="020B0604020202020204" pitchFamily="34" charset="0"/>
-        <a:buChar char="–"/>
-        <a:defRPr sz="2000" kern="1200">
+        <a:buFont typeface="Arial"/>
+        <a:buChar char="•"/>
+        <a:defRPr sz="1800" kern="1200">
           <a:solidFill>
             <a:schemeClr val="tx1"/>
           </a:solidFill>
@@ -3273,12 +3217,15 @@
         </a:defRPr>
       </a:lvl4pPr>
       <a:lvl5pPr marL="2057400" indent="-228600" algn="l" defTabSz="914400" rtl="0" eaLnBrk="1" latinLnBrk="0" hangingPunct="1">
+        <a:lnSpc>
+          <a:spcPct val="90000"/>
+        </a:lnSpc>
         <a:spcBef>
-          <a:spcPct val="20000"/>
+          <a:spcPts val="500"/>
         </a:spcBef>
-        <a:buFont typeface="Arial" panose="020B0604020202020204" pitchFamily="34" charset="0"/>
-        <a:buChar char="»"/>
-        <a:defRPr sz="2000" kern="1200">
+        <a:buFont typeface="Arial"/>
+        <a:buChar char="•"/>
+        <a:defRPr sz="1800" kern="1200">
           <a:solidFill>
             <a:schemeClr val="tx1"/>
           </a:solidFill>
@@ -3288,12 +3235,15 @@
         </a:defRPr>
       </a:lvl5pPr>
       <a:lvl6pPr marL="2514600" indent="-228600" algn="l" defTabSz="914400" rtl="0" eaLnBrk="1" latinLnBrk="0" hangingPunct="1">
+        <a:lnSpc>
+          <a:spcPct val="90000"/>
+        </a:lnSpc>
         <a:spcBef>
-          <a:spcPct val="20000"/>
+          <a:spcPts val="500"/>
         </a:spcBef>
-        <a:buFont typeface="Arial" panose="020B0604020202020204" pitchFamily="34" charset="0"/>
+        <a:buFont typeface="Arial"/>
         <a:buChar char="•"/>
-        <a:defRPr sz="2000" kern="1200">
+        <a:defRPr sz="1800" kern="1200">
           <a:solidFill>
             <a:schemeClr val="tx1"/>
           </a:solidFill>
@@ -3303,12 +3253,15 @@
         </a:defRPr>
       </a:lvl6pPr>
       <a:lvl7pPr marL="2971800" indent="-228600" algn="l" defTabSz="914400" rtl="0" eaLnBrk="1" latinLnBrk="0" hangingPunct="1">
+        <a:lnSpc>
+          <a:spcPct val="90000"/>
+        </a:lnSpc>
         <a:spcBef>
-          <a:spcPct val="20000"/>
+          <a:spcPts val="500"/>
         </a:spcBef>
-        <a:buFont typeface="Arial" panose="020B0604020202020204" pitchFamily="34" charset="0"/>
+        <a:buFont typeface="Arial"/>
         <a:buChar char="•"/>
-        <a:defRPr sz="2000" kern="1200">
+        <a:defRPr sz="1800" kern="1200">
           <a:solidFill>
             <a:schemeClr val="tx1"/>
           </a:solidFill>
@@ -3318,12 +3271,15 @@
         </a:defRPr>
       </a:lvl7pPr>
       <a:lvl8pPr marL="3429000" indent="-228600" algn="l" defTabSz="914400" rtl="0" eaLnBrk="1" latinLnBrk="0" hangingPunct="1">
+        <a:lnSpc>
+          <a:spcPct val="90000"/>
+        </a:lnSpc>
         <a:spcBef>
-          <a:spcPct val="20000"/>
+          <a:spcPts val="500"/>
         </a:spcBef>
-        <a:buFont typeface="Arial" panose="020B0604020202020204" pitchFamily="34" charset="0"/>
+        <a:buFont typeface="Arial"/>
         <a:buChar char="•"/>
-        <a:defRPr sz="2000" kern="1200">
+        <a:defRPr sz="1800" kern="1200">
           <a:solidFill>
             <a:schemeClr val="tx1"/>
           </a:solidFill>
@@ -3333,12 +3289,15 @@
         </a:defRPr>
       </a:lvl8pPr>
       <a:lvl9pPr marL="3886200" indent="-228600" algn="l" defTabSz="914400" rtl="0" eaLnBrk="1" latinLnBrk="0" hangingPunct="1">
+        <a:lnSpc>
+          <a:spcPct val="90000"/>
+        </a:lnSpc>
         <a:spcBef>
-          <a:spcPct val="20000"/>
+          <a:spcPts val="500"/>
         </a:spcBef>
-        <a:buFont typeface="Arial" panose="020B0604020202020204" pitchFamily="34" charset="0"/>
+        <a:buFont typeface="Arial"/>
         <a:buChar char="•"/>
-        <a:defRPr sz="2000" kern="1200">
+        <a:defRPr sz="1800" kern="1200">
           <a:solidFill>
             <a:schemeClr val="tx1"/>
           </a:solidFill>
@@ -3452,7 +3411,7 @@
   <p:cSld>
     <p:spTree>
       <p:nvGrpSpPr>
-        <p:cNvPr id="1" name=""/>
+        <p:cNvPr id="1" name="Shape 223"/>
         <p:cNvGrpSpPr/>
         <p:nvPr/>
       </p:nvGrpSpPr>
@@ -3466,75 +3425,127 @@
       </p:grpSpPr>
       <p:sp>
         <p:nvSpPr>
-          <p:cNvPr id="2" name="Rectangle 65"/>
+          <p:cNvPr id="224" name="Shape 224"/>
           <p:cNvSpPr/>
           <p:nvPr/>
         </p:nvSpPr>
         <p:spPr>
           <a:xfrm>
-            <a:off x="1066800" y="914400"/>
-            <a:ext cx="7467600" cy="3733800"/>
-          </a:xfrm>
-          <a:prstGeom prst="roundRect">
-            <a:avLst>
-              <a:gd name="adj" fmla="val 3484"/>
-            </a:avLst>
+            <a:off x="2585999" y="225580"/>
+            <a:ext cx="1308900" cy="555900"/>
+          </a:xfrm>
+          <a:prstGeom prst="rect">
+            <a:avLst/>
           </a:prstGeom>
           <a:solidFill>
-            <a:schemeClr val="accent1">
-              <a:lumMod val="20000"/>
-              <a:lumOff val="80000"/>
-            </a:schemeClr>
+            <a:srgbClr val="0070C0"/>
           </a:solidFill>
-          <a:ln w="19050">
-            <a:noFill/>
+          <a:ln w="19050" cap="flat" cmpd="sng">
+            <a:solidFill>
+              <a:srgbClr val="0070C0"/>
+            </a:solidFill>
+            <a:prstDash val="solid"/>
+            <a:round/>
+            <a:headEnd type="none" w="med" len="med"/>
+            <a:tailEnd type="none" w="med" len="med"/>
           </a:ln>
-          <a:effectLst/>
-        </p:spPr>
-        <p:style>
-          <a:lnRef idx="1">
-            <a:schemeClr val="accent2"/>
-          </a:lnRef>
-          <a:fillRef idx="2">
-            <a:schemeClr val="accent2"/>
-          </a:fillRef>
-          <a:effectRef idx="1">
-            <a:schemeClr val="accent2"/>
-          </a:effectRef>
-          <a:fontRef idx="minor">
-            <a:schemeClr val="dk1"/>
-          </a:fontRef>
-        </p:style>
-        <p:txBody>
-          <a:bodyPr rtlCol="0" anchor="t"/>
-          <a:lstStyle/>
-          <a:p>
-            <a:r>
-              <a:rPr lang="en-US" sz="1200" b="1" dirty="0">
+        </p:spPr>
+        <p:txBody>
+          <a:bodyPr lIns="91425" tIns="45700" rIns="91425" bIns="45700" anchor="ctr" anchorCtr="0">
+            <a:noAutofit/>
+          </a:bodyPr>
+          <a:lstStyle/>
+          <a:p>
+            <a:pPr algn="ctr">
+              <a:buSzPct val="25000"/>
+            </a:pPr>
+            <a:r>
+              <a:rPr lang="en-US" sz="1050">
+                <a:solidFill>
+                  <a:schemeClr val="lt1"/>
+                </a:solidFill>
+                <a:latin typeface="Calibri"/>
+                <a:ea typeface="Calibri"/>
+                <a:cs typeface="Calibri"/>
+                <a:sym typeface="Calibri"/>
+              </a:rPr>
+              <a:t>CommandResult</a:t>
+            </a:r>
+          </a:p>
+        </p:txBody>
+      </p:sp>
+      <p:sp>
+        <p:nvSpPr>
+          <p:cNvPr id="225" name="Shape 225"/>
+          <p:cNvSpPr/>
+          <p:nvPr/>
+        </p:nvSpPr>
+        <p:spPr>
+          <a:xfrm flipH="1">
+            <a:off x="8260927" y="2617351"/>
+            <a:ext cx="1063800" cy="376200"/>
+          </a:xfrm>
+          <a:prstGeom prst="rect">
+            <a:avLst/>
+          </a:prstGeom>
+          <a:gradFill>
+            <a:gsLst>
+              <a:gs pos="0">
+                <a:srgbClr val="9FC3FF"/>
+              </a:gs>
+              <a:gs pos="35000">
+                <a:srgbClr val="BDD5FF"/>
+              </a:gs>
+              <a:gs pos="100000">
+                <a:srgbClr val="E4EEFF"/>
+              </a:gs>
+            </a:gsLst>
+            <a:lin ang="16200038" scaled="0"/>
+          </a:gradFill>
+          <a:ln w="19050" cap="flat" cmpd="sng">
+            <a:solidFill>
+              <a:srgbClr val="0070C0"/>
+            </a:solidFill>
+            <a:prstDash val="solid"/>
+            <a:round/>
+            <a:headEnd type="none" w="med" len="med"/>
+            <a:tailEnd type="none" w="med" len="med"/>
+          </a:ln>
+        </p:spPr>
+        <p:txBody>
+          <a:bodyPr lIns="91425" tIns="45700" rIns="91425" bIns="45700" anchor="ctr" anchorCtr="0">
+            <a:noAutofit/>
+          </a:bodyPr>
+          <a:lstStyle/>
+          <a:p>
+            <a:pPr algn="ctr">
+              <a:buSzPct val="25000"/>
+            </a:pPr>
+            <a:r>
+              <a:rPr lang="en-US" sz="1050" b="1">
                 <a:solidFill>
                   <a:srgbClr val="0070C0"/>
                 </a:solidFill>
+                <a:latin typeface="Calibri"/>
+                <a:ea typeface="Calibri"/>
+                <a:cs typeface="Calibri"/>
+                <a:sym typeface="Calibri"/>
               </a:rPr>
-              <a:t>Logic</a:t>
-            </a:r>
-            <a:endParaRPr lang="en-SG" sz="1200" b="1" dirty="0">
-              <a:solidFill>
-                <a:srgbClr val="0070C0"/>
-              </a:solidFill>
-            </a:endParaRPr>
-          </a:p>
-        </p:txBody>
-      </p:sp>
-      <p:sp>
-        <p:nvSpPr>
-          <p:cNvPr id="3" name="Rectangle 8"/>
+              <a:t>AddCommand</a:t>
+            </a:r>
+          </a:p>
+        </p:txBody>
+      </p:sp>
+      <p:sp>
+        <p:nvSpPr>
+          <p:cNvPr id="226" name="Shape 226"/>
           <p:cNvSpPr/>
           <p:nvPr/>
         </p:nvSpPr>
         <p:spPr>
           <a:xfrm>
-            <a:off x="2095948" y="1253067"/>
-            <a:ext cx="1093635" cy="346760"/>
+            <a:off x="2349061" y="5099099"/>
+            <a:ext cx="1308900" cy="555900"/>
           </a:xfrm>
           <a:prstGeom prst="rect">
             <a:avLst/>
@@ -3542,114 +3553,551 @@
           <a:solidFill>
             <a:srgbClr val="0070C0"/>
           </a:solidFill>
-          <a:ln w="19050">
+          <a:ln w="19050" cap="flat" cmpd="sng">
             <a:solidFill>
               <a:srgbClr val="0070C0"/>
             </a:solidFill>
+            <a:prstDash val="solid"/>
+            <a:round/>
+            <a:headEnd type="none" w="med" len="med"/>
+            <a:tailEnd type="none" w="med" len="med"/>
           </a:ln>
-          <a:effectLst/>
-        </p:spPr>
-        <p:style>
-          <a:lnRef idx="1">
-            <a:schemeClr val="accent2"/>
-          </a:lnRef>
-          <a:fillRef idx="2">
-            <a:schemeClr val="accent2"/>
-          </a:fillRef>
-          <a:effectRef idx="1">
-            <a:schemeClr val="accent2"/>
-          </a:effectRef>
-          <a:fontRef idx="minor">
-            <a:schemeClr val="dk1"/>
-          </a:fontRef>
-        </p:style>
-        <p:txBody>
-          <a:bodyPr rtlCol="0" anchor="ctr"/>
-          <a:lstStyle/>
-          <a:p>
-            <a:pPr algn="ctr"/>
-            <a:r>
-              <a:rPr lang="en-US" sz="1050" dirty="0" err="1">
+        </p:spPr>
+        <p:txBody>
+          <a:bodyPr lIns="91425" tIns="45700" rIns="91425" bIns="45700" anchor="ctr" anchorCtr="0">
+            <a:noAutofit/>
+          </a:bodyPr>
+          <a:lstStyle/>
+          <a:p>
+            <a:pPr algn="ctr">
+              <a:buSzPct val="25000"/>
+            </a:pPr>
+            <a:r>
+              <a:rPr lang="en-US" sz="1050">
                 <a:solidFill>
-                  <a:schemeClr val="bg1"/>
+                  <a:schemeClr val="lt1"/>
                 </a:solidFill>
+                <a:latin typeface="Calibri"/>
+                <a:ea typeface="Calibri"/>
+                <a:cs typeface="Calibri"/>
+                <a:sym typeface="Calibri"/>
               </a:rPr>
-              <a:t>CommandResult</a:t>
-            </a:r>
-            <a:endParaRPr lang="en-SG" sz="1050" dirty="0">
-              <a:solidFill>
-                <a:schemeClr val="bg1"/>
-              </a:solidFill>
-            </a:endParaRPr>
-          </a:p>
-        </p:txBody>
-      </p:sp>
-      <p:sp>
-        <p:nvSpPr>
-          <p:cNvPr id="4" name="Rectangle 11"/>
-          <p:cNvSpPr/>
+              <a:t>LogicManager</a:t>
+            </a:r>
+          </a:p>
+        </p:txBody>
+      </p:sp>
+      <p:cxnSp>
+        <p:nvCxnSpPr>
+          <p:cNvPr id="227" name="Shape 227"/>
+          <p:cNvCxnSpPr>
+            <a:stCxn id="228" idx="3"/>
+            <a:endCxn id="224" idx="3"/>
+          </p:cNvCxnSpPr>
           <p:nvPr/>
-        </p:nvSpPr>
-        <p:spPr>
-          <a:xfrm flipH="1">
-            <a:off x="6520227" y="2149167"/>
-            <a:ext cx="1093635" cy="346760"/>
-          </a:xfrm>
-          <a:prstGeom prst="rect">
-            <a:avLst/>
-          </a:prstGeom>
-          <a:ln w="19050">
+        </p:nvCxnSpPr>
+        <p:spPr>
+          <a:xfrm rot="10800000">
+            <a:off x="3894774" y="503515"/>
+            <a:ext cx="6385200" cy="5179500"/>
+          </a:xfrm>
+          <a:prstGeom prst="bentConnector3">
+            <a:avLst>
+              <a:gd name="adj1" fmla="val -3729"/>
+            </a:avLst>
+          </a:prstGeom>
+          <a:gradFill>
+            <a:gsLst>
+              <a:gs pos="0">
+                <a:srgbClr val="FFA09D"/>
+              </a:gs>
+              <a:gs pos="35000">
+                <a:srgbClr val="FFBCBC"/>
+              </a:gs>
+              <a:gs pos="100000">
+                <a:srgbClr val="FFE2E2"/>
+              </a:gs>
+            </a:gsLst>
+            <a:lin ang="16200038" scaled="0"/>
+          </a:gradFill>
+          <a:ln w="19050" cap="flat" cmpd="sng">
             <a:solidFill>
               <a:srgbClr val="0070C0"/>
             </a:solidFill>
+            <a:prstDash val="dot"/>
+            <a:round/>
+            <a:headEnd type="none" w="med" len="med"/>
+            <a:tailEnd type="stealth" w="lg" len="lg"/>
           </a:ln>
-          <a:effectLst/>
-        </p:spPr>
-        <p:style>
-          <a:lnRef idx="1">
-            <a:schemeClr val="accent1"/>
-          </a:lnRef>
-          <a:fillRef idx="2">
-            <a:schemeClr val="accent1"/>
-          </a:fillRef>
-          <a:effectRef idx="1">
-            <a:schemeClr val="accent1"/>
-          </a:effectRef>
-          <a:fontRef idx="minor">
-            <a:schemeClr val="dk1"/>
-          </a:fontRef>
-        </p:style>
-        <p:txBody>
-          <a:bodyPr rtlCol="0" anchor="ctr"/>
-          <a:lstStyle/>
-          <a:p>
-            <a:pPr algn="ctr"/>
-            <a:r>
-              <a:rPr lang="en-US" sz="1050" b="1" dirty="0" err="1" smtClean="0">
+        </p:spPr>
+      </p:cxnSp>
+      <p:cxnSp>
+        <p:nvCxnSpPr>
+          <p:cNvPr id="229" name="Shape 229"/>
+          <p:cNvCxnSpPr>
+            <a:stCxn id="230" idx="3"/>
+            <a:endCxn id="224" idx="1"/>
+          </p:cNvCxnSpPr>
+          <p:nvPr/>
+        </p:nvCxnSpPr>
+        <p:spPr>
+          <a:xfrm rot="-5400000">
+            <a:off x="2096925" y="476300"/>
+            <a:ext cx="461700" cy="516300"/>
+          </a:xfrm>
+          <a:prstGeom prst="bentConnector2">
+            <a:avLst/>
+          </a:prstGeom>
+          <a:gradFill>
+            <a:gsLst>
+              <a:gs pos="0">
+                <a:srgbClr val="FFA09D"/>
+              </a:gs>
+              <a:gs pos="35000">
+                <a:srgbClr val="FFBCBC"/>
+              </a:gs>
+              <a:gs pos="100000">
+                <a:srgbClr val="FFE2E2"/>
+              </a:gs>
+            </a:gsLst>
+            <a:lin ang="16200038" scaled="0"/>
+          </a:gradFill>
+          <a:ln w="19050" cap="flat" cmpd="sng">
+            <a:solidFill>
+              <a:srgbClr val="0070C0"/>
+            </a:solidFill>
+            <a:prstDash val="dot"/>
+            <a:round/>
+            <a:headEnd type="none" w="med" len="med"/>
+            <a:tailEnd type="stealth" w="lg" len="lg"/>
+          </a:ln>
+        </p:spPr>
+      </p:cxnSp>
+      <p:sp>
+        <p:nvSpPr>
+          <p:cNvPr id="231" name="Shape 231"/>
+          <p:cNvSpPr/>
+          <p:nvPr/>
+        </p:nvSpPr>
+        <p:spPr>
+          <a:xfrm>
+            <a:off x="1775007" y="6332054"/>
+            <a:ext cx="8892900" cy="525900"/>
+          </a:xfrm>
+          <a:prstGeom prst="roundRect">
+            <a:avLst>
+              <a:gd name="adj" fmla="val 16667"/>
+            </a:avLst>
+          </a:prstGeom>
+          <a:solidFill>
+            <a:srgbClr val="E5DFEC"/>
+          </a:solidFill>
+          <a:ln>
+            <a:noFill/>
+          </a:ln>
+        </p:spPr>
+        <p:txBody>
+          <a:bodyPr lIns="91425" tIns="45700" rIns="91425" bIns="45700" anchor="ctr" anchorCtr="0">
+            <a:noAutofit/>
+          </a:bodyPr>
+          <a:lstStyle/>
+          <a:p>
+            <a:pPr algn="ctr">
+              <a:buSzPct val="25000"/>
+            </a:pPr>
+            <a:r>
+              <a:rPr lang="en-US" sz="1100" b="1">
+                <a:solidFill>
+                  <a:schemeClr val="lt1"/>
+                </a:solidFill>
+                <a:latin typeface="Calibri"/>
+                <a:ea typeface="Calibri"/>
+                <a:cs typeface="Calibri"/>
+                <a:sym typeface="Calibri"/>
+              </a:rPr>
+              <a:t>Model</a:t>
+            </a:r>
+          </a:p>
+        </p:txBody>
+      </p:sp>
+      <p:sp>
+        <p:nvSpPr>
+          <p:cNvPr id="232" name="Shape 232"/>
+          <p:cNvSpPr/>
+          <p:nvPr/>
+        </p:nvSpPr>
+        <p:spPr>
+          <a:xfrm flipH="1">
+            <a:off x="8286580" y="3167550"/>
+            <a:ext cx="1063800" cy="369900"/>
+          </a:xfrm>
+          <a:prstGeom prst="rect">
+            <a:avLst/>
+          </a:prstGeom>
+          <a:gradFill>
+            <a:gsLst>
+              <a:gs pos="0">
+                <a:srgbClr val="9FC3FF"/>
+              </a:gs>
+              <a:gs pos="35000">
+                <a:srgbClr val="BDD5FF"/>
+              </a:gs>
+              <a:gs pos="100000">
+                <a:srgbClr val="E4EEFF"/>
+              </a:gs>
+            </a:gsLst>
+            <a:lin ang="16200038" scaled="0"/>
+          </a:gradFill>
+          <a:ln w="19050" cap="flat" cmpd="sng">
+            <a:solidFill>
+              <a:srgbClr val="0070C0"/>
+            </a:solidFill>
+            <a:prstDash val="solid"/>
+            <a:round/>
+            <a:headEnd type="none" w="med" len="med"/>
+            <a:tailEnd type="none" w="med" len="med"/>
+          </a:ln>
+        </p:spPr>
+        <p:txBody>
+          <a:bodyPr lIns="91425" tIns="45700" rIns="91425" bIns="45700" anchor="ctr" anchorCtr="0">
+            <a:noAutofit/>
+          </a:bodyPr>
+          <a:lstStyle/>
+          <a:p>
+            <a:pPr algn="ctr">
+              <a:buSzPct val="25000"/>
+            </a:pPr>
+            <a:r>
+              <a:rPr lang="en-US" sz="1050" b="1">
                 <a:solidFill>
                   <a:srgbClr val="0070C0"/>
                 </a:solidFill>
+                <a:latin typeface="Calibri"/>
+                <a:ea typeface="Calibri"/>
+                <a:cs typeface="Calibri"/>
+                <a:sym typeface="Calibri"/>
               </a:rPr>
-              <a:t>AddCommand</a:t>
-            </a:r>
-            <a:endParaRPr lang="en-SG" sz="1050" b="1" dirty="0">
-              <a:solidFill>
-                <a:srgbClr val="0070C0"/>
-              </a:solidFill>
-            </a:endParaRPr>
-          </a:p>
-        </p:txBody>
-      </p:sp>
-      <p:sp>
-        <p:nvSpPr>
-          <p:cNvPr id="5" name="Rectangle 62"/>
+              <a:t>FindCommand</a:t>
+            </a:r>
+          </a:p>
+        </p:txBody>
+      </p:sp>
+      <p:sp>
+        <p:nvSpPr>
+          <p:cNvPr id="233" name="Shape 233"/>
           <p:cNvSpPr/>
           <p:nvPr/>
         </p:nvSpPr>
         <p:spPr>
+          <a:xfrm flipH="1">
+            <a:off x="8258242" y="3647500"/>
+            <a:ext cx="1063800" cy="428100"/>
+          </a:xfrm>
+          <a:prstGeom prst="rect">
+            <a:avLst/>
+          </a:prstGeom>
+          <a:gradFill>
+            <a:gsLst>
+              <a:gs pos="0">
+                <a:srgbClr val="9FC3FF"/>
+              </a:gs>
+              <a:gs pos="35000">
+                <a:srgbClr val="BDD5FF"/>
+              </a:gs>
+              <a:gs pos="100000">
+                <a:srgbClr val="E4EEFF"/>
+              </a:gs>
+            </a:gsLst>
+            <a:lin ang="16200038" scaled="0"/>
+          </a:gradFill>
+          <a:ln w="19050" cap="flat" cmpd="sng">
+            <a:solidFill>
+              <a:srgbClr val="0070C0"/>
+            </a:solidFill>
+            <a:prstDash val="solid"/>
+            <a:round/>
+            <a:headEnd type="none" w="med" len="med"/>
+            <a:tailEnd type="none" w="med" len="med"/>
+          </a:ln>
+        </p:spPr>
+        <p:txBody>
+          <a:bodyPr lIns="91425" tIns="45700" rIns="91425" bIns="45700" anchor="ctr" anchorCtr="0">
+            <a:noAutofit/>
+          </a:bodyPr>
+          <a:lstStyle/>
+          <a:p>
+            <a:pPr algn="ctr">
+              <a:buSzPct val="25000"/>
+            </a:pPr>
+            <a:r>
+              <a:rPr lang="en-US" sz="1050" b="1">
+                <a:solidFill>
+                  <a:srgbClr val="0070C0"/>
+                </a:solidFill>
+                <a:latin typeface="Calibri"/>
+                <a:ea typeface="Calibri"/>
+                <a:cs typeface="Calibri"/>
+                <a:sym typeface="Calibri"/>
+              </a:rPr>
+              <a:t>Incorrect</a:t>
+            </a:r>
+            <a:br>
+              <a:rPr lang="en-US" sz="1050" b="1">
+                <a:solidFill>
+                  <a:srgbClr val="0070C0"/>
+                </a:solidFill>
+                <a:latin typeface="Calibri"/>
+                <a:ea typeface="Calibri"/>
+                <a:cs typeface="Calibri"/>
+                <a:sym typeface="Calibri"/>
+              </a:rPr>
+            </a:br>
+            <a:r>
+              <a:rPr lang="en-US" sz="1050" b="1">
+                <a:solidFill>
+                  <a:srgbClr val="0070C0"/>
+                </a:solidFill>
+                <a:latin typeface="Calibri"/>
+                <a:ea typeface="Calibri"/>
+                <a:cs typeface="Calibri"/>
+                <a:sym typeface="Calibri"/>
+              </a:rPr>
+              <a:t>Command</a:t>
+            </a:r>
+          </a:p>
+        </p:txBody>
+      </p:sp>
+      <p:sp>
+        <p:nvSpPr>
+          <p:cNvPr id="228" name="Shape 228"/>
+          <p:cNvSpPr/>
+          <p:nvPr/>
+        </p:nvSpPr>
+        <p:spPr>
           <a:xfrm>
-            <a:off x="1780785" y="3772963"/>
-            <a:ext cx="1093635" cy="346760"/>
+            <a:off x="9356274" y="5405065"/>
+            <a:ext cx="923700" cy="555900"/>
+          </a:xfrm>
+          <a:prstGeom prst="rect">
+            <a:avLst/>
+          </a:prstGeom>
+          <a:gradFill>
+            <a:gsLst>
+              <a:gs pos="0">
+                <a:srgbClr val="9FC3FF"/>
+              </a:gs>
+              <a:gs pos="35000">
+                <a:srgbClr val="BDD5FF"/>
+              </a:gs>
+              <a:gs pos="100000">
+                <a:srgbClr val="E4EEFF"/>
+              </a:gs>
+            </a:gsLst>
+            <a:lin ang="16200038" scaled="0"/>
+          </a:gradFill>
+          <a:ln w="19050" cap="flat" cmpd="sng">
+            <a:solidFill>
+              <a:srgbClr val="0070C0"/>
+            </a:solidFill>
+            <a:prstDash val="solid"/>
+            <a:round/>
+            <a:headEnd type="none" w="med" len="med"/>
+            <a:tailEnd type="none" w="med" len="med"/>
+          </a:ln>
+        </p:spPr>
+        <p:txBody>
+          <a:bodyPr lIns="91425" tIns="45700" rIns="91425" bIns="45700" anchor="ctr" anchorCtr="0">
+            <a:noAutofit/>
+          </a:bodyPr>
+          <a:lstStyle/>
+          <a:p>
+            <a:pPr algn="ctr">
+              <a:buSzPct val="25000"/>
+            </a:pPr>
+            <a:r>
+              <a:rPr lang="en-US" sz="1050" b="1">
+                <a:solidFill>
+                  <a:srgbClr val="0070C0"/>
+                </a:solidFill>
+                <a:latin typeface="Calibri"/>
+                <a:ea typeface="Calibri"/>
+                <a:cs typeface="Calibri"/>
+                <a:sym typeface="Calibri"/>
+              </a:rPr>
+              <a:t>{abstract}</a:t>
+            </a:r>
+            <a:br>
+              <a:rPr lang="en-US" sz="1050" b="1">
+                <a:solidFill>
+                  <a:srgbClr val="0070C0"/>
+                </a:solidFill>
+                <a:latin typeface="Calibri"/>
+                <a:ea typeface="Calibri"/>
+                <a:cs typeface="Calibri"/>
+                <a:sym typeface="Calibri"/>
+              </a:rPr>
+            </a:br>
+            <a:r>
+              <a:rPr lang="en-US" sz="1050" b="1">
+                <a:solidFill>
+                  <a:srgbClr val="0070C0"/>
+                </a:solidFill>
+                <a:latin typeface="Calibri"/>
+                <a:ea typeface="Calibri"/>
+                <a:cs typeface="Calibri"/>
+                <a:sym typeface="Calibri"/>
+              </a:rPr>
+              <a:t>Command</a:t>
+            </a:r>
+          </a:p>
+        </p:txBody>
+      </p:sp>
+      <p:sp>
+        <p:nvSpPr>
+          <p:cNvPr id="234" name="Shape 234"/>
+          <p:cNvSpPr/>
+          <p:nvPr/>
+        </p:nvSpPr>
+        <p:spPr>
+          <a:xfrm>
+            <a:off x="4453724" y="5134786"/>
+            <a:ext cx="554099" cy="408000"/>
+          </a:xfrm>
+          <a:prstGeom prst="rect">
+            <a:avLst/>
+          </a:prstGeom>
+          <a:solidFill>
+            <a:schemeClr val="accent5"/>
+          </a:solidFill>
+          <a:ln w="9525" cap="flat" cmpd="sng">
+            <a:solidFill>
+              <a:srgbClr val="45A9C4"/>
+            </a:solidFill>
+            <a:prstDash val="solid"/>
+            <a:round/>
+            <a:headEnd type="none" w="med" len="med"/>
+            <a:tailEnd type="none" w="med" len="med"/>
+          </a:ln>
+        </p:spPr>
+        <p:txBody>
+          <a:bodyPr lIns="91425" tIns="45700" rIns="91425" bIns="45700" anchor="ctr" anchorCtr="0">
+            <a:noAutofit/>
+          </a:bodyPr>
+          <a:lstStyle/>
+          <a:p>
+            <a:pPr algn="ctr">
+              <a:buSzPct val="25000"/>
+            </a:pPr>
+            <a:r>
+              <a:rPr lang="en-US" sz="1050">
+                <a:solidFill>
+                  <a:schemeClr val="lt1"/>
+                </a:solidFill>
+                <a:latin typeface="Calibri"/>
+                <a:ea typeface="Calibri"/>
+                <a:cs typeface="Calibri"/>
+                <a:sym typeface="Calibri"/>
+              </a:rPr>
+              <a:t>Parser</a:t>
+            </a:r>
+          </a:p>
+        </p:txBody>
+      </p:sp>
+      <p:cxnSp>
+        <p:nvCxnSpPr>
+          <p:cNvPr id="235" name="Shape 235"/>
+          <p:cNvCxnSpPr>
+            <a:stCxn id="226" idx="3"/>
+            <a:endCxn id="234" idx="1"/>
+          </p:cNvCxnSpPr>
+          <p:nvPr/>
+        </p:nvCxnSpPr>
+        <p:spPr>
+          <a:xfrm rot="10800000" flipH="1">
+            <a:off x="3657961" y="5338649"/>
+            <a:ext cx="795900" cy="38400"/>
+          </a:xfrm>
+          <a:prstGeom prst="bentConnector3">
+            <a:avLst>
+              <a:gd name="adj1" fmla="val 49991"/>
+            </a:avLst>
+          </a:prstGeom>
+          <a:gradFill>
+            <a:gsLst>
+              <a:gs pos="0">
+                <a:srgbClr val="FFA09D"/>
+              </a:gs>
+              <a:gs pos="35000">
+                <a:srgbClr val="FFBCBC"/>
+              </a:gs>
+              <a:gs pos="100000">
+                <a:srgbClr val="FFE2E2"/>
+              </a:gs>
+            </a:gsLst>
+            <a:lin ang="16200038" scaled="0"/>
+          </a:gradFill>
+          <a:ln w="19050" cap="flat" cmpd="sng">
+            <a:solidFill>
+              <a:srgbClr val="0070C0"/>
+            </a:solidFill>
+            <a:prstDash val="solid"/>
+            <a:round/>
+            <a:headEnd type="none" w="med" len="med"/>
+            <a:tailEnd type="stealth" w="lg" len="lg"/>
+          </a:ln>
+        </p:spPr>
+      </p:cxnSp>
+      <p:cxnSp>
+        <p:nvCxnSpPr>
+          <p:cNvPr id="236" name="Shape 236"/>
+          <p:cNvCxnSpPr>
+            <a:stCxn id="228" idx="2"/>
+          </p:cNvCxnSpPr>
+          <p:nvPr/>
+        </p:nvCxnSpPr>
+        <p:spPr>
+          <a:xfrm>
+            <a:off x="9818124" y="5960965"/>
+            <a:ext cx="1200" cy="362700"/>
+          </a:xfrm>
+          <a:prstGeom prst="straightConnector1">
+            <a:avLst/>
+          </a:prstGeom>
+          <a:gradFill>
+            <a:gsLst>
+              <a:gs pos="0">
+                <a:srgbClr val="FFA09D"/>
+              </a:gs>
+              <a:gs pos="35000">
+                <a:srgbClr val="FFBCBC"/>
+              </a:gs>
+              <a:gs pos="100000">
+                <a:srgbClr val="FFE2E2"/>
+              </a:gs>
+            </a:gsLst>
+            <a:lin ang="16200038" scaled="0"/>
+          </a:gradFill>
+          <a:ln w="19050" cap="flat" cmpd="sng">
+            <a:solidFill>
+              <a:srgbClr val="0070C0"/>
+            </a:solidFill>
+            <a:prstDash val="dot"/>
+            <a:round/>
+            <a:headEnd type="none" w="med" len="med"/>
+            <a:tailEnd type="stealth" w="lg" len="lg"/>
+          </a:ln>
+        </p:spPr>
+      </p:cxnSp>
+      <p:sp>
+        <p:nvSpPr>
+          <p:cNvPr id="230" name="Shape 230"/>
+          <p:cNvSpPr/>
+          <p:nvPr/>
+        </p:nvSpPr>
+        <p:spPr>
+          <a:xfrm rot="-5400000">
+            <a:off x="572475" y="2255000"/>
+            <a:ext cx="2994300" cy="414900"/>
           </a:xfrm>
           <a:prstGeom prst="rect">
             <a:avLst/>
@@ -3657,888 +4105,342 @@
           <a:solidFill>
             <a:srgbClr val="0070C0"/>
           </a:solidFill>
-          <a:ln w="19050">
+          <a:ln w="19050" cap="flat" cmpd="sng">
             <a:solidFill>
               <a:srgbClr val="0070C0"/>
             </a:solidFill>
+            <a:prstDash val="solid"/>
+            <a:round/>
+            <a:headEnd type="none" w="med" len="med"/>
+            <a:tailEnd type="none" w="med" len="med"/>
           </a:ln>
-          <a:effectLst/>
-        </p:spPr>
-        <p:style>
-          <a:lnRef idx="1">
-            <a:schemeClr val="accent2"/>
-          </a:lnRef>
-          <a:fillRef idx="2">
-            <a:schemeClr val="accent2"/>
-          </a:fillRef>
-          <a:effectRef idx="1">
-            <a:schemeClr val="accent2"/>
-          </a:effectRef>
-          <a:fontRef idx="minor">
-            <a:schemeClr val="dk1"/>
-          </a:fontRef>
-        </p:style>
-        <p:txBody>
-          <a:bodyPr rtlCol="0" anchor="ctr"/>
-          <a:lstStyle/>
-          <a:p>
-            <a:pPr algn="ctr"/>
-            <a:r>
-              <a:rPr lang="en-US" sz="1050" dirty="0" err="1">
+        </p:spPr>
+        <p:txBody>
+          <a:bodyPr lIns="91425" tIns="45700" rIns="91425" bIns="45700" anchor="ctr" anchorCtr="0">
+            <a:noAutofit/>
+          </a:bodyPr>
+          <a:lstStyle/>
+          <a:p>
+            <a:pPr algn="ctr">
+              <a:buSzPct val="25000"/>
+            </a:pPr>
+            <a:r>
+              <a:rPr lang="en-US" sz="1050">
                 <a:solidFill>
-                  <a:schemeClr val="bg1"/>
+                  <a:schemeClr val="lt1"/>
                 </a:solidFill>
+                <a:latin typeface="Calibri"/>
+                <a:ea typeface="Calibri"/>
+                <a:cs typeface="Calibri"/>
+                <a:sym typeface="Calibri"/>
               </a:rPr>
-              <a:t>LogicManager</a:t>
-            </a:r>
-            <a:endParaRPr lang="en-SG" sz="1050" dirty="0">
-              <a:solidFill>
-                <a:schemeClr val="bg1"/>
-              </a:solidFill>
-            </a:endParaRPr>
-          </a:p>
-        </p:txBody>
-      </p:sp>
-      <p:cxnSp>
-        <p:nvCxnSpPr>
-          <p:cNvPr id="6" name="Elbow Connector 63"/>
-          <p:cNvCxnSpPr>
-            <a:stCxn id="12" idx="3"/>
-            <a:endCxn id="3" idx="3"/>
-          </p:cNvCxnSpPr>
+              <a:t>&lt;&lt;interface&gt;&gt;</a:t>
+            </a:r>
+          </a:p>
+          <a:p>
+            <a:pPr algn="ctr">
+              <a:buSzPct val="25000"/>
+            </a:pPr>
+            <a:r>
+              <a:rPr lang="en-US" sz="1050">
+                <a:solidFill>
+                  <a:schemeClr val="lt1"/>
+                </a:solidFill>
+                <a:latin typeface="Calibri"/>
+                <a:ea typeface="Calibri"/>
+                <a:cs typeface="Calibri"/>
+                <a:sym typeface="Calibri"/>
+              </a:rPr>
+              <a:t>Logic</a:t>
+            </a:r>
+          </a:p>
+        </p:txBody>
+      </p:sp>
+      <p:sp>
+        <p:nvSpPr>
+          <p:cNvPr id="237" name="Shape 237"/>
+          <p:cNvSpPr/>
           <p:nvPr/>
-        </p:nvCxnSpPr>
-        <p:spPr>
-          <a:xfrm flipH="1" flipV="1">
-            <a:off x="3189583" y="1426447"/>
-            <a:ext cx="5020699" cy="2895973"/>
-          </a:xfrm>
-          <a:prstGeom prst="bentConnector3">
+        </p:nvSpPr>
+        <p:spPr>
+          <a:xfrm>
+            <a:off x="1907778" y="3993578"/>
+            <a:ext cx="323700" cy="281100"/>
+          </a:xfrm>
+          <a:prstGeom prst="triangle">
             <a:avLst>
-              <a:gd name="adj1" fmla="val -2713"/>
+              <a:gd name="adj" fmla="val 50000"/>
             </a:avLst>
           </a:prstGeom>
-          <a:ln w="19050">
+          <a:solidFill>
+            <a:srgbClr val="538CD5"/>
+          </a:solidFill>
+          <a:ln w="19050" cap="flat" cmpd="sng">
             <a:solidFill>
               <a:srgbClr val="0070C0"/>
             </a:solidFill>
-            <a:prstDash val="sysDot"/>
+            <a:prstDash val="solid"/>
+            <a:round/>
             <a:headEnd type="none" w="med" len="med"/>
-            <a:tailEnd type="arrow" w="med" len="med"/>
+            <a:tailEnd type="none" w="med" len="med"/>
           </a:ln>
-          <a:effectLst/>
-        </p:spPr>
-        <p:style>
-          <a:lnRef idx="1">
-            <a:schemeClr val="accent2"/>
-          </a:lnRef>
-          <a:fillRef idx="2">
-            <a:schemeClr val="accent2"/>
-          </a:fillRef>
-          <a:effectRef idx="1">
-            <a:schemeClr val="accent2"/>
-          </a:effectRef>
-          <a:fontRef idx="minor">
-            <a:schemeClr val="dk1"/>
-          </a:fontRef>
-        </p:style>
-      </p:cxnSp>
+        </p:spPr>
+        <p:txBody>
+          <a:bodyPr lIns="91425" tIns="45700" rIns="91425" bIns="45700" anchor="ctr" anchorCtr="0">
+            <a:noAutofit/>
+          </a:bodyPr>
+          <a:lstStyle/>
+          <a:p>
+            <a:pPr algn="ctr"/>
+            <a:endParaRPr sz="1050" b="1">
+              <a:solidFill>
+                <a:srgbClr val="92D050"/>
+              </a:solidFill>
+              <a:latin typeface="Calibri"/>
+              <a:ea typeface="Calibri"/>
+              <a:cs typeface="Calibri"/>
+              <a:sym typeface="Calibri"/>
+            </a:endParaRPr>
+          </a:p>
+        </p:txBody>
+      </p:sp>
       <p:cxnSp>
         <p:nvCxnSpPr>
-          <p:cNvPr id="8" name="Elbow Connector 122"/>
-          <p:cNvCxnSpPr>
-            <a:endCxn id="3" idx="1"/>
-          </p:cNvCxnSpPr>
+          <p:cNvPr id="238" name="Shape 238"/>
+          <p:cNvCxnSpPr/>
           <p:nvPr/>
         </p:nvCxnSpPr>
         <p:spPr>
-          <a:xfrm>
-            <a:off x="1676400" y="1423587"/>
-            <a:ext cx="419548" cy="2860"/>
+          <a:xfrm rot="5400000" flipH="1">
+            <a:off x="1864525" y="4448050"/>
+            <a:ext cx="870600" cy="489300"/>
           </a:xfrm>
           <a:prstGeom prst="bentConnector3">
             <a:avLst>
               <a:gd name="adj1" fmla="val 50000"/>
             </a:avLst>
           </a:prstGeom>
-          <a:ln w="19050">
+          <a:gradFill>
+            <a:gsLst>
+              <a:gs pos="0">
+                <a:srgbClr val="FFA09D"/>
+              </a:gs>
+              <a:gs pos="35000">
+                <a:srgbClr val="FFBCBC"/>
+              </a:gs>
+              <a:gs pos="100000">
+                <a:srgbClr val="FFE2E2"/>
+              </a:gs>
+            </a:gsLst>
+            <a:lin ang="16200038" scaled="0"/>
+          </a:gradFill>
+          <a:ln w="19050" cap="flat" cmpd="sng">
             <a:solidFill>
               <a:srgbClr val="0070C0"/>
             </a:solidFill>
-            <a:prstDash val="sysDot"/>
+            <a:prstDash val="dot"/>
+            <a:round/>
             <a:headEnd type="none" w="med" len="med"/>
-            <a:tailEnd type="arrow" w="med" len="med"/>
+            <a:tailEnd type="none" w="med" len="med"/>
           </a:ln>
-          <a:effectLst/>
-        </p:spPr>
-        <p:style>
-          <a:lnRef idx="1">
-            <a:schemeClr val="accent2"/>
-          </a:lnRef>
-          <a:fillRef idx="2">
-            <a:schemeClr val="accent2"/>
-          </a:fillRef>
-          <a:effectRef idx="1">
-            <a:schemeClr val="accent2"/>
-          </a:effectRef>
-          <a:fontRef idx="minor">
-            <a:schemeClr val="dk1"/>
-          </a:fontRef>
-        </p:style>
+        </p:spPr>
       </p:cxnSp>
-      <p:sp>
-        <p:nvSpPr>
-          <p:cNvPr id="9" name="Rectangle 65"/>
-          <p:cNvSpPr/>
+      <p:cxnSp>
+        <p:nvCxnSpPr>
+          <p:cNvPr id="239" name="Shape 239"/>
+          <p:cNvCxnSpPr>
+            <a:stCxn id="226" idx="2"/>
+          </p:cNvCxnSpPr>
           <p:nvPr/>
-        </p:nvSpPr>
+        </p:nvCxnSpPr>
         <p:spPr>
           <a:xfrm>
-            <a:off x="1103085" y="4777355"/>
-            <a:ext cx="7431315" cy="328045"/>
-          </a:xfrm>
-          <a:prstGeom prst="roundRect">
+            <a:off x="3003511" y="5654999"/>
+            <a:ext cx="0" cy="682500"/>
+          </a:xfrm>
+          <a:prstGeom prst="straightConnector1">
             <a:avLst/>
           </a:prstGeom>
-          <a:solidFill>
-            <a:schemeClr val="accent4">
-              <a:lumMod val="20000"/>
-              <a:lumOff val="80000"/>
-            </a:schemeClr>
-          </a:solidFill>
-          <a:ln w="19050">
-            <a:noFill/>
-          </a:ln>
-          <a:effectLst/>
-        </p:spPr>
-        <p:style>
-          <a:lnRef idx="1">
-            <a:schemeClr val="accent2"/>
-          </a:lnRef>
-          <a:fillRef idx="2">
-            <a:schemeClr val="accent2"/>
-          </a:fillRef>
-          <a:effectRef idx="1">
-            <a:schemeClr val="accent2"/>
-          </a:effectRef>
-          <a:fontRef idx="minor">
-            <a:schemeClr val="dk1"/>
-          </a:fontRef>
-        </p:style>
-        <p:txBody>
-          <a:bodyPr rtlCol="0" anchor="ctr"/>
-          <a:lstStyle/>
-          <a:p>
-            <a:pPr algn="ctr"/>
-            <a:r>
-              <a:rPr lang="en-US" sz="1100" b="1" dirty="0">
-                <a:solidFill>
-                  <a:schemeClr val="bg1"/>
-                </a:solidFill>
-              </a:rPr>
-              <a:t>Model</a:t>
-            </a:r>
-            <a:endParaRPr lang="en-SG" sz="1100" b="1" dirty="0">
-              <a:solidFill>
-                <a:schemeClr val="bg1"/>
-              </a:solidFill>
-            </a:endParaRPr>
-          </a:p>
-        </p:txBody>
-      </p:sp>
-      <p:sp>
-        <p:nvSpPr>
-          <p:cNvPr id="10" name="Rectangle 11"/>
-          <p:cNvSpPr/>
-          <p:nvPr/>
-        </p:nvSpPr>
-        <p:spPr>
-          <a:xfrm flipH="1">
-            <a:off x="6526365" y="2554920"/>
-            <a:ext cx="1093635" cy="346760"/>
-          </a:xfrm>
-          <a:prstGeom prst="rect">
-            <a:avLst/>
-          </a:prstGeom>
-          <a:ln w="19050">
+          <a:gradFill>
+            <a:gsLst>
+              <a:gs pos="0">
+                <a:srgbClr val="FFA09D"/>
+              </a:gs>
+              <a:gs pos="35000">
+                <a:srgbClr val="FFBCBC"/>
+              </a:gs>
+              <a:gs pos="100000">
+                <a:srgbClr val="FFE2E2"/>
+              </a:gs>
+            </a:gsLst>
+            <a:lin ang="16200038" scaled="0"/>
+          </a:gradFill>
+          <a:ln w="19050" cap="flat" cmpd="sng">
             <a:solidFill>
               <a:srgbClr val="0070C0"/>
             </a:solidFill>
+            <a:prstDash val="solid"/>
+            <a:round/>
+            <a:headEnd type="none" w="med" len="med"/>
+            <a:tailEnd type="stealth" w="lg" len="lg"/>
           </a:ln>
-          <a:effectLst/>
-        </p:spPr>
-        <p:style>
-          <a:lnRef idx="1">
-            <a:schemeClr val="accent1"/>
-          </a:lnRef>
-          <a:fillRef idx="2">
-            <a:schemeClr val="accent1"/>
-          </a:fillRef>
-          <a:effectRef idx="1">
-            <a:schemeClr val="accent1"/>
-          </a:effectRef>
-          <a:fontRef idx="minor">
-            <a:schemeClr val="dk1"/>
-          </a:fontRef>
-        </p:style>
-        <p:txBody>
-          <a:bodyPr rtlCol="0" anchor="ctr"/>
-          <a:lstStyle/>
-          <a:p>
-            <a:pPr algn="ctr"/>
-            <a:r>
-              <a:rPr lang="en-US" sz="1050" b="1" dirty="0" err="1" smtClean="0">
-                <a:solidFill>
-                  <a:srgbClr val="0070C0"/>
-                </a:solidFill>
-              </a:rPr>
-              <a:t>FindCommand</a:t>
-            </a:r>
-            <a:endParaRPr lang="en-SG" sz="1050" b="1" dirty="0">
-              <a:solidFill>
-                <a:srgbClr val="0070C0"/>
-              </a:solidFill>
-            </a:endParaRPr>
-          </a:p>
-        </p:txBody>
-      </p:sp>
-      <p:sp>
-        <p:nvSpPr>
-          <p:cNvPr id="11" name="Rectangle 10"/>
-          <p:cNvSpPr/>
-          <p:nvPr/>
-        </p:nvSpPr>
-        <p:spPr>
-          <a:xfrm flipH="1">
-            <a:off x="6526365" y="3396383"/>
-            <a:ext cx="1093635" cy="346760"/>
-          </a:xfrm>
-          <a:prstGeom prst="rect">
-            <a:avLst/>
-          </a:prstGeom>
-          <a:ln w="19050">
-            <a:solidFill>
-              <a:srgbClr val="0070C0"/>
-            </a:solidFill>
-          </a:ln>
-          <a:effectLst/>
-        </p:spPr>
-        <p:style>
-          <a:lnRef idx="1">
-            <a:schemeClr val="accent1"/>
-          </a:lnRef>
-          <a:fillRef idx="2">
-            <a:schemeClr val="accent1"/>
-          </a:fillRef>
-          <a:effectRef idx="1">
-            <a:schemeClr val="accent1"/>
-          </a:effectRef>
-          <a:fontRef idx="minor">
-            <a:schemeClr val="dk1"/>
-          </a:fontRef>
-        </p:style>
-        <p:txBody>
-          <a:bodyPr rtlCol="0" anchor="ctr"/>
-          <a:lstStyle/>
-          <a:p>
-            <a:pPr algn="ctr"/>
-            <a:r>
-              <a:rPr lang="en-US" sz="1050" b="1" dirty="0" smtClean="0">
-                <a:solidFill>
-                  <a:srgbClr val="0070C0"/>
-                </a:solidFill>
-              </a:rPr>
-              <a:t>Incorrect</a:t>
-            </a:r>
-            <a:br>
-              <a:rPr lang="en-US" sz="1050" b="1" dirty="0" smtClean="0">
-                <a:solidFill>
-                  <a:srgbClr val="0070C0"/>
-                </a:solidFill>
-              </a:rPr>
-            </a:br>
-            <a:r>
-              <a:rPr lang="en-US" sz="1050" b="1" dirty="0" smtClean="0">
-                <a:solidFill>
-                  <a:srgbClr val="0070C0"/>
-                </a:solidFill>
-              </a:rPr>
-              <a:t>Command</a:t>
-            </a:r>
-            <a:endParaRPr lang="en-SG" sz="1050" b="1" dirty="0">
-              <a:solidFill>
-                <a:srgbClr val="0070C0"/>
-              </a:solidFill>
-            </a:endParaRPr>
-          </a:p>
-        </p:txBody>
-      </p:sp>
-      <p:sp>
-        <p:nvSpPr>
-          <p:cNvPr id="12" name="Rectangle 62"/>
-          <p:cNvSpPr/>
-          <p:nvPr/>
-        </p:nvSpPr>
-        <p:spPr>
-          <a:xfrm>
-            <a:off x="7438239" y="4149040"/>
-            <a:ext cx="772043" cy="346760"/>
-          </a:xfrm>
-          <a:prstGeom prst="rect">
-            <a:avLst/>
-          </a:prstGeom>
-          <a:ln w="19050">
-            <a:solidFill>
-              <a:srgbClr val="0070C0"/>
-            </a:solidFill>
-          </a:ln>
-          <a:effectLst/>
-        </p:spPr>
-        <p:style>
-          <a:lnRef idx="1">
-            <a:schemeClr val="accent1"/>
-          </a:lnRef>
-          <a:fillRef idx="2">
-            <a:schemeClr val="accent1"/>
-          </a:fillRef>
-          <a:effectRef idx="1">
-            <a:schemeClr val="accent1"/>
-          </a:effectRef>
-          <a:fontRef idx="minor">
-            <a:schemeClr val="dk1"/>
-          </a:fontRef>
-        </p:style>
-        <p:txBody>
-          <a:bodyPr rtlCol="0" anchor="ctr"/>
-          <a:lstStyle/>
-          <a:p>
-            <a:pPr algn="ctr"/>
-            <a:r>
-              <a:rPr lang="en-US" sz="1050" b="1" dirty="0">
-                <a:solidFill>
-                  <a:srgbClr val="0070C0"/>
-                </a:solidFill>
-              </a:rPr>
-              <a:t>{abstract}</a:t>
-            </a:r>
-            <a:br>
-              <a:rPr lang="en-US" sz="1050" b="1" dirty="0">
-                <a:solidFill>
-                  <a:srgbClr val="0070C0"/>
-                </a:solidFill>
-              </a:rPr>
-            </a:br>
-            <a:r>
-              <a:rPr lang="en-US" sz="1050" b="1" dirty="0">
-                <a:solidFill>
-                  <a:srgbClr val="0070C0"/>
-                </a:solidFill>
-              </a:rPr>
-              <a:t>Command</a:t>
-            </a:r>
-            <a:endParaRPr lang="en-SG" sz="1050" b="1" dirty="0">
-              <a:solidFill>
-                <a:srgbClr val="0070C0"/>
-              </a:solidFill>
-            </a:endParaRPr>
-          </a:p>
-        </p:txBody>
-      </p:sp>
-      <p:sp>
-        <p:nvSpPr>
-          <p:cNvPr id="16" name="Rectangle 62"/>
-          <p:cNvSpPr/>
-          <p:nvPr/>
-        </p:nvSpPr>
-        <p:spPr>
-          <a:xfrm>
-            <a:off x="3529350" y="3775502"/>
-            <a:ext cx="585450" cy="346760"/>
-          </a:xfrm>
-          <a:prstGeom prst="rect">
-            <a:avLst/>
-          </a:prstGeom>
-          <a:solidFill>
-            <a:schemeClr val="accent5"/>
-          </a:solidFill>
-          <a:ln/>
-          <a:effectLst/>
-        </p:spPr>
-        <p:style>
-          <a:lnRef idx="1">
-            <a:schemeClr val="accent5"/>
-          </a:lnRef>
-          <a:fillRef idx="2">
-            <a:schemeClr val="accent5"/>
-          </a:fillRef>
-          <a:effectRef idx="1">
-            <a:schemeClr val="accent5"/>
-          </a:effectRef>
-          <a:fontRef idx="minor">
-            <a:schemeClr val="dk1"/>
-          </a:fontRef>
-        </p:style>
-        <p:txBody>
-          <a:bodyPr rtlCol="0" anchor="ctr"/>
-          <a:lstStyle/>
-          <a:p>
-            <a:pPr algn="ctr"/>
-            <a:r>
-              <a:rPr lang="en-US" sz="1050" dirty="0">
-                <a:solidFill>
-                  <a:schemeClr val="bg1"/>
-                </a:solidFill>
-              </a:rPr>
-              <a:t>Parser</a:t>
-            </a:r>
-            <a:endParaRPr lang="en-SG" sz="1050" dirty="0">
-              <a:solidFill>
-                <a:schemeClr val="bg1"/>
-              </a:solidFill>
-            </a:endParaRPr>
-          </a:p>
-        </p:txBody>
-      </p:sp>
+        </p:spPr>
+      </p:cxnSp>
       <p:cxnSp>
         <p:nvCxnSpPr>
-          <p:cNvPr id="17" name="Elbow Connector 106"/>
-          <p:cNvCxnSpPr>
-            <a:stCxn id="5" idx="3"/>
-            <a:endCxn id="16" idx="1"/>
-          </p:cNvCxnSpPr>
+          <p:cNvPr id="240" name="Shape 240"/>
+          <p:cNvCxnSpPr/>
           <p:nvPr/>
         </p:nvCxnSpPr>
         <p:spPr>
-          <a:xfrm>
-            <a:off x="2874420" y="3946343"/>
-            <a:ext cx="654930" cy="2539"/>
+          <a:xfrm rot="10800000" flipH="1">
+            <a:off x="1523975" y="3203689"/>
+            <a:ext cx="351300" cy="10500"/>
           </a:xfrm>
           <a:prstGeom prst="bentConnector3">
             <a:avLst>
               <a:gd name="adj1" fmla="val 50000"/>
             </a:avLst>
           </a:prstGeom>
-          <a:ln w="19050">
+          <a:gradFill>
+            <a:gsLst>
+              <a:gs pos="0">
+                <a:srgbClr val="FFA09D"/>
+              </a:gs>
+              <a:gs pos="35000">
+                <a:srgbClr val="FFBCBC"/>
+              </a:gs>
+              <a:gs pos="100000">
+                <a:srgbClr val="FFE2E2"/>
+              </a:gs>
+            </a:gsLst>
+            <a:lin ang="16200038" scaled="0"/>
+          </a:gradFill>
+          <a:ln w="19050" cap="flat" cmpd="sng">
+            <a:solidFill>
+              <a:srgbClr val="BFBFBF"/>
+            </a:solidFill>
+            <a:prstDash val="dot"/>
+            <a:round/>
+            <a:headEnd type="none" w="med" len="med"/>
+            <a:tailEnd type="stealth" w="lg" len="lg"/>
+          </a:ln>
+        </p:spPr>
+      </p:cxnSp>
+      <p:cxnSp>
+        <p:nvCxnSpPr>
+          <p:cNvPr id="241" name="Shape 241"/>
+          <p:cNvCxnSpPr>
+            <a:stCxn id="226" idx="2"/>
+            <a:endCxn id="228" idx="1"/>
+          </p:cNvCxnSpPr>
+          <p:nvPr/>
+        </p:nvCxnSpPr>
+        <p:spPr>
+          <a:xfrm rot="-5400000" flipH="1">
+            <a:off x="6165961" y="2492549"/>
+            <a:ext cx="27900" cy="6352800"/>
+          </a:xfrm>
+          <a:prstGeom prst="bentConnector2">
+            <a:avLst/>
+          </a:prstGeom>
+          <a:gradFill>
+            <a:gsLst>
+              <a:gs pos="0">
+                <a:srgbClr val="FFA09D"/>
+              </a:gs>
+              <a:gs pos="35000">
+                <a:srgbClr val="FFBCBC"/>
+              </a:gs>
+              <a:gs pos="100000">
+                <a:srgbClr val="FFE2E2"/>
+              </a:gs>
+            </a:gsLst>
+            <a:lin ang="16200038" scaled="0"/>
+          </a:gradFill>
+          <a:ln w="19050" cap="flat" cmpd="sng">
             <a:solidFill>
               <a:srgbClr val="0070C0"/>
             </a:solidFill>
-            <a:prstDash val="solid"/>
+            <a:prstDash val="dot"/>
+            <a:round/>
             <a:headEnd type="none" w="med" len="med"/>
-            <a:tailEnd type="arrow" w="med" len="med"/>
+            <a:tailEnd type="stealth" w="lg" len="lg"/>
           </a:ln>
-          <a:effectLst/>
-        </p:spPr>
-        <p:style>
-          <a:lnRef idx="1">
-            <a:schemeClr val="accent2"/>
-          </a:lnRef>
-          <a:fillRef idx="2">
-            <a:schemeClr val="accent2"/>
-          </a:fillRef>
-          <a:effectRef idx="1">
-            <a:schemeClr val="accent2"/>
-          </a:effectRef>
-          <a:fontRef idx="minor">
-            <a:schemeClr val="dk1"/>
-          </a:fontRef>
-        </p:style>
-      </p:cxnSp>
-      <p:cxnSp>
-        <p:nvCxnSpPr>
-          <p:cNvPr id="18" name="Straight Arrow Connector 110"/>
-          <p:cNvCxnSpPr>
-            <a:stCxn id="12" idx="2"/>
-          </p:cNvCxnSpPr>
-          <p:nvPr/>
-        </p:nvCxnSpPr>
-        <p:spPr>
-          <a:xfrm>
-            <a:off x="7824261" y="4495800"/>
-            <a:ext cx="0" cy="281555"/>
-          </a:xfrm>
-          <a:prstGeom prst="straightConnector1">
-            <a:avLst/>
-          </a:prstGeom>
-          <a:ln w="19050">
-            <a:solidFill>
-              <a:srgbClr val="0070C0"/>
-            </a:solidFill>
-            <a:prstDash val="sysDot"/>
-            <a:headEnd type="none" w="med" len="med"/>
-            <a:tailEnd type="arrow" w="med" len="med"/>
-          </a:ln>
-          <a:effectLst/>
-        </p:spPr>
-        <p:style>
-          <a:lnRef idx="1">
-            <a:schemeClr val="accent2"/>
-          </a:lnRef>
-          <a:fillRef idx="2">
-            <a:schemeClr val="accent2"/>
-          </a:fillRef>
-          <a:effectRef idx="1">
-            <a:schemeClr val="accent2"/>
-          </a:effectRef>
-          <a:fontRef idx="minor">
-            <a:schemeClr val="dk1"/>
-          </a:fontRef>
-        </p:style>
-      </p:cxnSp>
-      <p:sp>
-        <p:nvSpPr>
-          <p:cNvPr id="19" name="Rectangle 62"/>
-          <p:cNvSpPr/>
-          <p:nvPr/>
-        </p:nvSpPr>
-        <p:spPr>
-          <a:xfrm rot="16200000">
-            <a:off x="398120" y="2150720"/>
-            <a:ext cx="2209800" cy="346760"/>
-          </a:xfrm>
-          <a:prstGeom prst="rect">
-            <a:avLst/>
-          </a:prstGeom>
-          <a:solidFill>
-            <a:srgbClr val="0070C0"/>
-          </a:solidFill>
-          <a:ln w="19050">
-            <a:solidFill>
-              <a:srgbClr val="0070C0"/>
-            </a:solidFill>
-          </a:ln>
-          <a:effectLst/>
-        </p:spPr>
-        <p:style>
-          <a:lnRef idx="1">
-            <a:schemeClr val="accent2"/>
-          </a:lnRef>
-          <a:fillRef idx="2">
-            <a:schemeClr val="accent2"/>
-          </a:fillRef>
-          <a:effectRef idx="1">
-            <a:schemeClr val="accent2"/>
-          </a:effectRef>
-          <a:fontRef idx="minor">
-            <a:schemeClr val="dk1"/>
-          </a:fontRef>
-        </p:style>
-        <p:txBody>
-          <a:bodyPr rtlCol="0" anchor="ctr"/>
-          <a:lstStyle/>
-          <a:p>
-            <a:pPr algn="ctr"/>
-            <a:r>
-              <a:rPr lang="en-US" sz="1050" dirty="0">
-                <a:solidFill>
-                  <a:schemeClr val="bg1"/>
-                </a:solidFill>
-              </a:rPr>
-              <a:t>&lt;&lt;interface&gt;&gt;</a:t>
-            </a:r>
-          </a:p>
-          <a:p>
-            <a:pPr algn="ctr"/>
-            <a:r>
-              <a:rPr lang="en-US" sz="1050" dirty="0">
-                <a:solidFill>
-                  <a:schemeClr val="bg1"/>
-                </a:solidFill>
-              </a:rPr>
-              <a:t>Logic</a:t>
-            </a:r>
-            <a:endParaRPr lang="en-SG" sz="1050" dirty="0">
-              <a:solidFill>
-                <a:schemeClr val="bg1"/>
-              </a:solidFill>
-            </a:endParaRPr>
-          </a:p>
-        </p:txBody>
-      </p:sp>
-      <p:sp>
-        <p:nvSpPr>
-          <p:cNvPr id="20" name="Isosceles Triangle 102"/>
-          <p:cNvSpPr/>
-          <p:nvPr/>
-        </p:nvSpPr>
-        <p:spPr>
-          <a:xfrm>
-            <a:off x="1359039" y="3429000"/>
-            <a:ext cx="270504" cy="175523"/>
-          </a:xfrm>
-          <a:prstGeom prst="triangle">
-            <a:avLst/>
-          </a:prstGeom>
-          <a:solidFill>
-            <a:schemeClr val="tx2">
-              <a:lumMod val="60000"/>
-              <a:lumOff val="40000"/>
-            </a:schemeClr>
-          </a:solidFill>
-          <a:ln w="19050">
-            <a:solidFill>
-              <a:srgbClr val="0070C0"/>
-            </a:solidFill>
-          </a:ln>
-          <a:effectLst/>
-        </p:spPr>
-        <p:style>
-          <a:lnRef idx="1">
-            <a:schemeClr val="accent1"/>
-          </a:lnRef>
-          <a:fillRef idx="2">
-            <a:schemeClr val="accent1"/>
-          </a:fillRef>
-          <a:effectRef idx="1">
-            <a:schemeClr val="accent1"/>
-          </a:effectRef>
-          <a:fontRef idx="minor">
-            <a:schemeClr val="dk1"/>
-          </a:fontRef>
-        </p:style>
-        <p:txBody>
-          <a:bodyPr rtlCol="0" anchor="ctr"/>
-          <a:lstStyle/>
-          <a:p>
-            <a:pPr algn="ctr"/>
-            <a:endParaRPr lang="en-SG" sz="1050" b="1">
-              <a:solidFill>
-                <a:srgbClr val="92D050"/>
-              </a:solidFill>
-            </a:endParaRPr>
-          </a:p>
-        </p:txBody>
-      </p:sp>
-      <p:cxnSp>
-        <p:nvCxnSpPr>
-          <p:cNvPr id="21" name="Elbow Connector 63"/>
-          <p:cNvCxnSpPr>
-            <a:stCxn id="5" idx="1"/>
-            <a:endCxn id="20" idx="3"/>
-          </p:cNvCxnSpPr>
-          <p:nvPr/>
-        </p:nvCxnSpPr>
-        <p:spPr>
-          <a:xfrm rot="10800000">
-            <a:off x="1494291" y="3604523"/>
-            <a:ext cx="286494" cy="341820"/>
-          </a:xfrm>
-          <a:prstGeom prst="bentConnector2">
-            <a:avLst/>
-          </a:prstGeom>
-          <a:ln w="19050">
-            <a:solidFill>
-              <a:srgbClr val="0070C0"/>
-            </a:solidFill>
-            <a:prstDash val="sysDot"/>
-            <a:headEnd type="none" w="med" len="med"/>
-            <a:tailEnd type="none" w="med" len="med"/>
-          </a:ln>
-          <a:effectLst/>
-        </p:spPr>
-        <p:style>
-          <a:lnRef idx="1">
-            <a:schemeClr val="accent2"/>
-          </a:lnRef>
-          <a:fillRef idx="2">
-            <a:schemeClr val="accent2"/>
-          </a:fillRef>
-          <a:effectRef idx="1">
-            <a:schemeClr val="accent2"/>
-          </a:effectRef>
-          <a:fontRef idx="minor">
-            <a:schemeClr val="dk1"/>
-          </a:fontRef>
-        </p:style>
-      </p:cxnSp>
-      <p:cxnSp>
-        <p:nvCxnSpPr>
-          <p:cNvPr id="23" name="Straight Arrow Connector 57"/>
-          <p:cNvCxnSpPr/>
-          <p:nvPr/>
-        </p:nvCxnSpPr>
-        <p:spPr>
-          <a:xfrm flipH="1">
-            <a:off x="1981201" y="4122262"/>
-            <a:ext cx="1" cy="655093"/>
-          </a:xfrm>
-          <a:prstGeom prst="straightConnector1">
-            <a:avLst/>
-          </a:prstGeom>
-          <a:ln w="19050">
-            <a:solidFill>
-              <a:srgbClr val="0070C0"/>
-            </a:solidFill>
-            <a:headEnd type="none" w="med" len="med"/>
-            <a:tailEnd type="arrow" w="med" len="med"/>
-          </a:ln>
-          <a:effectLst/>
-        </p:spPr>
-        <p:style>
-          <a:lnRef idx="1">
-            <a:schemeClr val="accent2"/>
-          </a:lnRef>
-          <a:fillRef idx="2">
-            <a:schemeClr val="accent2"/>
-          </a:fillRef>
-          <a:effectRef idx="1">
-            <a:schemeClr val="accent2"/>
-          </a:effectRef>
-          <a:fontRef idx="minor">
-            <a:schemeClr val="dk1"/>
-          </a:fontRef>
-        </p:style>
-      </p:cxnSp>
-      <p:cxnSp>
-        <p:nvCxnSpPr>
-          <p:cNvPr id="24" name="Elbow Connector 122"/>
-          <p:cNvCxnSpPr/>
-          <p:nvPr/>
-        </p:nvCxnSpPr>
-        <p:spPr>
-          <a:xfrm>
-            <a:off x="893311" y="2832505"/>
-            <a:ext cx="419548" cy="2860"/>
-          </a:xfrm>
-          <a:prstGeom prst="bentConnector3">
-            <a:avLst>
-              <a:gd name="adj1" fmla="val 50000"/>
-            </a:avLst>
-          </a:prstGeom>
-          <a:ln w="19050">
-            <a:solidFill>
-              <a:schemeClr val="bg1">
-                <a:lumMod val="75000"/>
-              </a:schemeClr>
-            </a:solidFill>
-            <a:prstDash val="sysDot"/>
-            <a:headEnd type="none" w="med" len="med"/>
-            <a:tailEnd type="arrow" w="med" len="med"/>
-          </a:ln>
-          <a:effectLst/>
-        </p:spPr>
-        <p:style>
-          <a:lnRef idx="1">
-            <a:schemeClr val="accent2"/>
-          </a:lnRef>
-          <a:fillRef idx="2">
-            <a:schemeClr val="accent2"/>
-          </a:fillRef>
-          <a:effectRef idx="1">
-            <a:schemeClr val="accent2"/>
-          </a:effectRef>
-          <a:fontRef idx="minor">
-            <a:schemeClr val="dk1"/>
-          </a:fontRef>
-        </p:style>
-      </p:cxnSp>
-      <p:cxnSp>
-        <p:nvCxnSpPr>
-          <p:cNvPr id="25" name="Elbow Connector 63"/>
-          <p:cNvCxnSpPr>
-            <a:stCxn id="5" idx="2"/>
-            <a:endCxn id="12" idx="1"/>
-          </p:cNvCxnSpPr>
-          <p:nvPr/>
-        </p:nvCxnSpPr>
-        <p:spPr>
-          <a:xfrm rot="16200000" flipH="1">
-            <a:off x="4781573" y="1665753"/>
-            <a:ext cx="202697" cy="5110636"/>
-          </a:xfrm>
-          <a:prstGeom prst="bentConnector2">
-            <a:avLst/>
-          </a:prstGeom>
-          <a:ln w="19050">
-            <a:solidFill>
-              <a:srgbClr val="0070C0"/>
-            </a:solidFill>
-            <a:prstDash val="sysDot"/>
-            <a:headEnd type="none" w="med" len="med"/>
-            <a:tailEnd type="arrow" w="med" len="med"/>
-          </a:ln>
-          <a:effectLst/>
-        </p:spPr>
-        <p:style>
-          <a:lnRef idx="1">
-            <a:schemeClr val="accent2"/>
-          </a:lnRef>
-          <a:fillRef idx="2">
-            <a:schemeClr val="accent2"/>
-          </a:fillRef>
-          <a:effectRef idx="1">
-            <a:schemeClr val="accent2"/>
-          </a:effectRef>
-          <a:fontRef idx="minor">
-            <a:schemeClr val="dk1"/>
-          </a:fontRef>
-        </p:style>
+        </p:spPr>
       </p:cxnSp>
       <p:grpSp>
         <p:nvGrpSpPr>
-          <p:cNvPr id="26" name="Group 25"/>
+          <p:cNvPr id="242" name="Shape 242"/>
           <p:cNvGrpSpPr/>
           <p:nvPr/>
         </p:nvGrpSpPr>
         <p:grpSpPr>
           <a:xfrm>
-            <a:off x="4597400" y="4341168"/>
-            <a:ext cx="889000" cy="230832"/>
-            <a:chOff x="2895600" y="807932"/>
-            <a:chExt cx="889000" cy="230832"/>
+            <a:off x="5719706" y="5447147"/>
+            <a:ext cx="1063866" cy="369858"/>
+            <a:chOff x="2895600" y="564847"/>
+            <a:chExt cx="889000" cy="230700"/>
           </a:xfrm>
         </p:grpSpPr>
         <p:sp>
           <p:nvSpPr>
-            <p:cNvPr id="27" name="TextBox 26"/>
+            <p:cNvPr id="243" name="Shape 243"/>
             <p:cNvSpPr txBox="1"/>
             <p:nvPr/>
           </p:nvSpPr>
           <p:spPr>
             <a:xfrm>
-              <a:off x="2895600" y="807932"/>
-              <a:ext cx="728806" cy="230832"/>
+              <a:off x="2895600" y="564847"/>
+              <a:ext cx="728700" cy="230700"/>
             </a:xfrm>
             <a:prstGeom prst="rect">
               <a:avLst/>
             </a:prstGeom>
             <a:noFill/>
+            <a:ln>
+              <a:noFill/>
+            </a:ln>
           </p:spPr>
           <p:txBody>
-            <a:bodyPr wrap="square" lIns="0" tIns="0" rIns="0" bIns="0" rtlCol="0">
+            <a:bodyPr lIns="0" tIns="0" rIns="0" bIns="0" anchor="t" anchorCtr="0">
               <a:noAutofit/>
             </a:bodyPr>
             <a:lstStyle/>
             <a:p>
-              <a:pPr algn="r"/>
+              <a:pPr algn="r">
+                <a:buSzPct val="25000"/>
+              </a:pPr>
               <a:r>
-                <a:rPr lang="en-US" sz="1100" dirty="0">
+                <a:rPr lang="en-US" sz="1100">
                   <a:solidFill>
                     <a:srgbClr val="0070C0"/>
                   </a:solidFill>
+                  <a:latin typeface="Calibri"/>
+                  <a:ea typeface="Calibri"/>
+                  <a:cs typeface="Calibri"/>
+                  <a:sym typeface="Calibri"/>
                 </a:rPr>
                 <a:t>executes</a:t>
               </a:r>
-              <a:endParaRPr lang="en-SG" sz="1100" dirty="0">
-                <a:solidFill>
-                  <a:srgbClr val="0070C0"/>
-                </a:solidFill>
-              </a:endParaRPr>
             </a:p>
           </p:txBody>
         </p:sp>
         <p:sp>
           <p:nvSpPr>
-            <p:cNvPr id="28" name="Isosceles Triangle 27"/>
+            <p:cNvPr id="244" name="Shape 244"/>
             <p:cNvSpPr/>
             <p:nvPr/>
           </p:nvSpPr>
           <p:spPr>
             <a:xfrm rot="5400000">
-              <a:off x="3683524" y="866776"/>
-              <a:ext cx="125951" cy="76201"/>
+              <a:off x="3683500" y="664486"/>
+              <a:ext cx="126000" cy="76200"/>
             </a:xfrm>
             <a:prstGeom prst="triangle">
-              <a:avLst/>
+              <a:avLst>
+                <a:gd name="adj" fmla="val 50000"/>
+              </a:avLst>
             </a:prstGeom>
             <a:solidFill>
               <a:srgbClr val="0070C0"/>
@@ -4547,1911 +4449,2900 @@
               <a:noFill/>
             </a:ln>
           </p:spPr>
-          <p:style>
-            <a:lnRef idx="2">
-              <a:schemeClr val="accent1">
-                <a:shade val="50000"/>
-              </a:schemeClr>
-            </a:lnRef>
-            <a:fillRef idx="1">
-              <a:schemeClr val="accent1"/>
-            </a:fillRef>
-            <a:effectRef idx="0">
-              <a:schemeClr val="accent1"/>
-            </a:effectRef>
-            <a:fontRef idx="minor">
-              <a:schemeClr val="lt1"/>
-            </a:fontRef>
-          </p:style>
           <p:txBody>
-            <a:bodyPr rtlCol="0" anchor="ctr"/>
+            <a:bodyPr lIns="91425" tIns="45700" rIns="91425" bIns="45700" anchor="ctr" anchorCtr="0">
+              <a:noAutofit/>
+            </a:bodyPr>
             <a:lstStyle/>
             <a:p>
               <a:pPr algn="ctr"/>
-              <a:endParaRPr lang="en-SG"/>
+              <a:endParaRPr>
+                <a:solidFill>
+                  <a:schemeClr val="lt1"/>
+                </a:solidFill>
+                <a:latin typeface="Calibri"/>
+                <a:ea typeface="Calibri"/>
+                <a:cs typeface="Calibri"/>
+                <a:sym typeface="Calibri"/>
+              </a:endParaRPr>
+            </a:p>
+          </p:txBody>
+        </p:sp>
+      </p:grpSp>
+      <p:sp>
+        <p:nvSpPr>
+          <p:cNvPr id="245" name="Shape 245"/>
+          <p:cNvSpPr txBox="1"/>
+          <p:nvPr/>
+        </p:nvSpPr>
+        <p:spPr>
+          <a:xfrm>
+            <a:off x="4758749" y="2858915"/>
+            <a:ext cx="783600" cy="279900"/>
+          </a:xfrm>
+          <a:prstGeom prst="rect">
+            <a:avLst/>
+          </a:prstGeom>
+          <a:noFill/>
+          <a:ln>
+            <a:noFill/>
+          </a:ln>
+        </p:spPr>
+        <p:txBody>
+          <a:bodyPr lIns="0" tIns="0" rIns="0" bIns="0" anchor="t" anchorCtr="0">
+            <a:noAutofit/>
+          </a:bodyPr>
+          <a:lstStyle/>
+          <a:p>
+            <a:pPr>
+              <a:buSzPct val="25000"/>
+            </a:pPr>
+            <a:r>
+              <a:rPr lang="en-US" sz="1100">
+                <a:solidFill>
+                  <a:srgbClr val="0070C0"/>
+                </a:solidFill>
+                <a:latin typeface="Calibri"/>
+                <a:ea typeface="Calibri"/>
+                <a:cs typeface="Calibri"/>
+                <a:sym typeface="Calibri"/>
+              </a:rPr>
+              <a:t>produces</a:t>
+            </a:r>
+          </a:p>
+        </p:txBody>
+      </p:sp>
+      <p:sp>
+        <p:nvSpPr>
+          <p:cNvPr id="246" name="Shape 246"/>
+          <p:cNvSpPr txBox="1"/>
+          <p:nvPr/>
+        </p:nvSpPr>
+        <p:spPr>
+          <a:xfrm>
+            <a:off x="3208740" y="1267927"/>
+            <a:ext cx="156900" cy="369900"/>
+          </a:xfrm>
+          <a:prstGeom prst="rect">
+            <a:avLst/>
+          </a:prstGeom>
+          <a:noFill/>
+          <a:ln>
+            <a:noFill/>
+          </a:ln>
+        </p:spPr>
+        <p:txBody>
+          <a:bodyPr lIns="0" tIns="0" rIns="0" bIns="0" anchor="t" anchorCtr="0">
+            <a:noAutofit/>
+          </a:bodyPr>
+          <a:lstStyle/>
+          <a:p>
+            <a:pPr algn="r">
+              <a:buSzPct val="25000"/>
+            </a:pPr>
+            <a:r>
+              <a:rPr lang="en-US" sz="1100">
+                <a:solidFill>
+                  <a:srgbClr val="0070C0"/>
+                </a:solidFill>
+                <a:latin typeface="Calibri"/>
+                <a:ea typeface="Calibri"/>
+                <a:cs typeface="Calibri"/>
+                <a:sym typeface="Calibri"/>
+              </a:rPr>
+              <a:t>1</a:t>
+            </a:r>
+          </a:p>
+        </p:txBody>
+      </p:sp>
+      <p:sp>
+        <p:nvSpPr>
+          <p:cNvPr id="247" name="Shape 247"/>
+          <p:cNvSpPr txBox="1"/>
+          <p:nvPr/>
+        </p:nvSpPr>
+        <p:spPr>
+          <a:xfrm>
+            <a:off x="3703014" y="4997290"/>
+            <a:ext cx="156900" cy="369900"/>
+          </a:xfrm>
+          <a:prstGeom prst="rect">
+            <a:avLst/>
+          </a:prstGeom>
+          <a:noFill/>
+          <a:ln>
+            <a:noFill/>
+          </a:ln>
+        </p:spPr>
+        <p:txBody>
+          <a:bodyPr lIns="0" tIns="0" rIns="0" bIns="0" anchor="t" anchorCtr="0">
+            <a:noAutofit/>
+          </a:bodyPr>
+          <a:lstStyle/>
+          <a:p>
+            <a:pPr algn="r">
+              <a:buSzPct val="25000"/>
+            </a:pPr>
+            <a:r>
+              <a:rPr lang="en-US" sz="1100">
+                <a:solidFill>
+                  <a:srgbClr val="0070C0"/>
+                </a:solidFill>
+                <a:latin typeface="Calibri"/>
+                <a:ea typeface="Calibri"/>
+                <a:cs typeface="Calibri"/>
+                <a:sym typeface="Calibri"/>
+              </a:rPr>
+              <a:t>1</a:t>
+            </a:r>
+          </a:p>
+        </p:txBody>
+      </p:sp>
+      <p:sp>
+        <p:nvSpPr>
+          <p:cNvPr id="248" name="Shape 248"/>
+          <p:cNvSpPr/>
+          <p:nvPr/>
+        </p:nvSpPr>
+        <p:spPr>
+          <a:xfrm flipH="1">
+            <a:off x="8260940" y="4185659"/>
+            <a:ext cx="1063800" cy="408000"/>
+          </a:xfrm>
+          <a:prstGeom prst="rect">
+            <a:avLst/>
+          </a:prstGeom>
+          <a:gradFill>
+            <a:gsLst>
+              <a:gs pos="0">
+                <a:srgbClr val="9FC3FF"/>
+              </a:gs>
+              <a:gs pos="35000">
+                <a:srgbClr val="BDD5FF"/>
+              </a:gs>
+              <a:gs pos="100000">
+                <a:srgbClr val="E4EEFF"/>
+              </a:gs>
+            </a:gsLst>
+            <a:lin ang="16200038" scaled="0"/>
+          </a:gradFill>
+          <a:ln w="19050" cap="flat" cmpd="sng">
+            <a:solidFill>
+              <a:srgbClr val="0070C0"/>
+            </a:solidFill>
+            <a:prstDash val="solid"/>
+            <a:round/>
+            <a:headEnd type="none" w="med" len="med"/>
+            <a:tailEnd type="none" w="med" len="med"/>
+          </a:ln>
+        </p:spPr>
+        <p:txBody>
+          <a:bodyPr lIns="91425" tIns="45700" rIns="91425" bIns="45700" anchor="ctr" anchorCtr="0">
+            <a:noAutofit/>
+          </a:bodyPr>
+          <a:lstStyle/>
+          <a:p>
+            <a:pPr algn="ctr">
+              <a:buSzPct val="25000"/>
+            </a:pPr>
+            <a:r>
+              <a:rPr lang="en-US" sz="1050" b="1">
+                <a:solidFill>
+                  <a:srgbClr val="0070C0"/>
+                </a:solidFill>
+                <a:latin typeface="Calibri"/>
+                <a:ea typeface="Calibri"/>
+                <a:cs typeface="Calibri"/>
+                <a:sym typeface="Calibri"/>
+              </a:rPr>
+              <a:t>…</a:t>
+            </a:r>
+          </a:p>
+        </p:txBody>
+      </p:sp>
+      <p:cxnSp>
+        <p:nvCxnSpPr>
+          <p:cNvPr id="249" name="Shape 249"/>
+          <p:cNvCxnSpPr>
+            <a:stCxn id="226" idx="0"/>
+            <a:endCxn id="224" idx="2"/>
+          </p:cNvCxnSpPr>
+          <p:nvPr/>
+        </p:nvCxnSpPr>
+        <p:spPr>
+          <a:xfrm rot="-5400000">
+            <a:off x="963212" y="2821799"/>
+            <a:ext cx="4317600" cy="237000"/>
+          </a:xfrm>
+          <a:prstGeom prst="bentConnector3">
+            <a:avLst>
+              <a:gd name="adj1" fmla="val 50000"/>
+            </a:avLst>
+          </a:prstGeom>
+          <a:gradFill>
+            <a:gsLst>
+              <a:gs pos="0">
+                <a:srgbClr val="FFA09D"/>
+              </a:gs>
+              <a:gs pos="35000">
+                <a:srgbClr val="FFBCBC"/>
+              </a:gs>
+              <a:gs pos="100000">
+                <a:srgbClr val="FFE2E2"/>
+              </a:gs>
+            </a:gsLst>
+            <a:lin ang="16200038" scaled="0"/>
+          </a:gradFill>
+          <a:ln w="19050" cap="flat" cmpd="sng">
+            <a:solidFill>
+              <a:srgbClr val="0070C0"/>
+            </a:solidFill>
+            <a:prstDash val="dot"/>
+            <a:round/>
+            <a:headEnd type="none" w="med" len="med"/>
+            <a:tailEnd type="stealth" w="lg" len="lg"/>
+          </a:ln>
+        </p:spPr>
+      </p:cxnSp>
+      <p:sp>
+        <p:nvSpPr>
+          <p:cNvPr id="250" name="Shape 250"/>
+          <p:cNvSpPr/>
+          <p:nvPr/>
+        </p:nvSpPr>
+        <p:spPr>
+          <a:xfrm flipH="1">
+            <a:off x="5798287" y="2799375"/>
+            <a:ext cx="1121700" cy="451800"/>
+          </a:xfrm>
+          <a:prstGeom prst="rect">
+            <a:avLst/>
+          </a:prstGeom>
+          <a:solidFill>
+            <a:schemeClr val="accent5"/>
+          </a:solidFill>
+          <a:ln w="9525" cap="flat" cmpd="sng">
+            <a:solidFill>
+              <a:srgbClr val="45A9C4"/>
+            </a:solidFill>
+            <a:prstDash val="solid"/>
+            <a:round/>
+            <a:headEnd type="none" w="med" len="med"/>
+            <a:tailEnd type="none" w="med" len="med"/>
+          </a:ln>
+        </p:spPr>
+        <p:txBody>
+          <a:bodyPr lIns="91425" tIns="45700" rIns="91425" bIns="45700" anchor="ctr" anchorCtr="0">
+            <a:noAutofit/>
+          </a:bodyPr>
+          <a:lstStyle/>
+          <a:p>
+            <a:pPr algn="ctr">
+              <a:buSzPct val="25000"/>
+            </a:pPr>
+            <a:r>
+              <a:rPr lang="en-US" sz="1050" b="1">
+                <a:solidFill>
+                  <a:schemeClr val="lt1"/>
+                </a:solidFill>
+                <a:latin typeface="Calibri"/>
+                <a:ea typeface="Calibri"/>
+                <a:cs typeface="Calibri"/>
+                <a:sym typeface="Calibri"/>
+              </a:rPr>
+              <a:t>AddCommand</a:t>
+            </a:r>
+          </a:p>
+          <a:p>
+            <a:pPr algn="ctr">
+              <a:buSzPct val="25000"/>
+            </a:pPr>
+            <a:r>
+              <a:rPr lang="en-US" sz="1050" b="1">
+                <a:solidFill>
+                  <a:schemeClr val="lt1"/>
+                </a:solidFill>
+                <a:latin typeface="Calibri"/>
+                <a:ea typeface="Calibri"/>
+                <a:cs typeface="Calibri"/>
+                <a:sym typeface="Calibri"/>
+              </a:rPr>
+              <a:t>Parser</a:t>
+            </a:r>
+          </a:p>
+        </p:txBody>
+      </p:sp>
+      <p:sp>
+        <p:nvSpPr>
+          <p:cNvPr id="251" name="Shape 251"/>
+          <p:cNvSpPr/>
+          <p:nvPr/>
+        </p:nvSpPr>
+        <p:spPr>
+          <a:xfrm flipH="1">
+            <a:off x="5796787" y="3334225"/>
+            <a:ext cx="1121700" cy="455100"/>
+          </a:xfrm>
+          <a:prstGeom prst="rect">
+            <a:avLst/>
+          </a:prstGeom>
+          <a:solidFill>
+            <a:schemeClr val="accent5"/>
+          </a:solidFill>
+          <a:ln w="9525" cap="flat" cmpd="sng">
+            <a:solidFill>
+              <a:srgbClr val="45A9C4"/>
+            </a:solidFill>
+            <a:prstDash val="solid"/>
+            <a:round/>
+            <a:headEnd type="none" w="med" len="med"/>
+            <a:tailEnd type="none" w="med" len="med"/>
+          </a:ln>
+        </p:spPr>
+        <p:txBody>
+          <a:bodyPr lIns="91425" tIns="45700" rIns="91425" bIns="45700" anchor="ctr" anchorCtr="0">
+            <a:noAutofit/>
+          </a:bodyPr>
+          <a:lstStyle/>
+          <a:p>
+            <a:pPr algn="ctr">
+              <a:buSzPct val="25000"/>
+            </a:pPr>
+            <a:r>
+              <a:rPr lang="en-US" sz="1050" b="1">
+                <a:solidFill>
+                  <a:schemeClr val="lt1"/>
+                </a:solidFill>
+                <a:latin typeface="Calibri"/>
+                <a:ea typeface="Calibri"/>
+                <a:cs typeface="Calibri"/>
+                <a:sym typeface="Calibri"/>
+              </a:rPr>
+              <a:t>FindCommand</a:t>
+            </a:r>
+          </a:p>
+          <a:p>
+            <a:pPr algn="ctr">
+              <a:buSzPct val="25000"/>
+            </a:pPr>
+            <a:r>
+              <a:rPr lang="en-US" sz="1050" b="1">
+                <a:solidFill>
+                  <a:schemeClr val="lt1"/>
+                </a:solidFill>
+                <a:latin typeface="Calibri"/>
+                <a:ea typeface="Calibri"/>
+                <a:cs typeface="Calibri"/>
+                <a:sym typeface="Calibri"/>
+              </a:rPr>
+              <a:t>Parser</a:t>
+            </a:r>
+          </a:p>
+        </p:txBody>
+      </p:sp>
+      <p:sp>
+        <p:nvSpPr>
+          <p:cNvPr id="252" name="Shape 252"/>
+          <p:cNvSpPr/>
+          <p:nvPr/>
+        </p:nvSpPr>
+        <p:spPr>
+          <a:xfrm flipH="1">
+            <a:off x="5802100" y="3872383"/>
+            <a:ext cx="1121700" cy="376200"/>
+          </a:xfrm>
+          <a:prstGeom prst="rect">
+            <a:avLst/>
+          </a:prstGeom>
+          <a:solidFill>
+            <a:schemeClr val="accent5"/>
+          </a:solidFill>
+          <a:ln w="9525" cap="flat" cmpd="sng">
+            <a:solidFill>
+              <a:srgbClr val="45A9C4"/>
+            </a:solidFill>
+            <a:prstDash val="solid"/>
+            <a:round/>
+            <a:headEnd type="none" w="med" len="med"/>
+            <a:tailEnd type="none" w="med" len="med"/>
+          </a:ln>
+        </p:spPr>
+        <p:txBody>
+          <a:bodyPr lIns="91425" tIns="45700" rIns="91425" bIns="45700" anchor="ctr" anchorCtr="0">
+            <a:noAutofit/>
+          </a:bodyPr>
+          <a:lstStyle/>
+          <a:p>
+            <a:pPr algn="ctr">
+              <a:buSzPct val="25000"/>
+            </a:pPr>
+            <a:r>
+              <a:rPr lang="en-US" sz="1050" b="1">
+                <a:solidFill>
+                  <a:schemeClr val="lt1"/>
+                </a:solidFill>
+                <a:latin typeface="Calibri"/>
+                <a:ea typeface="Calibri"/>
+                <a:cs typeface="Calibri"/>
+                <a:sym typeface="Calibri"/>
+              </a:rPr>
+              <a:t>…</a:t>
+            </a:r>
+          </a:p>
+        </p:txBody>
+      </p:sp>
+      <p:sp>
+        <p:nvSpPr>
+          <p:cNvPr id="253" name="Shape 253"/>
+          <p:cNvSpPr/>
+          <p:nvPr/>
+        </p:nvSpPr>
+        <p:spPr>
+          <a:xfrm>
+            <a:off x="3577459" y="2104494"/>
+            <a:ext cx="899100" cy="555900"/>
+          </a:xfrm>
+          <a:prstGeom prst="rect">
+            <a:avLst/>
+          </a:prstGeom>
+          <a:solidFill>
+            <a:srgbClr val="92CCDC"/>
+          </a:solidFill>
+          <a:ln w="19050" cap="flat" cmpd="sng">
+            <a:solidFill>
+              <a:srgbClr val="92CCDC"/>
+            </a:solidFill>
+            <a:prstDash val="solid"/>
+            <a:round/>
+            <a:headEnd type="none" w="med" len="med"/>
+            <a:tailEnd type="none" w="med" len="med"/>
+          </a:ln>
+        </p:spPr>
+        <p:txBody>
+          <a:bodyPr lIns="91425" tIns="45700" rIns="91425" bIns="45700" anchor="ctr" anchorCtr="0">
+            <a:noAutofit/>
+          </a:bodyPr>
+          <a:lstStyle/>
+          <a:p>
+            <a:pPr algn="ctr">
+              <a:buSzPct val="25000"/>
+            </a:pPr>
+            <a:r>
+              <a:rPr lang="en-US" sz="1050">
+                <a:solidFill>
+                  <a:schemeClr val="lt1"/>
+                </a:solidFill>
+                <a:latin typeface="Calibri"/>
+                <a:ea typeface="Calibri"/>
+                <a:cs typeface="Calibri"/>
+                <a:sym typeface="Calibri"/>
+              </a:rPr>
+              <a:t>Argument</a:t>
+            </a:r>
+            <a:br>
+              <a:rPr lang="en-US" sz="1050">
+                <a:solidFill>
+                  <a:schemeClr val="lt1"/>
+                </a:solidFill>
+                <a:latin typeface="Calibri"/>
+                <a:ea typeface="Calibri"/>
+                <a:cs typeface="Calibri"/>
+                <a:sym typeface="Calibri"/>
+              </a:rPr>
+            </a:br>
+            <a:r>
+              <a:rPr lang="en-US" sz="1050">
+                <a:solidFill>
+                  <a:schemeClr val="lt1"/>
+                </a:solidFill>
+                <a:latin typeface="Calibri"/>
+                <a:ea typeface="Calibri"/>
+                <a:cs typeface="Calibri"/>
+                <a:sym typeface="Calibri"/>
+              </a:rPr>
+              <a:t>Tokenizer</a:t>
+            </a:r>
+          </a:p>
+        </p:txBody>
+      </p:sp>
+      <p:sp>
+        <p:nvSpPr>
+          <p:cNvPr id="254" name="Shape 254"/>
+          <p:cNvSpPr/>
+          <p:nvPr/>
+        </p:nvSpPr>
+        <p:spPr>
+          <a:xfrm>
+            <a:off x="3584643" y="2950413"/>
+            <a:ext cx="869100" cy="279900"/>
+          </a:xfrm>
+          <a:prstGeom prst="rect">
+            <a:avLst/>
+          </a:prstGeom>
+          <a:solidFill>
+            <a:srgbClr val="92CCDC"/>
+          </a:solidFill>
+          <a:ln w="19050" cap="flat" cmpd="sng">
+            <a:solidFill>
+              <a:srgbClr val="92CCDC"/>
+            </a:solidFill>
+            <a:prstDash val="solid"/>
+            <a:round/>
+            <a:headEnd type="none" w="med" len="med"/>
+            <a:tailEnd type="none" w="med" len="med"/>
+          </a:ln>
+        </p:spPr>
+        <p:txBody>
+          <a:bodyPr lIns="91425" tIns="45700" rIns="91425" bIns="45700" anchor="ctr" anchorCtr="0">
+            <a:noAutofit/>
+          </a:bodyPr>
+          <a:lstStyle/>
+          <a:p>
+            <a:pPr algn="ctr">
+              <a:buSzPct val="25000"/>
+            </a:pPr>
+            <a:r>
+              <a:rPr lang="en-US" sz="1050">
+                <a:solidFill>
+                  <a:schemeClr val="lt1"/>
+                </a:solidFill>
+                <a:latin typeface="Calibri"/>
+                <a:ea typeface="Calibri"/>
+                <a:cs typeface="Calibri"/>
+                <a:sym typeface="Calibri"/>
+              </a:rPr>
+              <a:t>Prefix</a:t>
+            </a:r>
+          </a:p>
+        </p:txBody>
+      </p:sp>
+      <p:grpSp>
+        <p:nvGrpSpPr>
+          <p:cNvPr id="255" name="Shape 255"/>
+          <p:cNvGrpSpPr/>
+          <p:nvPr/>
+        </p:nvGrpSpPr>
+        <p:grpSpPr>
+          <a:xfrm rot="5400000">
+            <a:off x="7048618" y="2688029"/>
+            <a:ext cx="407854" cy="664826"/>
+            <a:chOff x="4185511" y="885005"/>
+            <a:chExt cx="254400" cy="504000"/>
+          </a:xfrm>
+        </p:grpSpPr>
+        <p:sp>
+          <p:nvSpPr>
+            <p:cNvPr id="256" name="Shape 256"/>
+            <p:cNvSpPr txBox="1"/>
+            <p:nvPr/>
+          </p:nvSpPr>
+          <p:spPr>
+            <a:xfrm rot="-5400000">
+              <a:off x="4060711" y="1009805"/>
+              <a:ext cx="504000" cy="254400"/>
+            </a:xfrm>
+            <a:prstGeom prst="rect">
+              <a:avLst/>
+            </a:prstGeom>
+            <a:noFill/>
+            <a:ln>
+              <a:noFill/>
+            </a:ln>
+          </p:spPr>
+          <p:txBody>
+            <a:bodyPr lIns="0" tIns="0" rIns="0" bIns="0" anchor="t" anchorCtr="0">
+              <a:noAutofit/>
+            </a:bodyPr>
+            <a:lstStyle/>
+            <a:p>
+              <a:pPr>
+                <a:buSzPct val="25000"/>
+              </a:pPr>
+              <a:r>
+                <a:rPr lang="en-US" sz="1100">
+                  <a:solidFill>
+                    <a:srgbClr val="31859B"/>
+                  </a:solidFill>
+                  <a:latin typeface="Calibri"/>
+                  <a:ea typeface="Calibri"/>
+                  <a:cs typeface="Calibri"/>
+                  <a:sym typeface="Calibri"/>
+                </a:rPr>
+                <a:t>creates</a:t>
+              </a:r>
+            </a:p>
+          </p:txBody>
+        </p:sp>
+        <p:sp>
+          <p:nvSpPr>
+            <p:cNvPr id="257" name="Shape 257"/>
+            <p:cNvSpPr/>
+            <p:nvPr/>
+          </p:nvSpPr>
+          <p:spPr>
+            <a:xfrm flipH="1">
+              <a:off x="4223046" y="888755"/>
+              <a:ext cx="132300" cy="80100"/>
+            </a:xfrm>
+            <a:prstGeom prst="triangle">
+              <a:avLst>
+                <a:gd name="adj" fmla="val 50000"/>
+              </a:avLst>
+            </a:prstGeom>
+            <a:solidFill>
+              <a:srgbClr val="31859B"/>
+            </a:solidFill>
+            <a:ln>
+              <a:noFill/>
+            </a:ln>
+          </p:spPr>
+          <p:txBody>
+            <a:bodyPr lIns="91425" tIns="45700" rIns="91425" bIns="45700" anchor="ctr" anchorCtr="0">
+              <a:noAutofit/>
+            </a:bodyPr>
+            <a:lstStyle/>
+            <a:p>
+              <a:pPr algn="ctr"/>
+              <a:endParaRPr>
+                <a:solidFill>
+                  <a:schemeClr val="lt1"/>
+                </a:solidFill>
+                <a:latin typeface="Calibri"/>
+                <a:ea typeface="Calibri"/>
+                <a:cs typeface="Calibri"/>
+                <a:sym typeface="Calibri"/>
+              </a:endParaRPr>
             </a:p>
           </p:txBody>
         </p:sp>
       </p:grpSp>
       <p:grpSp>
         <p:nvGrpSpPr>
-          <p:cNvPr id="29" name="Group 28"/>
+          <p:cNvPr id="258" name="Shape 258"/>
           <p:cNvGrpSpPr/>
           <p:nvPr/>
         </p:nvGrpSpPr>
         <p:grpSpPr>
-          <a:xfrm>
-            <a:off x="4665110" y="1219200"/>
-            <a:ext cx="868568" cy="230832"/>
-            <a:chOff x="2755838" y="789460"/>
-            <a:chExt cx="868568" cy="230832"/>
+          <a:xfrm rot="5400000">
+            <a:off x="7047119" y="3261364"/>
+            <a:ext cx="407854" cy="664826"/>
+            <a:chOff x="4157778" y="905246"/>
+            <a:chExt cx="254400" cy="504000"/>
           </a:xfrm>
         </p:grpSpPr>
         <p:sp>
           <p:nvSpPr>
-            <p:cNvPr id="30" name="TextBox 29"/>
+            <p:cNvPr id="259" name="Shape 259"/>
             <p:cNvSpPr txBox="1"/>
             <p:nvPr/>
           </p:nvSpPr>
           <p:spPr>
-            <a:xfrm>
-              <a:off x="2895600" y="789460"/>
-              <a:ext cx="728806" cy="230832"/>
+            <a:xfrm rot="-5400000">
+              <a:off x="4032978" y="1030046"/>
+              <a:ext cx="504000" cy="254400"/>
             </a:xfrm>
             <a:prstGeom prst="rect">
               <a:avLst/>
             </a:prstGeom>
             <a:noFill/>
+            <a:ln>
+              <a:noFill/>
+            </a:ln>
           </p:spPr>
           <p:txBody>
-            <a:bodyPr wrap="square" lIns="0" tIns="0" rIns="0" bIns="0" rtlCol="0">
+            <a:bodyPr lIns="0" tIns="0" rIns="0" bIns="0" anchor="t" anchorCtr="0">
               <a:noAutofit/>
             </a:bodyPr>
             <a:lstStyle/>
             <a:p>
+              <a:pPr>
+                <a:buSzPct val="25000"/>
+              </a:pPr>
               <a:r>
-                <a:rPr lang="en-US" sz="1100" dirty="0">
+                <a:rPr lang="en-US" sz="1100">
                   <a:solidFill>
-                    <a:srgbClr val="0070C0"/>
+                    <a:srgbClr val="31859B"/>
                   </a:solidFill>
+                  <a:latin typeface="Calibri"/>
+                  <a:ea typeface="Calibri"/>
+                  <a:cs typeface="Calibri"/>
+                  <a:sym typeface="Calibri"/>
                 </a:rPr>
-                <a:t>produces</a:t>
+                <a:t>creates</a:t>
               </a:r>
-              <a:endParaRPr lang="en-SG" sz="1100" dirty="0">
-                <a:solidFill>
-                  <a:srgbClr val="0070C0"/>
-                </a:solidFill>
-              </a:endParaRPr>
             </a:p>
           </p:txBody>
         </p:sp>
         <p:sp>
           <p:nvSpPr>
-            <p:cNvPr id="31" name="Isosceles Triangle 30"/>
+            <p:cNvPr id="260" name="Shape 260"/>
             <p:cNvSpPr/>
             <p:nvPr/>
           </p:nvSpPr>
           <p:spPr>
-            <a:xfrm rot="16200000" flipH="1">
-              <a:off x="2730963" y="857181"/>
-              <a:ext cx="125951" cy="76201"/>
+            <a:xfrm flipH="1">
+              <a:off x="4246406" y="943082"/>
+              <a:ext cx="132300" cy="80100"/>
             </a:xfrm>
             <a:prstGeom prst="triangle">
-              <a:avLst/>
+              <a:avLst>
+                <a:gd name="adj" fmla="val 50000"/>
+              </a:avLst>
             </a:prstGeom>
             <a:solidFill>
-              <a:srgbClr val="0070C0"/>
+              <a:srgbClr val="31859B"/>
             </a:solidFill>
             <a:ln>
               <a:noFill/>
             </a:ln>
           </p:spPr>
-          <p:style>
-            <a:lnRef idx="2">
-              <a:schemeClr val="accent1">
-                <a:shade val="50000"/>
-              </a:schemeClr>
-            </a:lnRef>
-            <a:fillRef idx="1">
-              <a:schemeClr val="accent1"/>
-            </a:fillRef>
-            <a:effectRef idx="0">
-              <a:schemeClr val="accent1"/>
-            </a:effectRef>
-            <a:fontRef idx="minor">
-              <a:schemeClr val="lt1"/>
-            </a:fontRef>
-          </p:style>
           <p:txBody>
-            <a:bodyPr rtlCol="0" anchor="ctr"/>
+            <a:bodyPr lIns="91425" tIns="45700" rIns="91425" bIns="45700" anchor="ctr" anchorCtr="0">
+              <a:noAutofit/>
+            </a:bodyPr>
             <a:lstStyle/>
             <a:p>
               <a:pPr algn="ctr"/>
-              <a:endParaRPr lang="en-SG"/>
+              <a:endParaRPr>
+                <a:solidFill>
+                  <a:schemeClr val="lt1"/>
+                </a:solidFill>
+                <a:latin typeface="Calibri"/>
+                <a:ea typeface="Calibri"/>
+                <a:cs typeface="Calibri"/>
+                <a:sym typeface="Calibri"/>
+              </a:endParaRPr>
             </a:p>
           </p:txBody>
         </p:sp>
       </p:grpSp>
       <p:sp>
         <p:nvSpPr>
-          <p:cNvPr id="32" name="TextBox 31"/>
-          <p:cNvSpPr txBox="1"/>
+          <p:cNvPr id="261" name="Shape 261"/>
+          <p:cNvSpPr/>
           <p:nvPr/>
         </p:nvSpPr>
         <p:spPr>
           <a:xfrm>
-            <a:off x="2301175" y="1618473"/>
-            <a:ext cx="131116" cy="230832"/>
+            <a:off x="3591953" y="3606195"/>
+            <a:ext cx="875700" cy="455100"/>
           </a:xfrm>
           <a:prstGeom prst="rect">
             <a:avLst/>
           </a:prstGeom>
-          <a:noFill/>
-        </p:spPr>
-        <p:txBody>
-          <a:bodyPr wrap="square" lIns="0" tIns="0" rIns="0" bIns="0" rtlCol="0">
+          <a:solidFill>
+            <a:srgbClr val="92CCDC"/>
+          </a:solidFill>
+          <a:ln w="19050" cap="flat" cmpd="sng">
+            <a:solidFill>
+              <a:srgbClr val="92CCDC"/>
+            </a:solidFill>
+            <a:prstDash val="solid"/>
+            <a:round/>
+            <a:headEnd type="none" w="med" len="med"/>
+            <a:tailEnd type="none" w="med" len="med"/>
+          </a:ln>
+        </p:spPr>
+        <p:txBody>
+          <a:bodyPr lIns="91425" tIns="45700" rIns="91425" bIns="45700" anchor="ctr" anchorCtr="0">
             <a:noAutofit/>
           </a:bodyPr>
           <a:lstStyle/>
           <a:p>
-            <a:pPr algn="r"/>
-            <a:r>
-              <a:rPr lang="en-US" sz="1100" dirty="0">
+            <a:pPr algn="ctr">
+              <a:buSzPct val="25000"/>
+            </a:pPr>
+            <a:r>
+              <a:rPr lang="en-US" sz="1050">
                 <a:solidFill>
-                  <a:srgbClr val="0070C0"/>
+                  <a:schemeClr val="lt1"/>
                 </a:solidFill>
+                <a:latin typeface="Calibri"/>
+                <a:ea typeface="Calibri"/>
+                <a:cs typeface="Calibri"/>
+                <a:sym typeface="Calibri"/>
               </a:rPr>
-              <a:t>1</a:t>
-            </a:r>
-            <a:endParaRPr lang="en-SG" sz="1100" dirty="0">
-              <a:solidFill>
-                <a:srgbClr val="0070C0"/>
-              </a:solidFill>
-            </a:endParaRPr>
-          </a:p>
-        </p:txBody>
-      </p:sp>
-      <p:sp>
-        <p:nvSpPr>
-          <p:cNvPr id="33" name="TextBox 32"/>
-          <p:cNvSpPr txBox="1"/>
+              <a:t>CliSyntax</a:t>
+            </a:r>
+          </a:p>
+        </p:txBody>
+      </p:sp>
+      <p:sp>
+        <p:nvSpPr>
+          <p:cNvPr id="262" name="Shape 262"/>
+          <p:cNvSpPr/>
           <p:nvPr/>
         </p:nvSpPr>
         <p:spPr>
           <a:xfrm>
-            <a:off x="2912207" y="3709457"/>
-            <a:ext cx="131116" cy="230832"/>
+            <a:off x="3591953" y="4165942"/>
+            <a:ext cx="875700" cy="455100"/>
           </a:xfrm>
           <a:prstGeom prst="rect">
             <a:avLst/>
           </a:prstGeom>
-          <a:noFill/>
-        </p:spPr>
-        <p:txBody>
-          <a:bodyPr wrap="square" lIns="0" tIns="0" rIns="0" bIns="0" rtlCol="0">
+          <a:solidFill>
+            <a:srgbClr val="92CCDC"/>
+          </a:solidFill>
+          <a:ln w="19050" cap="flat" cmpd="sng">
+            <a:solidFill>
+              <a:srgbClr val="92CCDC"/>
+            </a:solidFill>
+            <a:prstDash val="solid"/>
+            <a:round/>
+            <a:headEnd type="none" w="med" len="med"/>
+            <a:tailEnd type="none" w="med" len="med"/>
+          </a:ln>
+        </p:spPr>
+        <p:txBody>
+          <a:bodyPr lIns="91425" tIns="45700" rIns="91425" bIns="45700" anchor="ctr" anchorCtr="0">
             <a:noAutofit/>
           </a:bodyPr>
           <a:lstStyle/>
           <a:p>
-            <a:pPr algn="r"/>
-            <a:r>
-              <a:rPr lang="en-US" sz="1100" dirty="0">
+            <a:pPr algn="ctr">
+              <a:buSzPct val="25000"/>
+            </a:pPr>
+            <a:r>
+              <a:rPr lang="en-US" sz="1050">
                 <a:solidFill>
-                  <a:srgbClr val="0070C0"/>
+                  <a:schemeClr val="lt1"/>
                 </a:solidFill>
+                <a:latin typeface="Calibri"/>
+                <a:ea typeface="Calibri"/>
+                <a:cs typeface="Calibri"/>
+                <a:sym typeface="Calibri"/>
               </a:rPr>
-              <a:t>1</a:t>
-            </a:r>
-            <a:endParaRPr lang="en-SG" sz="1100" dirty="0">
-              <a:solidFill>
-                <a:srgbClr val="0070C0"/>
-              </a:solidFill>
-            </a:endParaRPr>
-          </a:p>
-        </p:txBody>
-      </p:sp>
-      <p:sp>
-        <p:nvSpPr>
-          <p:cNvPr id="37" name="Rectangle 11"/>
-          <p:cNvSpPr/>
-          <p:nvPr/>
-        </p:nvSpPr>
-        <p:spPr>
-          <a:xfrm flipH="1">
-            <a:off x="6526365" y="2956137"/>
-            <a:ext cx="1093635" cy="346760"/>
-          </a:xfrm>
-          <a:prstGeom prst="rect">
-            <a:avLst/>
-          </a:prstGeom>
-          <a:ln w="19050">
-            <a:solidFill>
-              <a:srgbClr val="0070C0"/>
-            </a:solidFill>
-          </a:ln>
-          <a:effectLst/>
-        </p:spPr>
-        <p:style>
-          <a:lnRef idx="1">
-            <a:schemeClr val="accent1"/>
-          </a:lnRef>
-          <a:fillRef idx="2">
-            <a:schemeClr val="accent1"/>
-          </a:fillRef>
-          <a:effectRef idx="1">
-            <a:schemeClr val="accent1"/>
-          </a:effectRef>
-          <a:fontRef idx="minor">
-            <a:schemeClr val="dk1"/>
-          </a:fontRef>
-        </p:style>
-        <p:txBody>
-          <a:bodyPr rtlCol="0" anchor="ctr"/>
-          <a:lstStyle/>
-          <a:p>
-            <a:pPr algn="ctr"/>
-            <a:r>
-              <a:rPr lang="en-US" sz="1050" b="1" dirty="0" smtClean="0">
-                <a:solidFill>
-                  <a:srgbClr val="0070C0"/>
-                </a:solidFill>
-              </a:rPr>
-              <a:t>…</a:t>
-            </a:r>
-            <a:endParaRPr lang="en-SG" sz="1050" b="1" dirty="0">
-              <a:solidFill>
-                <a:srgbClr val="0070C0"/>
-              </a:solidFill>
-            </a:endParaRPr>
+              <a:t>ParserUtil</a:t>
+            </a:r>
           </a:p>
         </p:txBody>
       </p:sp>
       <p:cxnSp>
         <p:nvCxnSpPr>
-          <p:cNvPr id="39" name="Elbow Connector 122"/>
+          <p:cNvPr id="263" name="Shape 263"/>
+          <p:cNvCxnSpPr>
+            <a:endCxn id="261" idx="3"/>
+          </p:cNvCxnSpPr>
+          <p:nvPr/>
+        </p:nvCxnSpPr>
+        <p:spPr>
+          <a:xfrm rot="10800000">
+            <a:off x="4467653" y="3833745"/>
+            <a:ext cx="400800" cy="0"/>
+          </a:xfrm>
+          <a:prstGeom prst="straightConnector1">
+            <a:avLst/>
+          </a:prstGeom>
+          <a:gradFill>
+            <a:gsLst>
+              <a:gs pos="0">
+                <a:srgbClr val="FFA09D"/>
+              </a:gs>
+              <a:gs pos="35000">
+                <a:srgbClr val="FFBCBC"/>
+              </a:gs>
+              <a:gs pos="100000">
+                <a:srgbClr val="FFE2E2"/>
+              </a:gs>
+            </a:gsLst>
+            <a:lin ang="16200038" scaled="0"/>
+          </a:gradFill>
+          <a:ln w="19050" cap="flat" cmpd="sng">
+            <a:solidFill>
+              <a:srgbClr val="205867"/>
+            </a:solidFill>
+            <a:prstDash val="dot"/>
+            <a:round/>
+            <a:headEnd type="none" w="med" len="med"/>
+            <a:tailEnd type="stealth" w="lg" len="lg"/>
+          </a:ln>
+        </p:spPr>
+      </p:cxnSp>
+      <p:cxnSp>
+        <p:nvCxnSpPr>
+          <p:cNvPr id="264" name="Shape 264"/>
           <p:cNvCxnSpPr/>
           <p:nvPr/>
         </p:nvCxnSpPr>
         <p:spPr>
-          <a:xfrm rot="16200000" flipV="1">
-            <a:off x="1105538" y="2692369"/>
-            <a:ext cx="2147794" cy="2"/>
+          <a:xfrm rot="10800000">
+            <a:off x="4476174" y="4336818"/>
+            <a:ext cx="392400" cy="8700"/>
+          </a:xfrm>
+          <a:prstGeom prst="straightConnector1">
+            <a:avLst/>
+          </a:prstGeom>
+          <a:gradFill>
+            <a:gsLst>
+              <a:gs pos="0">
+                <a:srgbClr val="FFA09D"/>
+              </a:gs>
+              <a:gs pos="35000">
+                <a:srgbClr val="FFBCBC"/>
+              </a:gs>
+              <a:gs pos="100000">
+                <a:srgbClr val="FFE2E2"/>
+              </a:gs>
+            </a:gsLst>
+            <a:lin ang="16200038" scaled="0"/>
+          </a:gradFill>
+          <a:ln w="19050" cap="flat" cmpd="sng">
+            <a:solidFill>
+              <a:srgbClr val="205867"/>
+            </a:solidFill>
+            <a:prstDash val="dot"/>
+            <a:round/>
+            <a:headEnd type="none" w="med" len="med"/>
+            <a:tailEnd type="stealth" w="lg" len="lg"/>
+          </a:ln>
+        </p:spPr>
+      </p:cxnSp>
+      <p:cxnSp>
+        <p:nvCxnSpPr>
+          <p:cNvPr id="265" name="Shape 265"/>
+          <p:cNvCxnSpPr>
+            <a:stCxn id="261" idx="0"/>
+          </p:cNvCxnSpPr>
+          <p:nvPr/>
+        </p:nvCxnSpPr>
+        <p:spPr>
+          <a:xfrm rot="5400000" flipH="1">
+            <a:off x="3836453" y="3412845"/>
+            <a:ext cx="376200" cy="10500"/>
           </a:xfrm>
           <a:prstGeom prst="bentConnector3">
             <a:avLst>
-              <a:gd name="adj1" fmla="val 50000"/>
+              <a:gd name="adj1" fmla="val 49974"/>
             </a:avLst>
           </a:prstGeom>
-          <a:ln w="19050">
+          <a:gradFill>
+            <a:gsLst>
+              <a:gs pos="0">
+                <a:srgbClr val="FFA09D"/>
+              </a:gs>
+              <a:gs pos="35000">
+                <a:srgbClr val="FFBCBC"/>
+              </a:gs>
+              <a:gs pos="100000">
+                <a:srgbClr val="FFE2E2"/>
+              </a:gs>
+            </a:gsLst>
+            <a:lin ang="16200038" scaled="0"/>
+          </a:gradFill>
+          <a:ln w="19050" cap="flat" cmpd="sng">
             <a:solidFill>
-              <a:srgbClr val="0070C0"/>
+              <a:srgbClr val="92CCDC"/>
             </a:solidFill>
-            <a:prstDash val="sysDot"/>
+            <a:prstDash val="dot"/>
+            <a:round/>
             <a:headEnd type="none" w="med" len="med"/>
-            <a:tailEnd type="arrow" w="med" len="med"/>
+            <a:tailEnd type="stealth" w="lg" len="lg"/>
           </a:ln>
-          <a:effectLst/>
-        </p:spPr>
-        <p:style>
-          <a:lnRef idx="1">
-            <a:schemeClr val="accent2"/>
-          </a:lnRef>
-          <a:fillRef idx="2">
-            <a:schemeClr val="accent2"/>
-          </a:fillRef>
-          <a:effectRef idx="1">
-            <a:schemeClr val="accent2"/>
-          </a:effectRef>
-          <a:fontRef idx="minor">
-            <a:schemeClr val="dk1"/>
-          </a:fontRef>
-        </p:style>
+        </p:spPr>
       </p:cxnSp>
-      <p:sp>
-        <p:nvSpPr>
-          <p:cNvPr id="42" name="Rectangle 11"/>
-          <p:cNvSpPr/>
+      <p:cxnSp>
+        <p:nvCxnSpPr>
+          <p:cNvPr id="266" name="Shape 266"/>
+          <p:cNvCxnSpPr/>
           <p:nvPr/>
-        </p:nvSpPr>
-        <p:spPr>
-          <a:xfrm flipH="1">
-            <a:off x="4664592" y="2148937"/>
-            <a:ext cx="1093635" cy="346760"/>
-          </a:xfrm>
-          <a:prstGeom prst="rect">
+        </p:nvCxnSpPr>
+        <p:spPr>
+          <a:xfrm>
+            <a:off x="4453725" y="2382618"/>
+            <a:ext cx="414900" cy="0"/>
+          </a:xfrm>
+          <a:prstGeom prst="straightConnector1">
             <a:avLst/>
           </a:prstGeom>
-          <a:solidFill>
-            <a:schemeClr val="accent5"/>
-          </a:solidFill>
-          <a:ln/>
-          <a:effectLst/>
-        </p:spPr>
-        <p:style>
-          <a:lnRef idx="1">
-            <a:schemeClr val="accent5"/>
-          </a:lnRef>
-          <a:fillRef idx="2">
-            <a:schemeClr val="accent5"/>
-          </a:fillRef>
-          <a:effectRef idx="1">
-            <a:schemeClr val="accent5"/>
-          </a:effectRef>
-          <a:fontRef idx="minor">
-            <a:schemeClr val="dk1"/>
-          </a:fontRef>
-        </p:style>
-        <p:txBody>
-          <a:bodyPr rtlCol="0" anchor="ctr"/>
-          <a:lstStyle/>
-          <a:p>
-            <a:pPr algn="ctr"/>
-            <a:r>
-              <a:rPr lang="en-US" sz="1050" b="1" dirty="0" err="1">
-                <a:solidFill>
-                  <a:schemeClr val="bg1"/>
-                </a:solidFill>
-              </a:rPr>
-              <a:t>AddCommand</a:t>
-            </a:r>
-            <a:endParaRPr lang="en-US" sz="1050" b="1" dirty="0">
-              <a:solidFill>
-                <a:schemeClr val="bg1"/>
-              </a:solidFill>
-            </a:endParaRPr>
-          </a:p>
-          <a:p>
-            <a:pPr algn="ctr"/>
-            <a:r>
-              <a:rPr lang="en-US" sz="1050" b="1" dirty="0">
-                <a:solidFill>
-                  <a:schemeClr val="bg1"/>
-                </a:solidFill>
-              </a:rPr>
-              <a:t>Parser</a:t>
-            </a:r>
-            <a:endParaRPr lang="en-SG" sz="1050" b="1" dirty="0">
-              <a:solidFill>
-                <a:schemeClr val="bg1"/>
-              </a:solidFill>
-            </a:endParaRPr>
-          </a:p>
-        </p:txBody>
-      </p:sp>
-      <p:sp>
-        <p:nvSpPr>
-          <p:cNvPr id="44" name="Rectangle 11"/>
-          <p:cNvSpPr/>
+          <a:gradFill>
+            <a:gsLst>
+              <a:gs pos="0">
+                <a:srgbClr val="FFA09D"/>
+              </a:gs>
+              <a:gs pos="35000">
+                <a:srgbClr val="FFBCBC"/>
+              </a:gs>
+              <a:gs pos="100000">
+                <a:srgbClr val="FFE2E2"/>
+              </a:gs>
+            </a:gsLst>
+            <a:lin ang="16200038" scaled="0"/>
+          </a:gradFill>
+          <a:ln w="19050" cap="flat" cmpd="sng">
+            <a:solidFill>
+              <a:srgbClr val="205867"/>
+            </a:solidFill>
+            <a:prstDash val="dot"/>
+            <a:round/>
+            <a:headEnd type="stealth" w="lg" len="lg"/>
+            <a:tailEnd type="none" w="med" len="med"/>
+          </a:ln>
+        </p:spPr>
+      </p:cxnSp>
+      <p:cxnSp>
+        <p:nvCxnSpPr>
+          <p:cNvPr id="267" name="Shape 267"/>
+          <p:cNvCxnSpPr>
+            <a:stCxn id="253" idx="2"/>
+            <a:endCxn id="254" idx="0"/>
+          </p:cNvCxnSpPr>
           <p:nvPr/>
-        </p:nvSpPr>
-        <p:spPr>
-          <a:xfrm flipH="1">
-            <a:off x="4664592" y="2555337"/>
-            <a:ext cx="1093635" cy="346760"/>
-          </a:xfrm>
-          <a:prstGeom prst="rect">
-            <a:avLst/>
-          </a:prstGeom>
-          <a:solidFill>
-            <a:schemeClr val="accent5"/>
-          </a:solidFill>
-          <a:ln/>
-          <a:effectLst/>
-        </p:spPr>
-        <p:style>
-          <a:lnRef idx="1">
-            <a:schemeClr val="accent5"/>
-          </a:lnRef>
-          <a:fillRef idx="2">
-            <a:schemeClr val="accent5"/>
-          </a:fillRef>
-          <a:effectRef idx="1">
-            <a:schemeClr val="accent5"/>
-          </a:effectRef>
-          <a:fontRef idx="minor">
-            <a:schemeClr val="dk1"/>
-          </a:fontRef>
-        </p:style>
-        <p:txBody>
-          <a:bodyPr rtlCol="0" anchor="ctr"/>
-          <a:lstStyle/>
-          <a:p>
-            <a:pPr algn="ctr"/>
-            <a:r>
-              <a:rPr lang="en-US" sz="1050" b="1" dirty="0" err="1">
-                <a:solidFill>
-                  <a:schemeClr val="bg1"/>
-                </a:solidFill>
-              </a:rPr>
-              <a:t>FindCommand</a:t>
-            </a:r>
-            <a:endParaRPr lang="en-US" sz="1050" b="1" dirty="0">
-              <a:solidFill>
-                <a:schemeClr val="bg1"/>
-              </a:solidFill>
-            </a:endParaRPr>
-          </a:p>
-          <a:p>
-            <a:pPr algn="ctr"/>
-            <a:r>
-              <a:rPr lang="en-US" sz="1050" b="1" dirty="0">
-                <a:solidFill>
-                  <a:schemeClr val="bg1"/>
-                </a:solidFill>
-              </a:rPr>
-              <a:t>Parser</a:t>
-            </a:r>
-            <a:endParaRPr lang="en-SG" sz="1050" b="1" dirty="0">
-              <a:solidFill>
-                <a:schemeClr val="bg1"/>
-              </a:solidFill>
-            </a:endParaRPr>
-          </a:p>
-        </p:txBody>
-      </p:sp>
-      <p:sp>
-        <p:nvSpPr>
-          <p:cNvPr id="45" name="Rectangle 44"/>
-          <p:cNvSpPr/>
-          <p:nvPr/>
-        </p:nvSpPr>
-        <p:spPr>
-          <a:xfrm flipH="1">
-            <a:off x="4664590" y="2977582"/>
-            <a:ext cx="1093635" cy="346760"/>
-          </a:xfrm>
-          <a:prstGeom prst="rect">
-            <a:avLst/>
-          </a:prstGeom>
-          <a:solidFill>
-            <a:schemeClr val="accent5"/>
-          </a:solidFill>
-          <a:ln/>
-          <a:effectLst/>
-        </p:spPr>
-        <p:style>
-          <a:lnRef idx="1">
-            <a:schemeClr val="accent5"/>
-          </a:lnRef>
-          <a:fillRef idx="2">
-            <a:schemeClr val="accent5"/>
-          </a:fillRef>
-          <a:effectRef idx="1">
-            <a:schemeClr val="accent5"/>
-          </a:effectRef>
-          <a:fontRef idx="minor">
-            <a:schemeClr val="dk1"/>
-          </a:fontRef>
-        </p:style>
-        <p:txBody>
-          <a:bodyPr rtlCol="0" anchor="ctr"/>
-          <a:lstStyle/>
-          <a:p>
-            <a:pPr algn="ctr"/>
-            <a:r>
-              <a:rPr lang="en-US" sz="1050" b="1" dirty="0">
-                <a:solidFill>
-                  <a:schemeClr val="bg1"/>
-                </a:solidFill>
-              </a:rPr>
-              <a:t>…</a:t>
-            </a:r>
-            <a:endParaRPr lang="en-SG" sz="1050" b="1" dirty="0">
-              <a:solidFill>
-                <a:schemeClr val="bg1"/>
-              </a:solidFill>
-            </a:endParaRPr>
-          </a:p>
-        </p:txBody>
-      </p:sp>
-      <p:sp>
-        <p:nvSpPr>
-          <p:cNvPr id="56" name="Rectangle 62"/>
-          <p:cNvSpPr/>
-          <p:nvPr/>
-        </p:nvSpPr>
-        <p:spPr>
-          <a:xfrm>
-            <a:off x="2807288" y="1905000"/>
-            <a:ext cx="751107" cy="346760"/>
-          </a:xfrm>
-          <a:prstGeom prst="rect">
-            <a:avLst/>
-          </a:prstGeom>
-          <a:solidFill>
-            <a:schemeClr val="accent5">
-              <a:lumMod val="60000"/>
-              <a:lumOff val="40000"/>
-            </a:schemeClr>
-          </a:solidFill>
-          <a:ln w="19050">
+        </p:nvCxnSpPr>
+        <p:spPr>
+          <a:xfrm rot="5400000">
+            <a:off x="3878059" y="2801544"/>
+            <a:ext cx="290100" cy="7800"/>
+          </a:xfrm>
+          <a:prstGeom prst="bentConnector3">
+            <a:avLst>
+              <a:gd name="adj1" fmla="val 50001"/>
+            </a:avLst>
+          </a:prstGeom>
+          <a:gradFill>
+            <a:gsLst>
+              <a:gs pos="0">
+                <a:srgbClr val="FFA09D"/>
+              </a:gs>
+              <a:gs pos="35000">
+                <a:srgbClr val="FFBCBC"/>
+              </a:gs>
+              <a:gs pos="100000">
+                <a:srgbClr val="FFE2E2"/>
+              </a:gs>
+            </a:gsLst>
+            <a:lin ang="16200038" scaled="0"/>
+          </a:gradFill>
+          <a:ln w="19050" cap="flat" cmpd="sng">
             <a:solidFill>
-              <a:schemeClr val="accent5">
-                <a:lumMod val="60000"/>
-                <a:lumOff val="40000"/>
-              </a:schemeClr>
+              <a:srgbClr val="92CCDC"/>
             </a:solidFill>
+            <a:prstDash val="dot"/>
+            <a:round/>
+            <a:headEnd type="none" w="med" len="med"/>
+            <a:tailEnd type="stealth" w="lg" len="lg"/>
           </a:ln>
-          <a:effectLst/>
-        </p:spPr>
-        <p:style>
-          <a:lnRef idx="1">
-            <a:schemeClr val="accent2"/>
-          </a:lnRef>
-          <a:fillRef idx="2">
-            <a:schemeClr val="accent2"/>
-          </a:fillRef>
-          <a:effectRef idx="1">
-            <a:schemeClr val="accent2"/>
-          </a:effectRef>
-          <a:fontRef idx="minor">
-            <a:schemeClr val="dk1"/>
-          </a:fontRef>
-        </p:style>
-        <p:txBody>
-          <a:bodyPr rtlCol="0" anchor="ctr"/>
-          <a:lstStyle/>
-          <a:p>
-            <a:pPr algn="ctr"/>
-            <a:r>
-              <a:rPr lang="en-US" sz="1050" dirty="0" smtClean="0">
-                <a:solidFill>
-                  <a:schemeClr val="bg1"/>
-                </a:solidFill>
-              </a:rPr>
-              <a:t>Argument</a:t>
-            </a:r>
-            <a:br>
-              <a:rPr lang="en-US" sz="1050" dirty="0" smtClean="0">
-                <a:solidFill>
-                  <a:schemeClr val="bg1"/>
-                </a:solidFill>
-              </a:rPr>
-            </a:br>
-            <a:r>
-              <a:rPr lang="en-US" sz="1050" dirty="0" smtClean="0">
-                <a:solidFill>
-                  <a:schemeClr val="bg1"/>
-                </a:solidFill>
-              </a:rPr>
-              <a:t>Tokenizer</a:t>
-            </a:r>
-            <a:endParaRPr lang="en-SG" sz="1050" dirty="0">
-              <a:solidFill>
-                <a:schemeClr val="bg1"/>
-              </a:solidFill>
-            </a:endParaRPr>
-          </a:p>
-        </p:txBody>
-      </p:sp>
-      <p:sp>
-        <p:nvSpPr>
-          <p:cNvPr id="58" name="Rectangle 62"/>
-          <p:cNvSpPr/>
-          <p:nvPr/>
-        </p:nvSpPr>
-        <p:spPr>
-          <a:xfrm>
-            <a:off x="2813291" y="2432664"/>
-            <a:ext cx="726243" cy="174580"/>
-          </a:xfrm>
-          <a:prstGeom prst="rect">
-            <a:avLst/>
-          </a:prstGeom>
-          <a:solidFill>
-            <a:schemeClr val="accent5">
-              <a:lumMod val="60000"/>
-              <a:lumOff val="40000"/>
-            </a:schemeClr>
-          </a:solidFill>
-          <a:ln w="19050">
-            <a:solidFill>
-              <a:schemeClr val="accent5">
-                <a:lumMod val="60000"/>
-                <a:lumOff val="40000"/>
-              </a:schemeClr>
-            </a:solidFill>
-          </a:ln>
-          <a:effectLst/>
-        </p:spPr>
-        <p:style>
-          <a:lnRef idx="1">
-            <a:schemeClr val="accent2"/>
-          </a:lnRef>
-          <a:fillRef idx="2">
-            <a:schemeClr val="accent2"/>
-          </a:fillRef>
-          <a:effectRef idx="1">
-            <a:schemeClr val="accent2"/>
-          </a:effectRef>
-          <a:fontRef idx="minor">
-            <a:schemeClr val="dk1"/>
-          </a:fontRef>
-        </p:style>
-        <p:txBody>
-          <a:bodyPr rtlCol="0" anchor="ctr"/>
-          <a:lstStyle/>
-          <a:p>
-            <a:pPr algn="ctr"/>
-            <a:r>
-              <a:rPr lang="en-US" sz="1050" dirty="0" smtClean="0">
-                <a:solidFill>
-                  <a:schemeClr val="bg1"/>
-                </a:solidFill>
-              </a:rPr>
-              <a:t>Prefix</a:t>
-            </a:r>
-            <a:endParaRPr lang="en-SG" sz="1050" dirty="0">
-              <a:solidFill>
-                <a:schemeClr val="bg1"/>
-              </a:solidFill>
-            </a:endParaRPr>
-          </a:p>
-        </p:txBody>
-      </p:sp>
+        </p:spPr>
+      </p:cxnSp>
       <p:grpSp>
         <p:nvGrpSpPr>
-          <p:cNvPr id="161" name="Group 160"/>
+          <p:cNvPr id="268" name="Shape 268"/>
           <p:cNvGrpSpPr/>
           <p:nvPr/>
         </p:nvGrpSpPr>
         <p:grpSpPr>
           <a:xfrm rot="5400000">
-            <a:off x="5941795" y="1962201"/>
-            <a:ext cx="254462" cy="555486"/>
-            <a:chOff x="3949242" y="712012"/>
-            <a:chExt cx="254462" cy="503902"/>
+            <a:off x="4859884" y="4575906"/>
+            <a:ext cx="980196" cy="332266"/>
+            <a:chOff x="3559416" y="937875"/>
+            <a:chExt cx="611400" cy="251888"/>
           </a:xfrm>
         </p:grpSpPr>
         <p:sp>
           <p:nvSpPr>
-            <p:cNvPr id="162" name="TextBox 161"/>
+            <p:cNvPr id="269" name="Shape 269"/>
             <p:cNvSpPr txBox="1"/>
             <p:nvPr/>
           </p:nvSpPr>
           <p:spPr>
-            <a:xfrm rot="16200000">
-              <a:off x="3824522" y="836732"/>
-              <a:ext cx="503902" cy="254462"/>
+            <a:xfrm rot="10800000">
+              <a:off x="3559416" y="959064"/>
+              <a:ext cx="611400" cy="230700"/>
             </a:xfrm>
             <a:prstGeom prst="rect">
               <a:avLst/>
             </a:prstGeom>
             <a:noFill/>
+            <a:ln>
+              <a:noFill/>
+            </a:ln>
           </p:spPr>
           <p:txBody>
-            <a:bodyPr wrap="square" lIns="0" tIns="0" rIns="0" bIns="0" rtlCol="0">
+            <a:bodyPr lIns="0" tIns="0" rIns="0" bIns="0" anchor="t" anchorCtr="0">
               <a:noAutofit/>
             </a:bodyPr>
             <a:lstStyle/>
             <a:p>
+              <a:pPr>
+                <a:buSzPct val="25000"/>
+              </a:pPr>
               <a:r>
-                <a:rPr lang="en-US" sz="1100" dirty="0" smtClean="0">
+                <a:rPr lang="en-US" sz="1100">
                   <a:solidFill>
-                    <a:schemeClr val="accent5">
-                      <a:lumMod val="75000"/>
-                    </a:schemeClr>
+                    <a:srgbClr val="31859B"/>
                   </a:solidFill>
+                  <a:latin typeface="Calibri"/>
+                  <a:ea typeface="Calibri"/>
+                  <a:cs typeface="Calibri"/>
+                  <a:sym typeface="Calibri"/>
                 </a:rPr>
                 <a:t>creates</a:t>
               </a:r>
-              <a:endParaRPr lang="en-SG" sz="1100" dirty="0">
-                <a:solidFill>
-                  <a:schemeClr val="accent5">
-                    <a:lumMod val="75000"/>
-                  </a:schemeClr>
-                </a:solidFill>
-              </a:endParaRPr>
             </a:p>
           </p:txBody>
         </p:sp>
         <p:sp>
           <p:nvSpPr>
-            <p:cNvPr id="163" name="Isosceles Triangle 162"/>
+            <p:cNvPr id="270" name="Shape 270"/>
             <p:cNvSpPr/>
             <p:nvPr/>
           </p:nvSpPr>
           <p:spPr>
-            <a:xfrm rot="10800000" flipV="1">
-              <a:off x="3979474" y="751200"/>
-              <a:ext cx="132157" cy="79956"/>
+            <a:xfrm rot="-5400000" flipH="1">
+              <a:off x="3801001" y="953775"/>
+              <a:ext cx="120000" cy="88200"/>
             </a:xfrm>
             <a:prstGeom prst="triangle">
-              <a:avLst/>
+              <a:avLst>
+                <a:gd name="adj" fmla="val 50000"/>
+              </a:avLst>
             </a:prstGeom>
             <a:solidFill>
-              <a:schemeClr val="accent5">
-                <a:lumMod val="75000"/>
-              </a:schemeClr>
+              <a:srgbClr val="31859B"/>
             </a:solidFill>
             <a:ln>
               <a:noFill/>
             </a:ln>
           </p:spPr>
-          <p:style>
-            <a:lnRef idx="2">
-              <a:schemeClr val="accent1">
-                <a:shade val="50000"/>
-              </a:schemeClr>
-            </a:lnRef>
-            <a:fillRef idx="1">
-              <a:schemeClr val="accent1"/>
-            </a:fillRef>
-            <a:effectRef idx="0">
-              <a:schemeClr val="accent1"/>
-            </a:effectRef>
-            <a:fontRef idx="minor">
-              <a:schemeClr val="lt1"/>
-            </a:fontRef>
-          </p:style>
           <p:txBody>
-            <a:bodyPr rtlCol="0" anchor="ctr"/>
-            <a:lstStyle/>
-            <a:p>
-              <a:pPr algn="ctr"/>
-              <a:endParaRPr lang="en-SG"/>
-            </a:p>
-          </p:txBody>
-        </p:sp>
-      </p:grpSp>
-      <p:grpSp>
-        <p:nvGrpSpPr>
-          <p:cNvPr id="164" name="Group 163"/>
-          <p:cNvGrpSpPr/>
-          <p:nvPr/>
-        </p:nvGrpSpPr>
-        <p:grpSpPr>
-          <a:xfrm rot="5400000">
-            <a:off x="5962853" y="2347569"/>
-            <a:ext cx="254462" cy="555486"/>
-            <a:chOff x="3949242" y="712012"/>
-            <a:chExt cx="254462" cy="503902"/>
-          </a:xfrm>
-        </p:grpSpPr>
-        <p:sp>
-          <p:nvSpPr>
-            <p:cNvPr id="165" name="TextBox 164"/>
-            <p:cNvSpPr txBox="1"/>
-            <p:nvPr/>
-          </p:nvSpPr>
-          <p:spPr>
-            <a:xfrm rot="16200000">
-              <a:off x="3824522" y="836732"/>
-              <a:ext cx="503902" cy="254462"/>
-            </a:xfrm>
-            <a:prstGeom prst="rect">
-              <a:avLst/>
-            </a:prstGeom>
-            <a:noFill/>
-          </p:spPr>
-          <p:txBody>
-            <a:bodyPr wrap="square" lIns="0" tIns="0" rIns="0" bIns="0" rtlCol="0">
+            <a:bodyPr lIns="91425" tIns="45700" rIns="91425" bIns="45700" anchor="ctr" anchorCtr="0">
               <a:noAutofit/>
             </a:bodyPr>
             <a:lstStyle/>
             <a:p>
-              <a:r>
-                <a:rPr lang="en-US" sz="1100" dirty="0" smtClean="0">
-                  <a:solidFill>
-                    <a:schemeClr val="accent5">
-                      <a:lumMod val="75000"/>
-                    </a:schemeClr>
-                  </a:solidFill>
-                </a:rPr>
-                <a:t>creates</a:t>
-              </a:r>
-              <a:endParaRPr lang="en-SG" sz="1100" dirty="0">
+              <a:pPr algn="ctr"/>
+              <a:endParaRPr>
                 <a:solidFill>
-                  <a:schemeClr val="accent5">
-                    <a:lumMod val="75000"/>
-                  </a:schemeClr>
+                  <a:schemeClr val="lt1"/>
                 </a:solidFill>
+                <a:latin typeface="Calibri"/>
+                <a:ea typeface="Calibri"/>
+                <a:cs typeface="Calibri"/>
+                <a:sym typeface="Calibri"/>
               </a:endParaRPr>
-            </a:p>
-          </p:txBody>
-        </p:sp>
-        <p:sp>
-          <p:nvSpPr>
-            <p:cNvPr id="166" name="Isosceles Triangle 165"/>
-            <p:cNvSpPr/>
-            <p:nvPr/>
-          </p:nvSpPr>
-          <p:spPr>
-            <a:xfrm rot="10800000" flipV="1">
-              <a:off x="3979474" y="751200"/>
-              <a:ext cx="132157" cy="79956"/>
-            </a:xfrm>
-            <a:prstGeom prst="triangle">
-              <a:avLst/>
-            </a:prstGeom>
-            <a:solidFill>
-              <a:schemeClr val="accent5">
-                <a:lumMod val="75000"/>
-              </a:schemeClr>
-            </a:solidFill>
-            <a:ln>
-              <a:noFill/>
-            </a:ln>
-          </p:spPr>
-          <p:style>
-            <a:lnRef idx="2">
-              <a:schemeClr val="accent1">
-                <a:shade val="50000"/>
-              </a:schemeClr>
-            </a:lnRef>
-            <a:fillRef idx="1">
-              <a:schemeClr val="accent1"/>
-            </a:fillRef>
-            <a:effectRef idx="0">
-              <a:schemeClr val="accent1"/>
-            </a:effectRef>
-            <a:fontRef idx="minor">
-              <a:schemeClr val="lt1"/>
-            </a:fontRef>
-          </p:style>
-          <p:txBody>
-            <a:bodyPr rtlCol="0" anchor="ctr"/>
-            <a:lstStyle/>
-            <a:p>
-              <a:pPr algn="ctr"/>
-              <a:endParaRPr lang="en-SG"/>
-            </a:p>
-          </p:txBody>
-        </p:sp>
-      </p:grpSp>
-      <p:sp>
-        <p:nvSpPr>
-          <p:cNvPr id="60" name="Rectangle 62"/>
-          <p:cNvSpPr/>
-          <p:nvPr/>
-        </p:nvSpPr>
-        <p:spPr>
-          <a:xfrm>
-            <a:off x="2819400" y="2841725"/>
-            <a:ext cx="731636" cy="283820"/>
-          </a:xfrm>
-          <a:prstGeom prst="rect">
-            <a:avLst/>
-          </a:prstGeom>
-          <a:solidFill>
-            <a:schemeClr val="accent5">
-              <a:lumMod val="60000"/>
-              <a:lumOff val="40000"/>
-            </a:schemeClr>
-          </a:solidFill>
-          <a:ln w="19050">
-            <a:solidFill>
-              <a:schemeClr val="accent5">
-                <a:lumMod val="60000"/>
-                <a:lumOff val="40000"/>
-              </a:schemeClr>
-            </a:solidFill>
-          </a:ln>
-          <a:effectLst/>
-        </p:spPr>
-        <p:style>
-          <a:lnRef idx="1">
-            <a:schemeClr val="accent2"/>
-          </a:lnRef>
-          <a:fillRef idx="2">
-            <a:schemeClr val="accent2"/>
-          </a:fillRef>
-          <a:effectRef idx="1">
-            <a:schemeClr val="accent2"/>
-          </a:effectRef>
-          <a:fontRef idx="minor">
-            <a:schemeClr val="dk1"/>
-          </a:fontRef>
-        </p:style>
-        <p:txBody>
-          <a:bodyPr rtlCol="0" anchor="ctr"/>
-          <a:lstStyle/>
-          <a:p>
-            <a:pPr algn="ctr"/>
-            <a:r>
-              <a:rPr lang="en-SG" sz="1050" dirty="0" err="1" smtClean="0">
-                <a:solidFill>
-                  <a:schemeClr val="bg1"/>
-                </a:solidFill>
-              </a:rPr>
-              <a:t>CliSyntax</a:t>
-            </a:r>
-            <a:endParaRPr lang="en-SG" sz="1050" dirty="0">
-              <a:solidFill>
-                <a:schemeClr val="bg1"/>
-              </a:solidFill>
-            </a:endParaRPr>
-          </a:p>
-        </p:txBody>
-      </p:sp>
-      <p:sp>
-        <p:nvSpPr>
-          <p:cNvPr id="62" name="Rectangle 62"/>
-          <p:cNvSpPr/>
-          <p:nvPr/>
-        </p:nvSpPr>
-        <p:spPr>
-          <a:xfrm>
-            <a:off x="2819400" y="3190882"/>
-            <a:ext cx="731636" cy="283820"/>
-          </a:xfrm>
-          <a:prstGeom prst="rect">
-            <a:avLst/>
-          </a:prstGeom>
-          <a:solidFill>
-            <a:schemeClr val="accent5">
-              <a:lumMod val="60000"/>
-              <a:lumOff val="40000"/>
-            </a:schemeClr>
-          </a:solidFill>
-          <a:ln w="19050">
-            <a:solidFill>
-              <a:schemeClr val="accent5">
-                <a:lumMod val="60000"/>
-                <a:lumOff val="40000"/>
-              </a:schemeClr>
-            </a:solidFill>
-          </a:ln>
-          <a:effectLst/>
-        </p:spPr>
-        <p:style>
-          <a:lnRef idx="1">
-            <a:schemeClr val="accent2"/>
-          </a:lnRef>
-          <a:fillRef idx="2">
-            <a:schemeClr val="accent2"/>
-          </a:fillRef>
-          <a:effectRef idx="1">
-            <a:schemeClr val="accent2"/>
-          </a:effectRef>
-          <a:fontRef idx="minor">
-            <a:schemeClr val="dk1"/>
-          </a:fontRef>
-        </p:style>
-        <p:txBody>
-          <a:bodyPr rtlCol="0" anchor="ctr"/>
-          <a:lstStyle/>
-          <a:p>
-            <a:pPr algn="ctr"/>
-            <a:r>
-              <a:rPr lang="en-SG" sz="1050" dirty="0" err="1" smtClean="0">
-                <a:solidFill>
-                  <a:schemeClr val="bg1"/>
-                </a:solidFill>
-              </a:rPr>
-              <a:t>ParserUtil</a:t>
-            </a:r>
-            <a:endParaRPr lang="en-SG" sz="1050" dirty="0">
-              <a:solidFill>
-                <a:schemeClr val="bg1"/>
-              </a:solidFill>
-            </a:endParaRPr>
-          </a:p>
-        </p:txBody>
-      </p:sp>
-      <p:cxnSp>
-        <p:nvCxnSpPr>
-          <p:cNvPr id="100" name="Straight Arrow Connector 99"/>
-          <p:cNvCxnSpPr>
-            <a:endCxn id="60" idx="3"/>
-          </p:cNvCxnSpPr>
-          <p:nvPr/>
-        </p:nvCxnSpPr>
-        <p:spPr>
-          <a:xfrm flipH="1">
-            <a:off x="3551036" y="2983635"/>
-            <a:ext cx="335164" cy="0"/>
-          </a:xfrm>
-          <a:prstGeom prst="straightConnector1">
-            <a:avLst/>
-          </a:prstGeom>
-          <a:ln w="19050">
-            <a:solidFill>
-              <a:schemeClr val="accent5">
-                <a:lumMod val="50000"/>
-              </a:schemeClr>
-            </a:solidFill>
-            <a:prstDash val="sysDot"/>
-            <a:headEnd type="none" w="med" len="med"/>
-            <a:tailEnd type="arrow" w="med" len="med"/>
-          </a:ln>
-          <a:effectLst/>
-        </p:spPr>
-        <p:style>
-          <a:lnRef idx="1">
-            <a:schemeClr val="accent2"/>
-          </a:lnRef>
-          <a:fillRef idx="2">
-            <a:schemeClr val="accent2"/>
-          </a:fillRef>
-          <a:effectRef idx="1">
-            <a:schemeClr val="accent2"/>
-          </a:effectRef>
-          <a:fontRef idx="minor">
-            <a:schemeClr val="dk1"/>
-          </a:fontRef>
-        </p:style>
-      </p:cxnSp>
-      <p:cxnSp>
-        <p:nvCxnSpPr>
-          <p:cNvPr id="105" name="Straight Arrow Connector 104"/>
-          <p:cNvCxnSpPr/>
-          <p:nvPr/>
-        </p:nvCxnSpPr>
-        <p:spPr>
-          <a:xfrm flipH="1" flipV="1">
-            <a:off x="3558396" y="3297471"/>
-            <a:ext cx="327804" cy="5426"/>
-          </a:xfrm>
-          <a:prstGeom prst="straightConnector1">
-            <a:avLst/>
-          </a:prstGeom>
-          <a:ln w="19050">
-            <a:solidFill>
-              <a:schemeClr val="accent5">
-                <a:lumMod val="50000"/>
-              </a:schemeClr>
-            </a:solidFill>
-            <a:prstDash val="sysDot"/>
-            <a:headEnd type="none" w="med" len="med"/>
-            <a:tailEnd type="arrow" w="med" len="med"/>
-          </a:ln>
-          <a:effectLst/>
-        </p:spPr>
-        <p:style>
-          <a:lnRef idx="1">
-            <a:schemeClr val="accent2"/>
-          </a:lnRef>
-          <a:fillRef idx="2">
-            <a:schemeClr val="accent2"/>
-          </a:fillRef>
-          <a:effectRef idx="1">
-            <a:schemeClr val="accent2"/>
-          </a:effectRef>
-          <a:fontRef idx="minor">
-            <a:schemeClr val="dk1"/>
-          </a:fontRef>
-        </p:style>
-      </p:cxnSp>
-      <p:cxnSp>
-        <p:nvCxnSpPr>
-          <p:cNvPr id="13" name="Elbow Connector 12"/>
-          <p:cNvCxnSpPr>
-            <a:stCxn id="60" idx="0"/>
-          </p:cNvCxnSpPr>
-          <p:nvPr/>
-        </p:nvCxnSpPr>
-        <p:spPr>
-          <a:xfrm rot="16200000" flipV="1">
-            <a:off x="3063575" y="2720082"/>
-            <a:ext cx="234481" cy="8806"/>
-          </a:xfrm>
-          <a:prstGeom prst="bentConnector3">
-            <a:avLst>
-              <a:gd name="adj1" fmla="val 50000"/>
-            </a:avLst>
-          </a:prstGeom>
-          <a:ln w="19050">
-            <a:solidFill>
-              <a:schemeClr val="accent5">
-                <a:lumMod val="60000"/>
-                <a:lumOff val="40000"/>
-              </a:schemeClr>
-            </a:solidFill>
-            <a:prstDash val="sysDot"/>
-            <a:headEnd type="none" w="med" len="med"/>
-            <a:tailEnd type="arrow" w="med" len="med"/>
-          </a:ln>
-          <a:effectLst/>
-        </p:spPr>
-        <p:style>
-          <a:lnRef idx="1">
-            <a:schemeClr val="accent2"/>
-          </a:lnRef>
-          <a:fillRef idx="2">
-            <a:schemeClr val="accent2"/>
-          </a:fillRef>
-          <a:effectRef idx="1">
-            <a:schemeClr val="accent2"/>
-          </a:effectRef>
-          <a:fontRef idx="minor">
-            <a:schemeClr val="dk1"/>
-          </a:fontRef>
-        </p:style>
-      </p:cxnSp>
-      <p:cxnSp>
-        <p:nvCxnSpPr>
-          <p:cNvPr id="47" name="Straight Connector 46"/>
-          <p:cNvCxnSpPr/>
-          <p:nvPr/>
-        </p:nvCxnSpPr>
-        <p:spPr>
-          <a:xfrm>
-            <a:off x="3539534" y="2078487"/>
-            <a:ext cx="346666" cy="0"/>
-          </a:xfrm>
-          <a:prstGeom prst="line">
-            <a:avLst/>
-          </a:prstGeom>
-          <a:ln w="19050">
-            <a:solidFill>
-              <a:schemeClr val="accent5">
-                <a:lumMod val="50000"/>
-              </a:schemeClr>
-            </a:solidFill>
-            <a:prstDash val="sysDot"/>
-            <a:headEnd type="arrow" w="med" len="med"/>
-            <a:tailEnd type="none" w="med" len="med"/>
-          </a:ln>
-          <a:effectLst/>
-        </p:spPr>
-        <p:style>
-          <a:lnRef idx="1">
-            <a:schemeClr val="accent2"/>
-          </a:lnRef>
-          <a:fillRef idx="2">
-            <a:schemeClr val="accent2"/>
-          </a:fillRef>
-          <a:effectRef idx="1">
-            <a:schemeClr val="accent2"/>
-          </a:effectRef>
-          <a:fontRef idx="minor">
-            <a:schemeClr val="dk1"/>
-          </a:fontRef>
-        </p:style>
-      </p:cxnSp>
-      <p:cxnSp>
-        <p:nvCxnSpPr>
-          <p:cNvPr id="50" name="Elbow Connector 49"/>
-          <p:cNvCxnSpPr>
-            <a:stCxn id="56" idx="2"/>
-            <a:endCxn id="58" idx="0"/>
-          </p:cNvCxnSpPr>
-          <p:nvPr/>
-        </p:nvCxnSpPr>
-        <p:spPr>
-          <a:xfrm rot="5400000">
-            <a:off x="3089176" y="2338998"/>
-            <a:ext cx="180904" cy="6429"/>
-          </a:xfrm>
-          <a:prstGeom prst="bentConnector3">
-            <a:avLst>
-              <a:gd name="adj1" fmla="val 50000"/>
-            </a:avLst>
-          </a:prstGeom>
-          <a:ln w="19050">
-            <a:solidFill>
-              <a:schemeClr val="accent5">
-                <a:lumMod val="60000"/>
-                <a:lumOff val="40000"/>
-              </a:schemeClr>
-            </a:solidFill>
-            <a:prstDash val="sysDot"/>
-            <a:headEnd type="none" w="med" len="med"/>
-            <a:tailEnd type="arrow" w="med" len="med"/>
-          </a:ln>
-          <a:effectLst/>
-        </p:spPr>
-        <p:style>
-          <a:lnRef idx="1">
-            <a:schemeClr val="accent2"/>
-          </a:lnRef>
-          <a:fillRef idx="2">
-            <a:schemeClr val="accent2"/>
-          </a:fillRef>
-          <a:effectRef idx="1">
-            <a:schemeClr val="accent2"/>
-          </a:effectRef>
-          <a:fontRef idx="minor">
-            <a:schemeClr val="dk1"/>
-          </a:fontRef>
-        </p:style>
-      </p:cxnSp>
-      <p:grpSp>
-        <p:nvGrpSpPr>
-          <p:cNvPr id="68" name="Group 67"/>
-          <p:cNvGrpSpPr/>
-          <p:nvPr/>
-        </p:nvGrpSpPr>
-        <p:grpSpPr>
-          <a:xfrm rot="5400000">
-            <a:off x="4090826" y="3633626"/>
-            <a:ext cx="555486" cy="254462"/>
-            <a:chOff x="3798139" y="875689"/>
-            <a:chExt cx="555486" cy="230832"/>
-          </a:xfrm>
-        </p:grpSpPr>
-        <p:sp>
-          <p:nvSpPr>
-            <p:cNvPr id="69" name="TextBox 68"/>
-            <p:cNvSpPr txBox="1"/>
-            <p:nvPr/>
-          </p:nvSpPr>
-          <p:spPr>
-            <a:xfrm rot="10800000">
-              <a:off x="3798139" y="875689"/>
-              <a:ext cx="555486" cy="230832"/>
-            </a:xfrm>
-            <a:prstGeom prst="rect">
-              <a:avLst/>
-            </a:prstGeom>
-            <a:noFill/>
-          </p:spPr>
-          <p:txBody>
-            <a:bodyPr wrap="square" lIns="0" tIns="0" rIns="0" bIns="0" rtlCol="0">
-              <a:noAutofit/>
-            </a:bodyPr>
-            <a:lstStyle/>
-            <a:p>
-              <a:r>
-                <a:rPr lang="en-US" sz="1100" dirty="0" smtClean="0">
-                  <a:solidFill>
-                    <a:schemeClr val="accent5">
-                      <a:lumMod val="75000"/>
-                    </a:schemeClr>
-                  </a:solidFill>
-                </a:rPr>
-                <a:t>creates</a:t>
-              </a:r>
-              <a:endParaRPr lang="en-SG" sz="1100" dirty="0">
-                <a:solidFill>
-                  <a:schemeClr val="accent5">
-                    <a:lumMod val="75000"/>
-                  </a:schemeClr>
-                </a:solidFill>
-              </a:endParaRPr>
-            </a:p>
-          </p:txBody>
-        </p:sp>
-        <p:sp>
-          <p:nvSpPr>
-            <p:cNvPr id="70" name="Isosceles Triangle 69"/>
-            <p:cNvSpPr/>
-            <p:nvPr/>
-          </p:nvSpPr>
-          <p:spPr>
-            <a:xfrm rot="5400000" flipV="1">
-              <a:off x="3795127" y="973354"/>
-              <a:ext cx="119885" cy="88141"/>
-            </a:xfrm>
-            <a:prstGeom prst="triangle">
-              <a:avLst/>
-            </a:prstGeom>
-            <a:solidFill>
-              <a:schemeClr val="accent5">
-                <a:lumMod val="75000"/>
-              </a:schemeClr>
-            </a:solidFill>
-            <a:ln>
-              <a:noFill/>
-            </a:ln>
-          </p:spPr>
-          <p:style>
-            <a:lnRef idx="2">
-              <a:schemeClr val="accent1">
-                <a:shade val="50000"/>
-              </a:schemeClr>
-            </a:lnRef>
-            <a:fillRef idx="1">
-              <a:schemeClr val="accent1"/>
-            </a:fillRef>
-            <a:effectRef idx="0">
-              <a:schemeClr val="accent1"/>
-            </a:effectRef>
-            <a:fontRef idx="minor">
-              <a:schemeClr val="lt1"/>
-            </a:fontRef>
-          </p:style>
-          <p:txBody>
-            <a:bodyPr rtlCol="0" anchor="ctr"/>
-            <a:lstStyle/>
-            <a:p>
-              <a:pPr algn="ctr"/>
-              <a:endParaRPr lang="en-SG"/>
             </a:p>
           </p:txBody>
         </p:sp>
       </p:grpSp>
       <p:cxnSp>
         <p:nvCxnSpPr>
-          <p:cNvPr id="84" name="Elbow Connector 83"/>
+          <p:cNvPr id="271" name="Shape 271"/>
           <p:cNvCxnSpPr>
-            <a:stCxn id="87" idx="3"/>
-            <a:endCxn id="37" idx="1"/>
+            <a:stCxn id="272" idx="3"/>
+            <a:endCxn id="248" idx="1"/>
           </p:cNvCxnSpPr>
           <p:nvPr/>
         </p:nvCxnSpPr>
         <p:spPr>
-          <a:xfrm rot="16200000" flipV="1">
-            <a:off x="7296652" y="3452865"/>
-            <a:ext cx="850958" cy="204262"/>
+          <a:xfrm rot="5400000" flipH="1">
+            <a:off x="9238817" y="4475533"/>
+            <a:ext cx="665100" cy="493500"/>
           </a:xfrm>
           <a:prstGeom prst="bentConnector2">
             <a:avLst/>
           </a:prstGeom>
-          <a:ln w="19050">
+          <a:noFill/>
+          <a:ln w="19050" cap="flat" cmpd="sng">
+            <a:solidFill>
+              <a:srgbClr val="4A7DBA"/>
+            </a:solidFill>
+            <a:prstDash val="solid"/>
+            <a:round/>
             <a:headEnd type="none" w="med" len="med"/>
             <a:tailEnd type="none" w="med" len="med"/>
           </a:ln>
         </p:spPr>
-        <p:style>
-          <a:lnRef idx="1">
-            <a:schemeClr val="accent1"/>
-          </a:lnRef>
-          <a:fillRef idx="0">
-            <a:schemeClr val="accent1"/>
-          </a:fillRef>
-          <a:effectRef idx="0">
-            <a:schemeClr val="accent1"/>
-          </a:effectRef>
-          <a:fontRef idx="minor">
-            <a:schemeClr val="tx1"/>
-          </a:fontRef>
-        </p:style>
       </p:cxnSp>
       <p:sp>
         <p:nvSpPr>
-          <p:cNvPr id="87" name="Isosceles Triangle 102"/>
+          <p:cNvPr id="272" name="Shape 272"/>
           <p:cNvSpPr/>
           <p:nvPr/>
         </p:nvSpPr>
         <p:spPr>
-          <a:xfrm flipV="1">
-            <a:off x="7689010" y="3980475"/>
-            <a:ext cx="270504" cy="175523"/>
+          <a:xfrm rot="10800000" flipH="1">
+            <a:off x="9656267" y="5054833"/>
+            <a:ext cx="323700" cy="281100"/>
           </a:xfrm>
           <a:prstGeom prst="triangle">
-            <a:avLst/>
+            <a:avLst>
+              <a:gd name="adj" fmla="val 50000"/>
+            </a:avLst>
           </a:prstGeom>
           <a:solidFill>
-            <a:schemeClr val="tx2">
-              <a:lumMod val="60000"/>
-              <a:lumOff val="40000"/>
-            </a:schemeClr>
+            <a:srgbClr val="538CD5"/>
           </a:solidFill>
-          <a:ln w="19050">
+          <a:ln w="19050" cap="flat" cmpd="sng">
             <a:solidFill>
               <a:srgbClr val="0070C0"/>
             </a:solidFill>
+            <a:prstDash val="solid"/>
+            <a:round/>
+            <a:headEnd type="none" w="med" len="med"/>
+            <a:tailEnd type="none" w="med" len="med"/>
           </a:ln>
-          <a:effectLst/>
-        </p:spPr>
-        <p:style>
-          <a:lnRef idx="1">
-            <a:schemeClr val="accent1"/>
-          </a:lnRef>
-          <a:fillRef idx="2">
-            <a:schemeClr val="accent1"/>
-          </a:fillRef>
-          <a:effectRef idx="1">
-            <a:schemeClr val="accent1"/>
-          </a:effectRef>
-          <a:fontRef idx="minor">
-            <a:schemeClr val="dk1"/>
-          </a:fontRef>
-        </p:style>
-        <p:txBody>
-          <a:bodyPr rtlCol="0" anchor="ctr"/>
+        </p:spPr>
+        <p:txBody>
+          <a:bodyPr lIns="91425" tIns="45700" rIns="91425" bIns="45700" anchor="ctr" anchorCtr="0">
+            <a:noAutofit/>
+          </a:bodyPr>
           <a:lstStyle/>
           <a:p>
             <a:pPr algn="ctr"/>
-            <a:endParaRPr lang="en-SG" sz="1050" b="1">
+            <a:endParaRPr sz="1050" b="1">
               <a:solidFill>
                 <a:srgbClr val="92D050"/>
               </a:solidFill>
+              <a:latin typeface="Calibri"/>
+              <a:ea typeface="Calibri"/>
+              <a:cs typeface="Calibri"/>
+              <a:sym typeface="Calibri"/>
             </a:endParaRPr>
           </a:p>
         </p:txBody>
       </p:sp>
       <p:cxnSp>
         <p:nvCxnSpPr>
-          <p:cNvPr id="90" name="Elbow Connector 89"/>
+          <p:cNvPr id="273" name="Shape 273"/>
           <p:cNvCxnSpPr>
-            <a:stCxn id="87" idx="3"/>
-            <a:endCxn id="11" idx="1"/>
+            <a:stCxn id="272" idx="3"/>
+            <a:endCxn id="233" idx="1"/>
           </p:cNvCxnSpPr>
           <p:nvPr/>
         </p:nvCxnSpPr>
         <p:spPr>
-          <a:xfrm rot="16200000" flipV="1">
-            <a:off x="7516775" y="3672988"/>
-            <a:ext cx="410712" cy="204262"/>
+          <a:xfrm rot="5400000" flipH="1">
+            <a:off x="8973317" y="4210033"/>
+            <a:ext cx="1193400" cy="496200"/>
           </a:xfrm>
           <a:prstGeom prst="bentConnector2">
             <a:avLst/>
           </a:prstGeom>
-          <a:ln w="19050">
+          <a:noFill/>
+          <a:ln w="19050" cap="flat" cmpd="sng">
+            <a:solidFill>
+              <a:srgbClr val="4A7DBA"/>
+            </a:solidFill>
+            <a:prstDash val="solid"/>
+            <a:round/>
             <a:headEnd type="none" w="med" len="med"/>
             <a:tailEnd type="none" w="med" len="med"/>
           </a:ln>
         </p:spPr>
-        <p:style>
-          <a:lnRef idx="1">
-            <a:schemeClr val="accent1"/>
-          </a:lnRef>
-          <a:fillRef idx="0">
-            <a:schemeClr val="accent1"/>
-          </a:fillRef>
-          <a:effectRef idx="0">
-            <a:schemeClr val="accent1"/>
-          </a:effectRef>
-          <a:fontRef idx="minor">
-            <a:schemeClr val="tx1"/>
-          </a:fontRef>
-        </p:style>
       </p:cxnSp>
       <p:cxnSp>
         <p:nvCxnSpPr>
-          <p:cNvPr id="93" name="Elbow Connector 92"/>
+          <p:cNvPr id="274" name="Shape 274"/>
           <p:cNvCxnSpPr>
-            <a:stCxn id="87" idx="3"/>
-            <a:endCxn id="10" idx="1"/>
+            <a:stCxn id="272" idx="3"/>
+            <a:endCxn id="232" idx="1"/>
           </p:cNvCxnSpPr>
           <p:nvPr/>
         </p:nvCxnSpPr>
         <p:spPr>
-          <a:xfrm rot="16200000" flipV="1">
-            <a:off x="7096044" y="3252257"/>
-            <a:ext cx="1252175" cy="204262"/>
+          <a:xfrm rot="5400000" flipH="1">
+            <a:off x="8733167" y="3969883"/>
+            <a:ext cx="1702200" cy="467700"/>
           </a:xfrm>
           <a:prstGeom prst="bentConnector2">
             <a:avLst/>
           </a:prstGeom>
-          <a:ln w="19050">
+          <a:noFill/>
+          <a:ln w="19050" cap="flat" cmpd="sng">
+            <a:solidFill>
+              <a:srgbClr val="4A7DBA"/>
+            </a:solidFill>
+            <a:prstDash val="solid"/>
+            <a:round/>
             <a:headEnd type="none" w="med" len="med"/>
             <a:tailEnd type="none" w="med" len="med"/>
           </a:ln>
         </p:spPr>
-        <p:style>
-          <a:lnRef idx="1">
-            <a:schemeClr val="accent1"/>
-          </a:lnRef>
-          <a:fillRef idx="0">
-            <a:schemeClr val="accent1"/>
-          </a:fillRef>
-          <a:effectRef idx="0">
-            <a:schemeClr val="accent1"/>
-          </a:effectRef>
-          <a:fontRef idx="minor">
-            <a:schemeClr val="tx1"/>
-          </a:fontRef>
-        </p:style>
       </p:cxnSp>
       <p:cxnSp>
         <p:nvCxnSpPr>
-          <p:cNvPr id="96" name="Elbow Connector 95"/>
+          <p:cNvPr id="275" name="Shape 275"/>
           <p:cNvCxnSpPr>
-            <a:stCxn id="87" idx="3"/>
-            <a:endCxn id="4" idx="1"/>
+            <a:stCxn id="272" idx="3"/>
+            <a:endCxn id="225" idx="1"/>
           </p:cNvCxnSpPr>
           <p:nvPr/>
         </p:nvCxnSpPr>
         <p:spPr>
-          <a:xfrm rot="16200000" flipV="1">
-            <a:off x="6890098" y="3046311"/>
-            <a:ext cx="1657928" cy="210400"/>
+          <a:xfrm rot="5400000" flipH="1">
+            <a:off x="8446667" y="3683383"/>
+            <a:ext cx="2249400" cy="493500"/>
           </a:xfrm>
           <a:prstGeom prst="bentConnector2">
             <a:avLst/>
           </a:prstGeom>
-          <a:ln w="19050">
+          <a:noFill/>
+          <a:ln w="19050" cap="flat" cmpd="sng">
+            <a:solidFill>
+              <a:srgbClr val="4A7DBA"/>
+            </a:solidFill>
+            <a:prstDash val="solid"/>
+            <a:round/>
             <a:headEnd type="none" w="med" len="med"/>
             <a:tailEnd type="none" w="med" len="med"/>
           </a:ln>
         </p:spPr>
-        <p:style>
-          <a:lnRef idx="1">
-            <a:schemeClr val="accent1"/>
-          </a:lnRef>
-          <a:fillRef idx="0">
-            <a:schemeClr val="accent1"/>
-          </a:fillRef>
-          <a:effectRef idx="0">
-            <a:schemeClr val="accent1"/>
-          </a:effectRef>
-          <a:fontRef idx="minor">
-            <a:schemeClr val="tx1"/>
-          </a:fontRef>
-        </p:style>
       </p:cxnSp>
       <p:cxnSp>
         <p:nvCxnSpPr>
-          <p:cNvPr id="110" name="Elbow Connector 63"/>
+          <p:cNvPr id="276" name="Shape 276"/>
           <p:cNvCxnSpPr>
-            <a:stCxn id="16" idx="3"/>
-            <a:endCxn id="45" idx="3"/>
+            <a:stCxn id="234" idx="3"/>
+            <a:endCxn id="252" idx="3"/>
           </p:cNvCxnSpPr>
           <p:nvPr/>
         </p:nvCxnSpPr>
         <p:spPr>
-          <a:xfrm flipV="1">
-            <a:off x="4114800" y="3150962"/>
-            <a:ext cx="549790" cy="797920"/>
+          <a:xfrm rot="10800000" flipH="1">
+            <a:off x="5007823" y="4060486"/>
+            <a:ext cx="794400" cy="1278300"/>
           </a:xfrm>
           <a:prstGeom prst="bentConnector3">
             <a:avLst>
-              <a:gd name="adj1" fmla="val 14720"/>
+              <a:gd name="adj1" fmla="val 49992"/>
             </a:avLst>
           </a:prstGeom>
-          <a:ln w="19050">
+          <a:gradFill>
+            <a:gsLst>
+              <a:gs pos="0">
+                <a:srgbClr val="FFA09D"/>
+              </a:gs>
+              <a:gs pos="35000">
+                <a:srgbClr val="FFBCBC"/>
+              </a:gs>
+              <a:gs pos="100000">
+                <a:srgbClr val="FFE2E2"/>
+              </a:gs>
+            </a:gsLst>
+            <a:lin ang="16200038" scaled="0"/>
+          </a:gradFill>
+          <a:ln w="19050" cap="flat" cmpd="sng">
             <a:solidFill>
-              <a:schemeClr val="accent5">
-                <a:lumMod val="75000"/>
-              </a:schemeClr>
+              <a:srgbClr val="31859B"/>
             </a:solidFill>
-            <a:prstDash val="sysDot"/>
+            <a:prstDash val="dot"/>
+            <a:round/>
             <a:headEnd type="none" w="med" len="med"/>
-            <a:tailEnd type="arrow" w="med" len="med"/>
+            <a:tailEnd type="stealth" w="lg" len="lg"/>
           </a:ln>
-          <a:effectLst/>
-        </p:spPr>
-        <p:style>
-          <a:lnRef idx="1">
-            <a:schemeClr val="accent2"/>
-          </a:lnRef>
-          <a:fillRef idx="2">
-            <a:schemeClr val="accent2"/>
-          </a:fillRef>
-          <a:effectRef idx="1">
-            <a:schemeClr val="accent2"/>
-          </a:effectRef>
-          <a:fontRef idx="minor">
-            <a:schemeClr val="dk1"/>
-          </a:fontRef>
-        </p:style>
+        </p:spPr>
       </p:cxnSp>
       <p:cxnSp>
         <p:nvCxnSpPr>
-          <p:cNvPr id="113" name="Elbow Connector 63"/>
+          <p:cNvPr id="277" name="Shape 277"/>
           <p:cNvCxnSpPr>
-            <a:stCxn id="16" idx="3"/>
-            <a:endCxn id="44" idx="3"/>
+            <a:stCxn id="234" idx="3"/>
+            <a:endCxn id="251" idx="3"/>
           </p:cNvCxnSpPr>
           <p:nvPr/>
         </p:nvCxnSpPr>
         <p:spPr>
-          <a:xfrm flipV="1">
-            <a:off x="4114800" y="2728717"/>
-            <a:ext cx="549792" cy="1220165"/>
+          <a:xfrm rot="10800000" flipH="1">
+            <a:off x="5007823" y="3561886"/>
+            <a:ext cx="789000" cy="1776900"/>
           </a:xfrm>
           <a:prstGeom prst="bentConnector3">
             <a:avLst>
-              <a:gd name="adj1" fmla="val 14720"/>
+              <a:gd name="adj1" fmla="val 49998"/>
             </a:avLst>
           </a:prstGeom>
-          <a:ln w="19050">
+          <a:gradFill>
+            <a:gsLst>
+              <a:gs pos="0">
+                <a:srgbClr val="FFA09D"/>
+              </a:gs>
+              <a:gs pos="35000">
+                <a:srgbClr val="FFBCBC"/>
+              </a:gs>
+              <a:gs pos="100000">
+                <a:srgbClr val="FFE2E2"/>
+              </a:gs>
+            </a:gsLst>
+            <a:lin ang="16200038" scaled="0"/>
+          </a:gradFill>
+          <a:ln w="19050" cap="flat" cmpd="sng">
             <a:solidFill>
-              <a:schemeClr val="accent5">
-                <a:lumMod val="75000"/>
-              </a:schemeClr>
+              <a:srgbClr val="31859B"/>
             </a:solidFill>
-            <a:prstDash val="sysDot"/>
+            <a:prstDash val="dot"/>
+            <a:round/>
             <a:headEnd type="none" w="med" len="med"/>
-            <a:tailEnd type="arrow" w="med" len="med"/>
+            <a:tailEnd type="stealth" w="lg" len="lg"/>
           </a:ln>
-          <a:effectLst/>
-        </p:spPr>
-        <p:style>
-          <a:lnRef idx="1">
-            <a:schemeClr val="accent2"/>
-          </a:lnRef>
-          <a:fillRef idx="2">
-            <a:schemeClr val="accent2"/>
-          </a:fillRef>
-          <a:effectRef idx="1">
-            <a:schemeClr val="accent2"/>
-          </a:effectRef>
-          <a:fontRef idx="minor">
-            <a:schemeClr val="dk1"/>
-          </a:fontRef>
-        </p:style>
+        </p:spPr>
       </p:cxnSp>
       <p:cxnSp>
         <p:nvCxnSpPr>
-          <p:cNvPr id="116" name="Elbow Connector 63"/>
+          <p:cNvPr id="278" name="Shape 278"/>
           <p:cNvCxnSpPr>
-            <a:stCxn id="16" idx="3"/>
-            <a:endCxn id="42" idx="3"/>
+            <a:stCxn id="234" idx="3"/>
+            <a:endCxn id="250" idx="3"/>
           </p:cNvCxnSpPr>
           <p:nvPr/>
         </p:nvCxnSpPr>
         <p:spPr>
-          <a:xfrm flipV="1">
-            <a:off x="4114800" y="2322317"/>
-            <a:ext cx="549792" cy="1626565"/>
+          <a:xfrm rot="10800000" flipH="1">
+            <a:off x="5007823" y="3025186"/>
+            <a:ext cx="790500" cy="2313600"/>
           </a:xfrm>
           <a:prstGeom prst="bentConnector3">
             <a:avLst>
-              <a:gd name="adj1" fmla="val 14721"/>
+              <a:gd name="adj1" fmla="val 49998"/>
             </a:avLst>
           </a:prstGeom>
-          <a:ln w="19050">
+          <a:gradFill>
+            <a:gsLst>
+              <a:gs pos="0">
+                <a:srgbClr val="FFA09D"/>
+              </a:gs>
+              <a:gs pos="35000">
+                <a:srgbClr val="FFBCBC"/>
+              </a:gs>
+              <a:gs pos="100000">
+                <a:srgbClr val="FFE2E2"/>
+              </a:gs>
+            </a:gsLst>
+            <a:lin ang="16200038" scaled="0"/>
+          </a:gradFill>
+          <a:ln w="19050" cap="flat" cmpd="sng">
             <a:solidFill>
-              <a:schemeClr val="accent5">
-                <a:lumMod val="75000"/>
-              </a:schemeClr>
+              <a:srgbClr val="31859B"/>
             </a:solidFill>
-            <a:prstDash val="sysDot"/>
+            <a:prstDash val="dot"/>
+            <a:round/>
             <a:headEnd type="none" w="med" len="med"/>
-            <a:tailEnd type="arrow" w="med" len="med"/>
+            <a:tailEnd type="stealth" w="lg" len="lg"/>
           </a:ln>
-          <a:effectLst/>
-        </p:spPr>
-        <p:style>
-          <a:lnRef idx="1">
-            <a:schemeClr val="accent2"/>
-          </a:lnRef>
-          <a:fillRef idx="2">
-            <a:schemeClr val="accent2"/>
-          </a:fillRef>
-          <a:effectRef idx="1">
-            <a:schemeClr val="accent2"/>
-          </a:effectRef>
-          <a:fontRef idx="minor">
-            <a:schemeClr val="dk1"/>
-          </a:fontRef>
-        </p:style>
+        </p:spPr>
       </p:cxnSp>
       <p:cxnSp>
         <p:nvCxnSpPr>
-          <p:cNvPr id="120" name="Elbow Connector 63"/>
+          <p:cNvPr id="279" name="Shape 279"/>
           <p:cNvCxnSpPr>
-            <a:stCxn id="44" idx="1"/>
-            <a:endCxn id="10" idx="3"/>
+            <a:stCxn id="251" idx="1"/>
+            <a:endCxn id="232" idx="3"/>
           </p:cNvCxnSpPr>
           <p:nvPr/>
         </p:nvCxnSpPr>
         <p:spPr>
-          <a:xfrm flipV="1">
-            <a:off x="5758227" y="2728300"/>
-            <a:ext cx="768138" cy="417"/>
+          <a:xfrm rot="10800000" flipH="1">
+            <a:off x="6918487" y="3352375"/>
+            <a:ext cx="1368000" cy="209400"/>
+          </a:xfrm>
+          <a:prstGeom prst="bentConnector3">
+            <a:avLst>
+              <a:gd name="adj1" fmla="val 50003"/>
+            </a:avLst>
+          </a:prstGeom>
+          <a:gradFill>
+            <a:gsLst>
+              <a:gs pos="0">
+                <a:srgbClr val="FFA09D"/>
+              </a:gs>
+              <a:gs pos="35000">
+                <a:srgbClr val="FFBCBC"/>
+              </a:gs>
+              <a:gs pos="100000">
+                <a:srgbClr val="FFE2E2"/>
+              </a:gs>
+            </a:gsLst>
+            <a:lin ang="16200038" scaled="0"/>
+          </a:gradFill>
+          <a:ln w="19050" cap="flat" cmpd="sng">
+            <a:solidFill>
+              <a:srgbClr val="31859B"/>
+            </a:solidFill>
+            <a:prstDash val="dot"/>
+            <a:round/>
+            <a:headEnd type="none" w="med" len="med"/>
+            <a:tailEnd type="stealth" w="lg" len="lg"/>
+          </a:ln>
+        </p:spPr>
+      </p:cxnSp>
+      <p:cxnSp>
+        <p:nvCxnSpPr>
+          <p:cNvPr id="280" name="Shape 280"/>
+          <p:cNvCxnSpPr>
+            <a:stCxn id="250" idx="1"/>
+            <a:endCxn id="225" idx="3"/>
+          </p:cNvCxnSpPr>
+          <p:nvPr/>
+        </p:nvCxnSpPr>
+        <p:spPr>
+          <a:xfrm rot="10800000" flipH="1">
+            <a:off x="6919987" y="2805375"/>
+            <a:ext cx="1341000" cy="219900"/>
+          </a:xfrm>
+          <a:prstGeom prst="bentConnector3">
+            <a:avLst>
+              <a:gd name="adj1" fmla="val 49998"/>
+            </a:avLst>
+          </a:prstGeom>
+          <a:gradFill>
+            <a:gsLst>
+              <a:gs pos="0">
+                <a:srgbClr val="FFA09D"/>
+              </a:gs>
+              <a:gs pos="35000">
+                <a:srgbClr val="FFBCBC"/>
+              </a:gs>
+              <a:gs pos="100000">
+                <a:srgbClr val="FFE2E2"/>
+              </a:gs>
+            </a:gsLst>
+            <a:lin ang="16200038" scaled="0"/>
+          </a:gradFill>
+          <a:ln w="19050" cap="flat" cmpd="sng">
+            <a:solidFill>
+              <a:srgbClr val="31859B"/>
+            </a:solidFill>
+            <a:prstDash val="dot"/>
+            <a:round/>
+            <a:headEnd type="none" w="med" len="med"/>
+            <a:tailEnd type="stealth" w="lg" len="lg"/>
+          </a:ln>
+        </p:spPr>
+      </p:cxnSp>
+      <p:cxnSp>
+        <p:nvCxnSpPr>
+          <p:cNvPr id="281" name="Shape 281"/>
+          <p:cNvCxnSpPr/>
+          <p:nvPr/>
+        </p:nvCxnSpPr>
+        <p:spPr>
+          <a:xfrm>
+            <a:off x="4868574" y="2382618"/>
+            <a:ext cx="0" cy="2272500"/>
+          </a:xfrm>
+          <a:prstGeom prst="straightConnector1">
+            <a:avLst/>
+          </a:prstGeom>
+          <a:gradFill>
+            <a:gsLst>
+              <a:gs pos="0">
+                <a:srgbClr val="FFA09D"/>
+              </a:gs>
+              <a:gs pos="35000">
+                <a:srgbClr val="FFBCBC"/>
+              </a:gs>
+              <a:gs pos="100000">
+                <a:srgbClr val="FFE2E2"/>
+              </a:gs>
+            </a:gsLst>
+            <a:lin ang="16200038" scaled="0"/>
+          </a:gradFill>
+          <a:ln w="19050" cap="flat" cmpd="sng">
+            <a:solidFill>
+              <a:srgbClr val="205867"/>
+            </a:solidFill>
+            <a:prstDash val="dot"/>
+            <a:round/>
+            <a:headEnd type="none" w="med" len="med"/>
+            <a:tailEnd type="none" w="med" len="med"/>
+          </a:ln>
+        </p:spPr>
+      </p:cxnSp>
+      <p:cxnSp>
+        <p:nvCxnSpPr>
+          <p:cNvPr id="282" name="Shape 282"/>
+          <p:cNvCxnSpPr/>
+          <p:nvPr/>
+        </p:nvCxnSpPr>
+        <p:spPr>
+          <a:xfrm>
+            <a:off x="4868562" y="3152056"/>
+            <a:ext cx="921300" cy="0"/>
+          </a:xfrm>
+          <a:prstGeom prst="straightConnector1">
+            <a:avLst/>
+          </a:prstGeom>
+          <a:gradFill>
+            <a:gsLst>
+              <a:gs pos="0">
+                <a:srgbClr val="FFA09D"/>
+              </a:gs>
+              <a:gs pos="35000">
+                <a:srgbClr val="FFBCBC"/>
+              </a:gs>
+              <a:gs pos="100000">
+                <a:srgbClr val="FFE2E2"/>
+              </a:gs>
+            </a:gsLst>
+            <a:lin ang="16200038" scaled="0"/>
+          </a:gradFill>
+          <a:ln w="19050" cap="flat" cmpd="sng">
+            <a:solidFill>
+              <a:srgbClr val="205867"/>
+            </a:solidFill>
+            <a:prstDash val="dot"/>
+            <a:round/>
+            <a:headEnd type="none" w="med" len="med"/>
+            <a:tailEnd type="none" w="med" len="med"/>
+          </a:ln>
+        </p:spPr>
+      </p:cxnSp>
+      <p:cxnSp>
+        <p:nvCxnSpPr>
+          <p:cNvPr id="283" name="Shape 283"/>
+          <p:cNvCxnSpPr/>
+          <p:nvPr/>
+        </p:nvCxnSpPr>
+        <p:spPr>
+          <a:xfrm>
+            <a:off x="4875387" y="3392814"/>
+            <a:ext cx="921300" cy="0"/>
+          </a:xfrm>
+          <a:prstGeom prst="straightConnector1">
+            <a:avLst/>
+          </a:prstGeom>
+          <a:gradFill>
+            <a:gsLst>
+              <a:gs pos="0">
+                <a:srgbClr val="FFA09D"/>
+              </a:gs>
+              <a:gs pos="35000">
+                <a:srgbClr val="FFBCBC"/>
+              </a:gs>
+              <a:gs pos="100000">
+                <a:srgbClr val="FFE2E2"/>
+              </a:gs>
+            </a:gsLst>
+            <a:lin ang="16200038" scaled="0"/>
+          </a:gradFill>
+          <a:ln w="19050" cap="flat" cmpd="sng">
+            <a:solidFill>
+              <a:srgbClr val="205867"/>
+            </a:solidFill>
+            <a:prstDash val="dot"/>
+            <a:round/>
+            <a:headEnd type="none" w="med" len="med"/>
+            <a:tailEnd type="none" w="med" len="med"/>
+          </a:ln>
+        </p:spPr>
+      </p:cxnSp>
+      <p:cxnSp>
+        <p:nvCxnSpPr>
+          <p:cNvPr id="284" name="Shape 284"/>
+          <p:cNvCxnSpPr/>
+          <p:nvPr/>
+        </p:nvCxnSpPr>
+        <p:spPr>
+          <a:xfrm>
+            <a:off x="4868562" y="3952107"/>
+            <a:ext cx="921300" cy="0"/>
+          </a:xfrm>
+          <a:prstGeom prst="straightConnector1">
+            <a:avLst/>
+          </a:prstGeom>
+          <a:gradFill>
+            <a:gsLst>
+              <a:gs pos="0">
+                <a:srgbClr val="FFA09D"/>
+              </a:gs>
+              <a:gs pos="35000">
+                <a:srgbClr val="FFBCBC"/>
+              </a:gs>
+              <a:gs pos="100000">
+                <a:srgbClr val="FFE2E2"/>
+              </a:gs>
+            </a:gsLst>
+            <a:lin ang="16200038" scaled="0"/>
+          </a:gradFill>
+          <a:ln w="19050" cap="flat" cmpd="sng">
+            <a:solidFill>
+              <a:srgbClr val="205867"/>
+            </a:solidFill>
+            <a:prstDash val="dot"/>
+            <a:round/>
+            <a:headEnd type="none" w="med" len="med"/>
+            <a:tailEnd type="none" w="med" len="med"/>
+          </a:ln>
+        </p:spPr>
+      </p:cxnSp>
+      <p:sp>
+        <p:nvSpPr>
+          <p:cNvPr id="285" name="Shape 285"/>
+          <p:cNvSpPr/>
+          <p:nvPr/>
+        </p:nvSpPr>
+        <p:spPr>
+          <a:xfrm flipH="1">
+            <a:off x="4827616" y="574750"/>
+            <a:ext cx="783600" cy="555900"/>
+          </a:xfrm>
+          <a:prstGeom prst="rect">
+            <a:avLst/>
+          </a:prstGeom>
+          <a:solidFill>
+            <a:schemeClr val="accent2"/>
+          </a:solidFill>
+          <a:ln w="9525" cap="flat" cmpd="sng">
+            <a:solidFill>
+              <a:srgbClr val="45A9C4"/>
+            </a:solidFill>
+            <a:prstDash val="solid"/>
+            <a:round/>
+            <a:headEnd type="none" w="med" len="med"/>
+            <a:tailEnd type="none" w="med" len="med"/>
+          </a:ln>
+        </p:spPr>
+        <p:txBody>
+          <a:bodyPr lIns="91425" tIns="45700" rIns="91425" bIns="45700" anchor="ctr" anchorCtr="0">
+            <a:noAutofit/>
+          </a:bodyPr>
+          <a:lstStyle/>
+          <a:p>
+            <a:pPr algn="ctr">
+              <a:buSzPct val="25000"/>
+            </a:pPr>
+            <a:r>
+              <a:rPr lang="en-US" sz="1050" b="1">
+                <a:solidFill>
+                  <a:schemeClr val="lt1"/>
+                </a:solidFill>
+                <a:latin typeface="Calibri"/>
+                <a:ea typeface="Calibri"/>
+                <a:cs typeface="Calibri"/>
+                <a:sym typeface="Calibri"/>
+              </a:rPr>
+              <a:t>Standard</a:t>
+            </a:r>
+          </a:p>
+          <a:p>
+            <a:pPr algn="ctr">
+              <a:buSzPct val="25000"/>
+            </a:pPr>
+            <a:r>
+              <a:rPr lang="en-US" sz="1050" b="1">
+                <a:solidFill>
+                  <a:schemeClr val="lt1"/>
+                </a:solidFill>
+                <a:latin typeface="Calibri"/>
+                <a:ea typeface="Calibri"/>
+                <a:cs typeface="Calibri"/>
+                <a:sym typeface="Calibri"/>
+              </a:rPr>
+              <a:t>DateTime</a:t>
+            </a:r>
+          </a:p>
+          <a:p>
+            <a:pPr algn="ctr">
+              <a:buSzPct val="25000"/>
+            </a:pPr>
+            <a:r>
+              <a:rPr lang="en-US" sz="1050" b="1">
+                <a:solidFill>
+                  <a:schemeClr val="lt1"/>
+                </a:solidFill>
+                <a:latin typeface="Calibri"/>
+                <a:ea typeface="Calibri"/>
+                <a:cs typeface="Calibri"/>
+                <a:sym typeface="Calibri"/>
+              </a:rPr>
+              <a:t>Parser</a:t>
+            </a:r>
+          </a:p>
+        </p:txBody>
+      </p:sp>
+      <p:sp>
+        <p:nvSpPr>
+          <p:cNvPr id="286" name="Shape 286"/>
+          <p:cNvSpPr/>
+          <p:nvPr/>
+        </p:nvSpPr>
+        <p:spPr>
+          <a:xfrm flipH="1">
+            <a:off x="5719691" y="574750"/>
+            <a:ext cx="783600" cy="555900"/>
+          </a:xfrm>
+          <a:prstGeom prst="rect">
+            <a:avLst/>
+          </a:prstGeom>
+          <a:solidFill>
+            <a:schemeClr val="accent2"/>
+          </a:solidFill>
+          <a:ln w="9525" cap="flat" cmpd="sng">
+            <a:solidFill>
+              <a:srgbClr val="45A9C4"/>
+            </a:solidFill>
+            <a:prstDash val="solid"/>
+            <a:round/>
+            <a:headEnd type="none" w="med" len="med"/>
+            <a:tailEnd type="none" w="med" len="med"/>
+          </a:ln>
+        </p:spPr>
+        <p:txBody>
+          <a:bodyPr lIns="91425" tIns="45700" rIns="91425" bIns="45700" anchor="ctr" anchorCtr="0">
+            <a:noAutofit/>
+          </a:bodyPr>
+          <a:lstStyle/>
+          <a:p>
+            <a:pPr algn="ctr">
+              <a:buSzPct val="25000"/>
+            </a:pPr>
+            <a:r>
+              <a:rPr lang="en-US" sz="1050" b="1" dirty="0">
+                <a:solidFill>
+                  <a:schemeClr val="lt1"/>
+                </a:solidFill>
+                <a:latin typeface="Calibri"/>
+                <a:ea typeface="Calibri"/>
+                <a:cs typeface="Calibri"/>
+                <a:sym typeface="Calibri"/>
+              </a:rPr>
+              <a:t>ISO</a:t>
+            </a:r>
+          </a:p>
+          <a:p>
+            <a:pPr algn="ctr">
+              <a:buSzPct val="25000"/>
+            </a:pPr>
+            <a:r>
+              <a:rPr lang="en-US" sz="1050" b="1" dirty="0" err="1">
+                <a:solidFill>
+                  <a:schemeClr val="lt1"/>
+                </a:solidFill>
+                <a:latin typeface="Calibri"/>
+                <a:ea typeface="Calibri"/>
+                <a:cs typeface="Calibri"/>
+                <a:sym typeface="Calibri"/>
+              </a:rPr>
+              <a:t>DateTime</a:t>
+            </a:r>
+            <a:endParaRPr lang="en-US" sz="1050" b="1" dirty="0">
+              <a:solidFill>
+                <a:schemeClr val="lt1"/>
+              </a:solidFill>
+              <a:latin typeface="Calibri"/>
+              <a:ea typeface="Calibri"/>
+              <a:cs typeface="Calibri"/>
+              <a:sym typeface="Calibri"/>
+            </a:endParaRPr>
+          </a:p>
+          <a:p>
+            <a:pPr algn="ctr">
+              <a:buSzPct val="25000"/>
+            </a:pPr>
+            <a:r>
+              <a:rPr lang="en-US" sz="1050" b="1" dirty="0">
+                <a:solidFill>
+                  <a:schemeClr val="lt1"/>
+                </a:solidFill>
+                <a:latin typeface="Calibri"/>
+                <a:ea typeface="Calibri"/>
+                <a:cs typeface="Calibri"/>
+                <a:sym typeface="Calibri"/>
+              </a:rPr>
+              <a:t>Parser</a:t>
+            </a:r>
+          </a:p>
+        </p:txBody>
+      </p:sp>
+      <p:sp>
+        <p:nvSpPr>
+          <p:cNvPr id="287" name="Shape 287"/>
+          <p:cNvSpPr/>
+          <p:nvPr/>
+        </p:nvSpPr>
+        <p:spPr>
+          <a:xfrm flipH="1">
+            <a:off x="6606016" y="574750"/>
+            <a:ext cx="783600" cy="555900"/>
+          </a:xfrm>
+          <a:prstGeom prst="rect">
+            <a:avLst/>
+          </a:prstGeom>
+          <a:solidFill>
+            <a:schemeClr val="accent2"/>
+          </a:solidFill>
+          <a:ln w="9525" cap="flat" cmpd="sng">
+            <a:solidFill>
+              <a:srgbClr val="45A9C4"/>
+            </a:solidFill>
+            <a:prstDash val="solid"/>
+            <a:round/>
+            <a:headEnd type="none" w="med" len="med"/>
+            <a:tailEnd type="none" w="med" len="med"/>
+          </a:ln>
+        </p:spPr>
+        <p:txBody>
+          <a:bodyPr lIns="91425" tIns="45700" rIns="91425" bIns="45700" anchor="ctr" anchorCtr="0">
+            <a:noAutofit/>
+          </a:bodyPr>
+          <a:lstStyle/>
+          <a:p>
+            <a:pPr algn="ctr">
+              <a:buSzPct val="25000"/>
+            </a:pPr>
+            <a:r>
+              <a:rPr lang="en-US" sz="1050" b="1" dirty="0">
+                <a:solidFill>
+                  <a:schemeClr val="lt1"/>
+                </a:solidFill>
+                <a:latin typeface="Calibri"/>
+                <a:ea typeface="Calibri"/>
+                <a:cs typeface="Calibri"/>
+                <a:sym typeface="Calibri"/>
+              </a:rPr>
+              <a:t>Today</a:t>
+            </a:r>
+          </a:p>
+          <a:p>
+            <a:pPr algn="ctr">
+              <a:buSzPct val="25000"/>
+            </a:pPr>
+            <a:r>
+              <a:rPr lang="en-US" sz="1050" b="1" dirty="0" err="1">
+                <a:solidFill>
+                  <a:schemeClr val="lt1"/>
+                </a:solidFill>
+                <a:latin typeface="Calibri"/>
+                <a:ea typeface="Calibri"/>
+                <a:cs typeface="Calibri"/>
+                <a:sym typeface="Calibri"/>
+              </a:rPr>
+              <a:t>DateTime</a:t>
+            </a:r>
+            <a:endParaRPr lang="en-US" sz="1050" b="1" dirty="0">
+              <a:solidFill>
+                <a:schemeClr val="lt1"/>
+              </a:solidFill>
+              <a:latin typeface="Calibri"/>
+              <a:ea typeface="Calibri"/>
+              <a:cs typeface="Calibri"/>
+              <a:sym typeface="Calibri"/>
+            </a:endParaRPr>
+          </a:p>
+          <a:p>
+            <a:pPr algn="ctr">
+              <a:buSzPct val="25000"/>
+            </a:pPr>
+            <a:r>
+              <a:rPr lang="en-US" sz="1050" b="1" dirty="0">
+                <a:solidFill>
+                  <a:schemeClr val="lt1"/>
+                </a:solidFill>
+                <a:latin typeface="Calibri"/>
+                <a:ea typeface="Calibri"/>
+                <a:cs typeface="Calibri"/>
+                <a:sym typeface="Calibri"/>
+              </a:rPr>
+              <a:t>Parser</a:t>
+            </a:r>
+          </a:p>
+        </p:txBody>
+      </p:sp>
+      <p:sp>
+        <p:nvSpPr>
+          <p:cNvPr id="288" name="Shape 288"/>
+          <p:cNvSpPr/>
+          <p:nvPr/>
+        </p:nvSpPr>
+        <p:spPr>
+          <a:xfrm flipH="1">
+            <a:off x="7492341" y="570900"/>
+            <a:ext cx="783600" cy="555900"/>
+          </a:xfrm>
+          <a:prstGeom prst="rect">
+            <a:avLst/>
+          </a:prstGeom>
+          <a:solidFill>
+            <a:schemeClr val="accent2"/>
+          </a:solidFill>
+          <a:ln w="9525" cap="flat" cmpd="sng">
+            <a:solidFill>
+              <a:srgbClr val="45A9C4"/>
+            </a:solidFill>
+            <a:prstDash val="solid"/>
+            <a:round/>
+            <a:headEnd type="none" w="med" len="med"/>
+            <a:tailEnd type="none" w="med" len="med"/>
+          </a:ln>
+        </p:spPr>
+        <p:txBody>
+          <a:bodyPr lIns="91425" tIns="45700" rIns="91425" bIns="45700" anchor="ctr" anchorCtr="0">
+            <a:noAutofit/>
+          </a:bodyPr>
+          <a:lstStyle/>
+          <a:p>
+            <a:pPr>
+              <a:buSzPct val="25000"/>
+            </a:pPr>
+            <a:r>
+              <a:rPr lang="en-US" sz="1050" b="1" dirty="0">
+                <a:solidFill>
+                  <a:schemeClr val="lt1"/>
+                </a:solidFill>
+                <a:latin typeface="Calibri"/>
+                <a:ea typeface="Calibri"/>
+                <a:cs typeface="Calibri"/>
+                <a:sym typeface="Calibri"/>
+              </a:rPr>
+              <a:t>Tomorrow</a:t>
+            </a:r>
+          </a:p>
+          <a:p>
+            <a:pPr algn="ctr">
+              <a:buSzPct val="25000"/>
+            </a:pPr>
+            <a:r>
+              <a:rPr lang="en-US" sz="1050" b="1" dirty="0" err="1">
+                <a:solidFill>
+                  <a:schemeClr val="lt1"/>
+                </a:solidFill>
+                <a:latin typeface="Calibri"/>
+                <a:ea typeface="Calibri"/>
+                <a:cs typeface="Calibri"/>
+                <a:sym typeface="Calibri"/>
+              </a:rPr>
+              <a:t>DateTime</a:t>
+            </a:r>
+            <a:endParaRPr lang="en-US" sz="1050" b="1" dirty="0">
+              <a:solidFill>
+                <a:schemeClr val="lt1"/>
+              </a:solidFill>
+              <a:latin typeface="Calibri"/>
+              <a:ea typeface="Calibri"/>
+              <a:cs typeface="Calibri"/>
+              <a:sym typeface="Calibri"/>
+            </a:endParaRPr>
+          </a:p>
+          <a:p>
+            <a:pPr algn="ctr">
+              <a:buSzPct val="25000"/>
+            </a:pPr>
+            <a:r>
+              <a:rPr lang="en-US" sz="1050" b="1" dirty="0">
+                <a:solidFill>
+                  <a:schemeClr val="lt1"/>
+                </a:solidFill>
+                <a:latin typeface="Calibri"/>
+                <a:ea typeface="Calibri"/>
+                <a:cs typeface="Calibri"/>
+                <a:sym typeface="Calibri"/>
+              </a:rPr>
+              <a:t>Parser</a:t>
+            </a:r>
+          </a:p>
+        </p:txBody>
+      </p:sp>
+      <p:sp>
+        <p:nvSpPr>
+          <p:cNvPr id="289" name="Shape 289"/>
+          <p:cNvSpPr/>
+          <p:nvPr/>
+        </p:nvSpPr>
+        <p:spPr>
+          <a:xfrm flipH="1">
+            <a:off x="5895808" y="1595625"/>
+            <a:ext cx="923700" cy="369900"/>
+          </a:xfrm>
+          <a:prstGeom prst="rect">
+            <a:avLst/>
+          </a:prstGeom>
+          <a:solidFill>
+            <a:schemeClr val="accent2"/>
+          </a:solidFill>
+          <a:ln w="9525" cap="flat" cmpd="sng">
+            <a:solidFill>
+              <a:srgbClr val="45A9C4"/>
+            </a:solidFill>
+            <a:prstDash val="solid"/>
+            <a:round/>
+            <a:headEnd type="none" w="med" len="med"/>
+            <a:tailEnd type="none" w="med" len="med"/>
+          </a:ln>
+        </p:spPr>
+        <p:txBody>
+          <a:bodyPr lIns="91425" tIns="45700" rIns="91425" bIns="45700" anchor="ctr" anchorCtr="0">
+            <a:noAutofit/>
+          </a:bodyPr>
+          <a:lstStyle/>
+          <a:p>
+            <a:pPr algn="ctr">
+              <a:buSzPct val="25000"/>
+            </a:pPr>
+            <a:r>
+              <a:rPr lang="en-US" sz="1050" b="1">
+                <a:solidFill>
+                  <a:schemeClr val="lt1"/>
+                </a:solidFill>
+                <a:latin typeface="Calibri"/>
+                <a:ea typeface="Calibri"/>
+                <a:cs typeface="Calibri"/>
+                <a:sym typeface="Calibri"/>
+              </a:rPr>
+              <a:t>{Abstract}</a:t>
+            </a:r>
+          </a:p>
+          <a:p>
+            <a:pPr algn="ctr">
+              <a:buSzPct val="25000"/>
+            </a:pPr>
+            <a:r>
+              <a:rPr lang="en-US" sz="1050" b="1">
+                <a:solidFill>
+                  <a:schemeClr val="lt1"/>
+                </a:solidFill>
+                <a:latin typeface="Calibri"/>
+                <a:ea typeface="Calibri"/>
+                <a:cs typeface="Calibri"/>
+                <a:sym typeface="Calibri"/>
+              </a:rPr>
+              <a:t>TimeParser</a:t>
+            </a:r>
+          </a:p>
+        </p:txBody>
+      </p:sp>
+      <p:cxnSp>
+        <p:nvCxnSpPr>
+          <p:cNvPr id="290" name="Shape 290"/>
+          <p:cNvCxnSpPr>
+            <a:stCxn id="285" idx="2"/>
+            <a:endCxn id="289" idx="0"/>
+          </p:cNvCxnSpPr>
+          <p:nvPr/>
+        </p:nvCxnSpPr>
+        <p:spPr>
+          <a:xfrm rot="-5400000" flipH="1">
+            <a:off x="5556016" y="794050"/>
+            <a:ext cx="465000" cy="1138200"/>
+          </a:xfrm>
+          <a:prstGeom prst="bentConnector3">
+            <a:avLst>
+              <a:gd name="adj1" fmla="val 49997"/>
+            </a:avLst>
+          </a:prstGeom>
+          <a:noFill/>
+          <a:ln w="9525" cap="flat" cmpd="sng">
+            <a:solidFill>
+              <a:schemeClr val="dk2"/>
+            </a:solidFill>
+            <a:prstDash val="solid"/>
+            <a:round/>
+            <a:headEnd type="none" w="lg" len="lg"/>
+            <a:tailEnd type="none" w="lg" len="lg"/>
+          </a:ln>
+        </p:spPr>
+      </p:cxnSp>
+      <p:cxnSp>
+        <p:nvCxnSpPr>
+          <p:cNvPr id="291" name="Shape 291"/>
+          <p:cNvCxnSpPr>
+            <a:stCxn id="286" idx="2"/>
+            <a:endCxn id="289" idx="0"/>
+          </p:cNvCxnSpPr>
+          <p:nvPr/>
+        </p:nvCxnSpPr>
+        <p:spPr>
+          <a:xfrm rot="-5400000" flipH="1">
+            <a:off x="6002141" y="1240000"/>
+            <a:ext cx="465000" cy="246300"/>
+          </a:xfrm>
+          <a:prstGeom prst="bentConnector3">
+            <a:avLst>
+              <a:gd name="adj1" fmla="val 49997"/>
+            </a:avLst>
+          </a:prstGeom>
+          <a:noFill/>
+          <a:ln w="9525" cap="flat" cmpd="sng">
+            <a:solidFill>
+              <a:schemeClr val="dk2"/>
+            </a:solidFill>
+            <a:prstDash val="solid"/>
+            <a:round/>
+            <a:headEnd type="none" w="lg" len="lg"/>
+            <a:tailEnd type="none" w="lg" len="lg"/>
+          </a:ln>
+        </p:spPr>
+      </p:cxnSp>
+      <p:cxnSp>
+        <p:nvCxnSpPr>
+          <p:cNvPr id="292" name="Shape 292"/>
+          <p:cNvCxnSpPr>
+            <a:stCxn id="287" idx="2"/>
+            <a:endCxn id="289" idx="0"/>
+          </p:cNvCxnSpPr>
+          <p:nvPr/>
+        </p:nvCxnSpPr>
+        <p:spPr>
+          <a:xfrm rot="5400000">
+            <a:off x="6445216" y="1043050"/>
+            <a:ext cx="465000" cy="640200"/>
+          </a:xfrm>
+          <a:prstGeom prst="bentConnector3">
+            <a:avLst>
+              <a:gd name="adj1" fmla="val 49997"/>
+            </a:avLst>
+          </a:prstGeom>
+          <a:noFill/>
+          <a:ln w="9525" cap="flat" cmpd="sng">
+            <a:solidFill>
+              <a:schemeClr val="dk2"/>
+            </a:solidFill>
+            <a:prstDash val="solid"/>
+            <a:round/>
+            <a:headEnd type="none" w="lg" len="lg"/>
+            <a:tailEnd type="none" w="lg" len="lg"/>
+          </a:ln>
+        </p:spPr>
+      </p:cxnSp>
+      <p:cxnSp>
+        <p:nvCxnSpPr>
+          <p:cNvPr id="293" name="Shape 293"/>
+          <p:cNvCxnSpPr>
+            <a:stCxn id="289" idx="0"/>
+            <a:endCxn id="288" idx="2"/>
+          </p:cNvCxnSpPr>
+          <p:nvPr/>
+        </p:nvCxnSpPr>
+        <p:spPr>
+          <a:xfrm rot="-5400000">
+            <a:off x="6886408" y="597975"/>
+            <a:ext cx="468900" cy="1526400"/>
+          </a:xfrm>
+          <a:prstGeom prst="bentConnector3">
+            <a:avLst>
+              <a:gd name="adj1" fmla="val 49992"/>
+            </a:avLst>
+          </a:prstGeom>
+          <a:noFill/>
+          <a:ln w="9525" cap="flat" cmpd="sng">
+            <a:solidFill>
+              <a:schemeClr val="dk2"/>
+            </a:solidFill>
+            <a:prstDash val="solid"/>
+            <a:round/>
+            <a:headEnd type="none" w="lg" len="lg"/>
+            <a:tailEnd type="none" w="lg" len="lg"/>
+          </a:ln>
+        </p:spPr>
+      </p:cxnSp>
+      <p:sp>
+        <p:nvSpPr>
+          <p:cNvPr id="294" name="Shape 294"/>
+          <p:cNvSpPr/>
+          <p:nvPr/>
+        </p:nvSpPr>
+        <p:spPr>
+          <a:xfrm flipH="1">
+            <a:off x="5803450" y="4323237"/>
+            <a:ext cx="1121700" cy="376200"/>
+          </a:xfrm>
+          <a:prstGeom prst="rect">
+            <a:avLst/>
+          </a:prstGeom>
+          <a:solidFill>
+            <a:schemeClr val="accent2"/>
+          </a:solidFill>
+          <a:ln w="9525" cap="flat" cmpd="sng">
+            <a:solidFill>
+              <a:srgbClr val="45A9C4"/>
+            </a:solidFill>
+            <a:prstDash val="solid"/>
+            <a:round/>
+            <a:headEnd type="none" w="med" len="med"/>
+            <a:tailEnd type="none" w="med" len="med"/>
+          </a:ln>
+        </p:spPr>
+        <p:txBody>
+          <a:bodyPr lIns="91425" tIns="45700" rIns="91425" bIns="45700" anchor="ctr" anchorCtr="0">
+            <a:noAutofit/>
+          </a:bodyPr>
+          <a:lstStyle/>
+          <a:p>
+            <a:pPr algn="ctr">
+              <a:buSzPct val="25000"/>
+            </a:pPr>
+            <a:r>
+              <a:rPr lang="en-US" sz="1050" b="1" dirty="0" err="1">
+                <a:solidFill>
+                  <a:schemeClr val="lt1"/>
+                </a:solidFill>
+                <a:latin typeface="Calibri"/>
+                <a:ea typeface="Calibri"/>
+                <a:cs typeface="Calibri"/>
+                <a:sym typeface="Calibri"/>
+              </a:rPr>
+              <a:t>MarkCommand</a:t>
+            </a:r>
+            <a:endParaRPr lang="en-US" sz="1050" b="1" dirty="0">
+              <a:solidFill>
+                <a:schemeClr val="lt1"/>
+              </a:solidFill>
+              <a:latin typeface="Calibri"/>
+              <a:ea typeface="Calibri"/>
+              <a:cs typeface="Calibri"/>
+              <a:sym typeface="Calibri"/>
+            </a:endParaRPr>
+          </a:p>
+          <a:p>
+            <a:pPr algn="ctr">
+              <a:buSzPct val="25000"/>
+            </a:pPr>
+            <a:r>
+              <a:rPr lang="en-US" sz="1050" b="1" dirty="0">
+                <a:solidFill>
+                  <a:schemeClr val="lt1"/>
+                </a:solidFill>
+                <a:latin typeface="Calibri"/>
+                <a:ea typeface="Calibri"/>
+                <a:cs typeface="Calibri"/>
+                <a:sym typeface="Calibri"/>
+              </a:rPr>
+              <a:t>Parser</a:t>
+            </a:r>
+          </a:p>
+        </p:txBody>
+      </p:sp>
+      <p:sp>
+        <p:nvSpPr>
+          <p:cNvPr id="295" name="Shape 295"/>
+          <p:cNvSpPr/>
+          <p:nvPr/>
+        </p:nvSpPr>
+        <p:spPr>
+          <a:xfrm flipH="1">
+            <a:off x="8260930" y="4703850"/>
+            <a:ext cx="1063800" cy="369900"/>
+          </a:xfrm>
+          <a:prstGeom prst="rect">
+            <a:avLst/>
+          </a:prstGeom>
+          <a:gradFill>
+            <a:gsLst>
+              <a:gs pos="0">
+                <a:srgbClr val="FFF6DB"/>
+              </a:gs>
+              <a:gs pos="100000">
+                <a:srgbClr val="FAD25C"/>
+              </a:gs>
+            </a:gsLst>
+            <a:path path="circle">
+              <a:fillToRect l="50000" t="50000" r="50000" b="50000"/>
+            </a:path>
+            <a:tileRect/>
+          </a:gradFill>
+          <a:ln w="19050" cap="flat" cmpd="sng">
+            <a:solidFill>
+              <a:schemeClr val="accent6"/>
+            </a:solidFill>
+            <a:prstDash val="solid"/>
+            <a:round/>
+            <a:headEnd type="none" w="med" len="med"/>
+            <a:tailEnd type="none" w="med" len="med"/>
+          </a:ln>
+        </p:spPr>
+        <p:txBody>
+          <a:bodyPr lIns="91425" tIns="45700" rIns="91425" bIns="45700" anchor="ctr" anchorCtr="0">
+            <a:noAutofit/>
+          </a:bodyPr>
+          <a:lstStyle/>
+          <a:p>
+            <a:pPr algn="ctr">
+              <a:buSzPct val="25000"/>
+            </a:pPr>
+            <a:r>
+              <a:rPr lang="en-US" sz="1050" b="1">
+                <a:solidFill>
+                  <a:srgbClr val="0070C0"/>
+                </a:solidFill>
+                <a:latin typeface="Calibri"/>
+                <a:ea typeface="Calibri"/>
+                <a:cs typeface="Calibri"/>
+                <a:sym typeface="Calibri"/>
+              </a:rPr>
+              <a:t>MarkCommand</a:t>
+            </a:r>
+          </a:p>
+        </p:txBody>
+      </p:sp>
+      <p:cxnSp>
+        <p:nvCxnSpPr>
+          <p:cNvPr id="296" name="Shape 296"/>
+          <p:cNvCxnSpPr>
+            <a:stCxn id="295" idx="1"/>
+            <a:endCxn id="228" idx="0"/>
+          </p:cNvCxnSpPr>
+          <p:nvPr/>
+        </p:nvCxnSpPr>
+        <p:spPr>
+          <a:xfrm>
+            <a:off x="9324730" y="4888800"/>
+            <a:ext cx="493500" cy="516300"/>
+          </a:xfrm>
+          <a:prstGeom prst="bentConnector2">
+            <a:avLst/>
+          </a:prstGeom>
+          <a:noFill/>
+          <a:ln w="9525" cap="flat" cmpd="sng">
+            <a:solidFill>
+              <a:schemeClr val="dk2"/>
+            </a:solidFill>
+            <a:prstDash val="solid"/>
+            <a:round/>
+            <a:headEnd type="none" w="lg" len="lg"/>
+            <a:tailEnd type="none" w="lg" len="lg"/>
+          </a:ln>
+        </p:spPr>
+      </p:cxnSp>
+      <p:cxnSp>
+        <p:nvCxnSpPr>
+          <p:cNvPr id="297" name="Shape 297"/>
+          <p:cNvCxnSpPr>
+            <a:endCxn id="295" idx="3"/>
+          </p:cNvCxnSpPr>
+          <p:nvPr/>
+        </p:nvCxnSpPr>
+        <p:spPr>
+          <a:xfrm>
+            <a:off x="6930431" y="4628400"/>
+            <a:ext cx="1330499" cy="260400"/>
           </a:xfrm>
           <a:prstGeom prst="bentConnector3">
             <a:avLst>
               <a:gd name="adj1" fmla="val 50000"/>
             </a:avLst>
           </a:prstGeom>
-          <a:ln w="19050">
+          <a:gradFill>
+            <a:gsLst>
+              <a:gs pos="0">
+                <a:srgbClr val="FFA09D"/>
+              </a:gs>
+              <a:gs pos="35000">
+                <a:srgbClr val="FFBCBC"/>
+              </a:gs>
+              <a:gs pos="100000">
+                <a:srgbClr val="FFE2E2"/>
+              </a:gs>
+            </a:gsLst>
+            <a:lin ang="16200038" scaled="0"/>
+          </a:gradFill>
+          <a:ln w="19050" cap="flat" cmpd="sng">
             <a:solidFill>
-              <a:schemeClr val="accent5">
-                <a:lumMod val="75000"/>
-              </a:schemeClr>
+              <a:srgbClr val="31859B"/>
             </a:solidFill>
-            <a:prstDash val="sysDot"/>
+            <a:prstDash val="dot"/>
+            <a:round/>
             <a:headEnd type="none" w="med" len="med"/>
-            <a:tailEnd type="arrow" w="med" len="med"/>
+            <a:tailEnd type="stealth" w="lg" len="lg"/>
           </a:ln>
-          <a:effectLst/>
-        </p:spPr>
-        <p:style>
-          <a:lnRef idx="1">
-            <a:schemeClr val="accent2"/>
-          </a:lnRef>
-          <a:fillRef idx="2">
-            <a:schemeClr val="accent2"/>
-          </a:fillRef>
-          <a:effectRef idx="1">
-            <a:schemeClr val="accent2"/>
-          </a:effectRef>
-          <a:fontRef idx="minor">
-            <a:schemeClr val="dk1"/>
-          </a:fontRef>
-        </p:style>
+        </p:spPr>
+      </p:cxnSp>
+      <p:sp>
+        <p:nvSpPr>
+          <p:cNvPr id="298" name="Shape 298"/>
+          <p:cNvSpPr txBox="1"/>
+          <p:nvPr/>
+        </p:nvSpPr>
+        <p:spPr>
+          <a:xfrm>
+            <a:off x="7119657" y="4430540"/>
+            <a:ext cx="664800" cy="408000"/>
+          </a:xfrm>
+          <a:prstGeom prst="rect">
+            <a:avLst/>
+          </a:prstGeom>
+          <a:noFill/>
+          <a:ln>
+            <a:noFill/>
+          </a:ln>
+        </p:spPr>
+        <p:txBody>
+          <a:bodyPr lIns="0" tIns="0" rIns="0" bIns="0" anchor="t" anchorCtr="0">
+            <a:noAutofit/>
+          </a:bodyPr>
+          <a:lstStyle/>
+          <a:p>
+            <a:pPr>
+              <a:buSzPct val="25000"/>
+            </a:pPr>
+            <a:r>
+              <a:rPr lang="en-US" sz="1100">
+                <a:solidFill>
+                  <a:srgbClr val="31859B"/>
+                </a:solidFill>
+                <a:latin typeface="Calibri"/>
+                <a:ea typeface="Calibri"/>
+                <a:cs typeface="Calibri"/>
+                <a:sym typeface="Calibri"/>
+              </a:rPr>
+              <a:t>creates</a:t>
+            </a:r>
+          </a:p>
+        </p:txBody>
+      </p:sp>
+      <p:sp>
+        <p:nvSpPr>
+          <p:cNvPr id="299" name="Shape 299"/>
+          <p:cNvSpPr/>
+          <p:nvPr/>
+        </p:nvSpPr>
+        <p:spPr>
+          <a:xfrm rot="5400000" flipH="1">
+            <a:off x="7580337" y="4506430"/>
+            <a:ext cx="211800" cy="105600"/>
+          </a:xfrm>
+          <a:prstGeom prst="triangle">
+            <a:avLst>
+              <a:gd name="adj" fmla="val 50000"/>
+            </a:avLst>
+          </a:prstGeom>
+          <a:solidFill>
+            <a:srgbClr val="31859B"/>
+          </a:solidFill>
+          <a:ln>
+            <a:noFill/>
+          </a:ln>
+        </p:spPr>
+        <p:txBody>
+          <a:bodyPr lIns="91425" tIns="45700" rIns="91425" bIns="45700" anchor="ctr" anchorCtr="0">
+            <a:noAutofit/>
+          </a:bodyPr>
+          <a:lstStyle/>
+          <a:p>
+            <a:pPr algn="ctr"/>
+            <a:endParaRPr>
+              <a:solidFill>
+                <a:schemeClr val="lt1"/>
+              </a:solidFill>
+              <a:latin typeface="Calibri"/>
+              <a:ea typeface="Calibri"/>
+              <a:cs typeface="Calibri"/>
+              <a:sym typeface="Calibri"/>
+            </a:endParaRPr>
+          </a:p>
+        </p:txBody>
+      </p:sp>
+      <p:cxnSp>
+        <p:nvCxnSpPr>
+          <p:cNvPr id="300" name="Shape 300"/>
+          <p:cNvCxnSpPr/>
+          <p:nvPr/>
+        </p:nvCxnSpPr>
+        <p:spPr>
+          <a:xfrm>
+            <a:off x="4875362" y="4634557"/>
+            <a:ext cx="921300" cy="0"/>
+          </a:xfrm>
+          <a:prstGeom prst="straightConnector1">
+            <a:avLst/>
+          </a:prstGeom>
+          <a:gradFill>
+            <a:gsLst>
+              <a:gs pos="0">
+                <a:srgbClr val="FFA09D"/>
+              </a:gs>
+              <a:gs pos="35000">
+                <a:srgbClr val="FFBCBC"/>
+              </a:gs>
+              <a:gs pos="100000">
+                <a:srgbClr val="FFE2E2"/>
+              </a:gs>
+            </a:gsLst>
+            <a:lin ang="16200038" scaled="0"/>
+          </a:gradFill>
+          <a:ln w="19050" cap="flat" cmpd="sng">
+            <a:solidFill>
+              <a:srgbClr val="205867"/>
+            </a:solidFill>
+            <a:prstDash val="dot"/>
+            <a:round/>
+            <a:headEnd type="none" w="med" len="med"/>
+            <a:tailEnd type="none" w="med" len="med"/>
+          </a:ln>
+        </p:spPr>
       </p:cxnSp>
       <p:cxnSp>
         <p:nvCxnSpPr>
-          <p:cNvPr id="122" name="Elbow Connector 63"/>
+          <p:cNvPr id="301" name="Shape 301"/>
           <p:cNvCxnSpPr>
-            <a:stCxn id="42" idx="1"/>
-            <a:endCxn id="4" idx="3"/>
+            <a:stCxn id="234" idx="3"/>
+            <a:endCxn id="294" idx="3"/>
           </p:cNvCxnSpPr>
           <p:nvPr/>
         </p:nvCxnSpPr>
         <p:spPr>
+          <a:xfrm rot="10800000" flipH="1">
+            <a:off x="5007823" y="4511386"/>
+            <a:ext cx="795600" cy="827400"/>
+          </a:xfrm>
+          <a:prstGeom prst="bentConnector3">
+            <a:avLst>
+              <a:gd name="adj1" fmla="val 50002"/>
+            </a:avLst>
+          </a:prstGeom>
+          <a:gradFill>
+            <a:gsLst>
+              <a:gs pos="0">
+                <a:srgbClr val="FFA09D"/>
+              </a:gs>
+              <a:gs pos="35000">
+                <a:srgbClr val="FFBCBC"/>
+              </a:gs>
+              <a:gs pos="100000">
+                <a:srgbClr val="FFE2E2"/>
+              </a:gs>
+            </a:gsLst>
+            <a:lin ang="16200038" scaled="0"/>
+          </a:gradFill>
+          <a:ln w="19050" cap="flat" cmpd="sng">
+            <a:solidFill>
+              <a:srgbClr val="31859B"/>
+            </a:solidFill>
+            <a:prstDash val="dot"/>
+            <a:round/>
+            <a:headEnd type="none" w="med" len="med"/>
+            <a:tailEnd type="stealth" w="lg" len="lg"/>
+          </a:ln>
+        </p:spPr>
+      </p:cxnSp>
+      <p:sp>
+        <p:nvSpPr>
+          <p:cNvPr id="302" name="Shape 302"/>
+          <p:cNvSpPr txBox="1"/>
+          <p:nvPr/>
+        </p:nvSpPr>
+        <p:spPr>
           <a:xfrm>
-            <a:off x="5758227" y="2322317"/>
-            <a:ext cx="762000" cy="230"/>
+            <a:off x="8591037" y="1417900"/>
+            <a:ext cx="1530600" cy="824400"/>
+          </a:xfrm>
+          <a:prstGeom prst="rect">
+            <a:avLst/>
+          </a:prstGeom>
+          <a:noFill/>
+          <a:ln>
+            <a:noFill/>
+          </a:ln>
+        </p:spPr>
+        <p:txBody>
+          <a:bodyPr lIns="91425" tIns="91425" rIns="91425" bIns="91425" anchor="t" anchorCtr="0">
+            <a:noAutofit/>
+          </a:bodyPr>
+          <a:lstStyle/>
+          <a:p>
+            <a:r>
+              <a:rPr lang="en-US" sz="2400" b="1">
+                <a:solidFill>
+                  <a:srgbClr val="538CD5"/>
+                </a:solidFill>
+                <a:latin typeface="Calibri"/>
+                <a:ea typeface="Calibri"/>
+                <a:cs typeface="Calibri"/>
+                <a:sym typeface="Calibri"/>
+              </a:rPr>
+              <a:t>Logic</a:t>
+            </a:r>
+          </a:p>
+        </p:txBody>
+      </p:sp>
+      <p:sp>
+        <p:nvSpPr>
+          <p:cNvPr id="303" name="Shape 303"/>
+          <p:cNvSpPr/>
+          <p:nvPr/>
+        </p:nvSpPr>
+        <p:spPr>
+          <a:xfrm flipH="1">
+            <a:off x="5895808" y="2197500"/>
+            <a:ext cx="923700" cy="369900"/>
+          </a:xfrm>
+          <a:prstGeom prst="rect">
+            <a:avLst/>
+          </a:prstGeom>
+          <a:solidFill>
+            <a:schemeClr val="accent2"/>
+          </a:solidFill>
+          <a:ln w="9525" cap="flat" cmpd="sng">
+            <a:solidFill>
+              <a:srgbClr val="45A9C4"/>
+            </a:solidFill>
+            <a:prstDash val="solid"/>
+            <a:round/>
+            <a:headEnd type="none" w="med" len="med"/>
+            <a:tailEnd type="none" w="med" len="med"/>
+          </a:ln>
+        </p:spPr>
+        <p:txBody>
+          <a:bodyPr lIns="91425" tIns="45700" rIns="91425" bIns="45700" anchor="ctr" anchorCtr="0">
+            <a:noAutofit/>
+          </a:bodyPr>
+          <a:lstStyle/>
+          <a:p>
+            <a:pPr algn="ctr">
+              <a:buSzPct val="25000"/>
+            </a:pPr>
+            <a:r>
+              <a:rPr lang="en-US" sz="1050" b="1">
+                <a:solidFill>
+                  <a:schemeClr val="lt1"/>
+                </a:solidFill>
+                <a:latin typeface="Calibri"/>
+                <a:ea typeface="Calibri"/>
+                <a:cs typeface="Calibri"/>
+                <a:sym typeface="Calibri"/>
+              </a:rPr>
+              <a:t>TimeParser</a:t>
+            </a:r>
+          </a:p>
+          <a:p>
+            <a:pPr algn="ctr">
+              <a:buSzPct val="25000"/>
+            </a:pPr>
+            <a:r>
+              <a:rPr lang="en-US" sz="1050" b="1">
+                <a:solidFill>
+                  <a:schemeClr val="lt1"/>
+                </a:solidFill>
+                <a:latin typeface="Calibri"/>
+                <a:ea typeface="Calibri"/>
+                <a:cs typeface="Calibri"/>
+                <a:sym typeface="Calibri"/>
+              </a:rPr>
+              <a:t>Manager</a:t>
+            </a:r>
+          </a:p>
+        </p:txBody>
+      </p:sp>
+      <p:cxnSp>
+        <p:nvCxnSpPr>
+          <p:cNvPr id="304" name="Shape 304"/>
+          <p:cNvCxnSpPr>
+            <a:stCxn id="250" idx="0"/>
+            <a:endCxn id="303" idx="2"/>
+          </p:cNvCxnSpPr>
+          <p:nvPr/>
+        </p:nvCxnSpPr>
+        <p:spPr>
+          <a:xfrm rot="5400000" flipH="1">
+            <a:off x="6242437" y="2682675"/>
+            <a:ext cx="231900" cy="1500"/>
+          </a:xfrm>
+          <a:prstGeom prst="bentConnector3">
+            <a:avLst>
+              <a:gd name="adj1" fmla="val 50016"/>
+            </a:avLst>
+          </a:prstGeom>
+          <a:gradFill>
+            <a:gsLst>
+              <a:gs pos="0">
+                <a:srgbClr val="FFA09D"/>
+              </a:gs>
+              <a:gs pos="35000">
+                <a:srgbClr val="FFBCBC"/>
+              </a:gs>
+              <a:gs pos="100000">
+                <a:srgbClr val="FFE2E2"/>
+              </a:gs>
+            </a:gsLst>
+            <a:lin ang="16200038" scaled="0"/>
+          </a:gradFill>
+          <a:ln w="19050" cap="flat" cmpd="sng">
+            <a:solidFill>
+              <a:srgbClr val="31859B"/>
+            </a:solidFill>
+            <a:prstDash val="dot"/>
+            <a:round/>
+            <a:headEnd type="none" w="med" len="med"/>
+            <a:tailEnd type="stealth" w="lg" len="lg"/>
+          </a:ln>
+        </p:spPr>
+      </p:cxnSp>
+      <p:sp>
+        <p:nvSpPr>
+          <p:cNvPr id="305" name="Shape 305"/>
+          <p:cNvSpPr/>
+          <p:nvPr/>
+        </p:nvSpPr>
+        <p:spPr>
+          <a:xfrm rot="10800000">
+            <a:off x="6290600" y="1479870"/>
+            <a:ext cx="140100" cy="117300"/>
+          </a:xfrm>
+          <a:prstGeom prst="triangle">
+            <a:avLst>
+              <a:gd name="adj" fmla="val 50000"/>
+            </a:avLst>
+          </a:prstGeom>
+          <a:solidFill>
+            <a:srgbClr val="0070C0"/>
+          </a:solidFill>
+          <a:ln>
+            <a:noFill/>
+          </a:ln>
+        </p:spPr>
+        <p:txBody>
+          <a:bodyPr lIns="91425" tIns="45700" rIns="91425" bIns="45700" anchor="ctr" anchorCtr="0">
+            <a:noAutofit/>
+          </a:bodyPr>
+          <a:lstStyle/>
+          <a:p>
+            <a:pPr algn="ctr"/>
+            <a:endParaRPr>
+              <a:solidFill>
+                <a:schemeClr val="lt1"/>
+              </a:solidFill>
+              <a:latin typeface="Calibri"/>
+              <a:ea typeface="Calibri"/>
+              <a:cs typeface="Calibri"/>
+              <a:sym typeface="Calibri"/>
+            </a:endParaRPr>
+          </a:p>
+        </p:txBody>
+      </p:sp>
+      <p:cxnSp>
+        <p:nvCxnSpPr>
+          <p:cNvPr id="306" name="Shape 306"/>
+          <p:cNvCxnSpPr>
+            <a:stCxn id="303" idx="0"/>
+          </p:cNvCxnSpPr>
+          <p:nvPr/>
+        </p:nvCxnSpPr>
+        <p:spPr>
+          <a:xfrm rot="-5400000">
+            <a:off x="6235108" y="2068950"/>
+            <a:ext cx="251100" cy="6000"/>
           </a:xfrm>
           <a:prstGeom prst="bentConnector3">
             <a:avLst>
               <a:gd name="adj1" fmla="val 50000"/>
             </a:avLst>
           </a:prstGeom>
-          <a:ln w="19050">
+          <a:gradFill>
+            <a:gsLst>
+              <a:gs pos="0">
+                <a:srgbClr val="FFA09D"/>
+              </a:gs>
+              <a:gs pos="35000">
+                <a:srgbClr val="FFBCBC"/>
+              </a:gs>
+              <a:gs pos="100000">
+                <a:srgbClr val="FFE2E2"/>
+              </a:gs>
+            </a:gsLst>
+            <a:lin ang="16200038" scaled="0"/>
+          </a:gradFill>
+          <a:ln w="19050" cap="flat" cmpd="sng">
             <a:solidFill>
-              <a:schemeClr val="accent5">
-                <a:lumMod val="75000"/>
-              </a:schemeClr>
+              <a:srgbClr val="31859B"/>
             </a:solidFill>
-            <a:prstDash val="sysDot"/>
+            <a:prstDash val="dot"/>
+            <a:round/>
             <a:headEnd type="none" w="med" len="med"/>
-            <a:tailEnd type="arrow" w="med" len="med"/>
+            <a:tailEnd type="stealth" w="lg" len="lg"/>
           </a:ln>
-          <a:effectLst/>
-        </p:spPr>
-        <p:style>
-          <a:lnRef idx="1">
-            <a:schemeClr val="accent2"/>
-          </a:lnRef>
-          <a:fillRef idx="2">
-            <a:schemeClr val="accent2"/>
-          </a:fillRef>
-          <a:effectRef idx="1">
-            <a:schemeClr val="accent2"/>
-          </a:effectRef>
-          <a:fontRef idx="minor">
-            <a:schemeClr val="dk1"/>
-          </a:fontRef>
-        </p:style>
-      </p:cxnSp>
-      <p:cxnSp>
-        <p:nvCxnSpPr>
-          <p:cNvPr id="64" name="Straight Connector 63"/>
-          <p:cNvCxnSpPr/>
-          <p:nvPr/>
-        </p:nvCxnSpPr>
-        <p:spPr>
-          <a:xfrm>
-            <a:off x="3886200" y="2078487"/>
-            <a:ext cx="0" cy="1218984"/>
-          </a:xfrm>
-          <a:prstGeom prst="line">
-            <a:avLst/>
-          </a:prstGeom>
-          <a:ln w="19050">
-            <a:solidFill>
-              <a:schemeClr val="accent5">
-                <a:lumMod val="50000"/>
-              </a:schemeClr>
-            </a:solidFill>
-            <a:prstDash val="sysDot"/>
-            <a:headEnd type="none" w="med" len="med"/>
-            <a:tailEnd type="none" w="med" len="med"/>
-          </a:ln>
-          <a:effectLst/>
-        </p:spPr>
-        <p:style>
-          <a:lnRef idx="1">
-            <a:schemeClr val="accent2"/>
-          </a:lnRef>
-          <a:fillRef idx="2">
-            <a:schemeClr val="accent2"/>
-          </a:fillRef>
-          <a:effectRef idx="1">
-            <a:schemeClr val="accent2"/>
-          </a:effectRef>
-          <a:fontRef idx="minor">
-            <a:schemeClr val="dk1"/>
-          </a:fontRef>
-        </p:style>
-      </p:cxnSp>
-      <p:cxnSp>
-        <p:nvCxnSpPr>
-          <p:cNvPr id="66" name="Straight Connector 65"/>
-          <p:cNvCxnSpPr/>
-          <p:nvPr/>
-        </p:nvCxnSpPr>
-        <p:spPr>
-          <a:xfrm>
-            <a:off x="3894672" y="2209800"/>
-            <a:ext cx="769918" cy="0"/>
-          </a:xfrm>
-          <a:prstGeom prst="line">
-            <a:avLst/>
-          </a:prstGeom>
-          <a:ln w="19050">
-            <a:solidFill>
-              <a:schemeClr val="accent5">
-                <a:lumMod val="50000"/>
-              </a:schemeClr>
-            </a:solidFill>
-            <a:prstDash val="sysDot"/>
-            <a:headEnd type="none" w="med" len="med"/>
-            <a:tailEnd type="none" w="med" len="med"/>
-          </a:ln>
-          <a:effectLst/>
-        </p:spPr>
-        <p:style>
-          <a:lnRef idx="1">
-            <a:schemeClr val="accent2"/>
-          </a:lnRef>
-          <a:fillRef idx="2">
-            <a:schemeClr val="accent2"/>
-          </a:fillRef>
-          <a:effectRef idx="1">
-            <a:schemeClr val="accent2"/>
-          </a:effectRef>
-          <a:fontRef idx="minor">
-            <a:schemeClr val="dk1"/>
-          </a:fontRef>
-        </p:style>
-      </p:cxnSp>
-      <p:cxnSp>
-        <p:nvCxnSpPr>
-          <p:cNvPr id="73" name="Straight Connector 72"/>
-          <p:cNvCxnSpPr/>
-          <p:nvPr/>
-        </p:nvCxnSpPr>
-        <p:spPr>
-          <a:xfrm>
-            <a:off x="3886200" y="2607244"/>
-            <a:ext cx="769918" cy="0"/>
-          </a:xfrm>
-          <a:prstGeom prst="line">
-            <a:avLst/>
-          </a:prstGeom>
-          <a:ln w="19050">
-            <a:solidFill>
-              <a:schemeClr val="accent5">
-                <a:lumMod val="50000"/>
-              </a:schemeClr>
-            </a:solidFill>
-            <a:prstDash val="sysDot"/>
-            <a:headEnd type="none" w="med" len="med"/>
-            <a:tailEnd type="none" w="med" len="med"/>
-          </a:ln>
-          <a:effectLst/>
-        </p:spPr>
-        <p:style>
-          <a:lnRef idx="1">
-            <a:schemeClr val="accent2"/>
-          </a:lnRef>
-          <a:fillRef idx="2">
-            <a:schemeClr val="accent2"/>
-          </a:fillRef>
-          <a:effectRef idx="1">
-            <a:schemeClr val="accent2"/>
-          </a:effectRef>
-          <a:fontRef idx="minor">
-            <a:schemeClr val="dk1"/>
-          </a:fontRef>
-        </p:style>
-      </p:cxnSp>
-      <p:cxnSp>
-        <p:nvCxnSpPr>
-          <p:cNvPr id="74" name="Straight Connector 73"/>
-          <p:cNvCxnSpPr/>
-          <p:nvPr/>
-        </p:nvCxnSpPr>
-        <p:spPr>
-          <a:xfrm>
-            <a:off x="3886200" y="3048000"/>
-            <a:ext cx="769918" cy="0"/>
-          </a:xfrm>
-          <a:prstGeom prst="line">
-            <a:avLst/>
-          </a:prstGeom>
-          <a:ln w="19050">
-            <a:solidFill>
-              <a:schemeClr val="accent5">
-                <a:lumMod val="50000"/>
-              </a:schemeClr>
-            </a:solidFill>
-            <a:prstDash val="sysDot"/>
-            <a:headEnd type="none" w="med" len="med"/>
-            <a:tailEnd type="none" w="med" len="med"/>
-          </a:ln>
-          <a:effectLst/>
-        </p:spPr>
-        <p:style>
-          <a:lnRef idx="1">
-            <a:schemeClr val="accent2"/>
-          </a:lnRef>
-          <a:fillRef idx="2">
-            <a:schemeClr val="accent2"/>
-          </a:fillRef>
-          <a:effectRef idx="1">
-            <a:schemeClr val="accent2"/>
-          </a:effectRef>
-          <a:fontRef idx="minor">
-            <a:schemeClr val="dk1"/>
-          </a:fontRef>
-        </p:style>
+        </p:spPr>
       </p:cxnSp>
     </p:spTree>
     <p:extLst>
       <p:ext uri="{BB962C8B-B14F-4D97-AF65-F5344CB8AC3E}">
-        <p14:creationId xmlns:p14="http://schemas.microsoft.com/office/powerpoint/2010/main" val="211586602"/>
+        <p14:creationId xmlns:p14="http://schemas.microsoft.com/office/powerpoint/2010/main" val="503640539"/>
       </p:ext>
     </p:extLst>
   </p:cSld>
@@ -6472,44 +7363,44 @@
         <a:sysClr val="window" lastClr="FFFFFF"/>
       </a:lt1>
       <a:dk2>
-        <a:srgbClr val="1F497D"/>
+        <a:srgbClr val="44546A"/>
       </a:dk2>
       <a:lt2>
-        <a:srgbClr val="EEECE1"/>
+        <a:srgbClr val="E7E6E6"/>
       </a:lt2>
       <a:accent1>
-        <a:srgbClr val="4F81BD"/>
+        <a:srgbClr val="5B9BD5"/>
       </a:accent1>
       <a:accent2>
-        <a:srgbClr val="C0504D"/>
+        <a:srgbClr val="ED7D31"/>
       </a:accent2>
       <a:accent3>
-        <a:srgbClr val="9BBB59"/>
+        <a:srgbClr val="A5A5A5"/>
       </a:accent3>
       <a:accent4>
-        <a:srgbClr val="8064A2"/>
+        <a:srgbClr val="FFC000"/>
       </a:accent4>
       <a:accent5>
-        <a:srgbClr val="4BACC6"/>
+        <a:srgbClr val="4472C4"/>
       </a:accent5>
       <a:accent6>
-        <a:srgbClr val="F79646"/>
+        <a:srgbClr val="70AD47"/>
       </a:accent6>
       <a:hlink>
-        <a:srgbClr val="0000FF"/>
+        <a:srgbClr val="0563C1"/>
       </a:hlink>
       <a:folHlink>
-        <a:srgbClr val="800080"/>
+        <a:srgbClr val="954F72"/>
       </a:folHlink>
     </a:clrScheme>
     <a:fontScheme name="Office">
       <a:majorFont>
-        <a:latin typeface="Calibri"/>
+        <a:latin typeface="Calibri Light" panose="020F0302020204030204"/>
         <a:ea typeface=""/>
         <a:cs typeface=""/>
-        <a:font script="Jpan" typeface="ＭＳ Ｐゴシック"/>
+        <a:font script="Jpan" typeface="Yu Gothic Light"/>
         <a:font script="Hang" typeface="맑은 고딕"/>
-        <a:font script="Hans" typeface="宋体"/>
+        <a:font script="Hans" typeface="DengXian Light"/>
         <a:font script="Hant" typeface="新細明體"/>
         <a:font script="Arab" typeface="Times New Roman"/>
         <a:font script="Hebr" typeface="Times New Roman"/>
@@ -6539,12 +7430,12 @@
         <a:font script="Geor" typeface="Sylfaen"/>
       </a:majorFont>
       <a:minorFont>
-        <a:latin typeface="Calibri"/>
+        <a:latin typeface="Calibri" panose="020F0502020204030204"/>
         <a:ea typeface=""/>
         <a:cs typeface=""/>
-        <a:font script="Jpan" typeface="ＭＳ Ｐゴシック"/>
+        <a:font script="Jpan" typeface="Yu Gothic"/>
         <a:font script="Hang" typeface="맑은 고딕"/>
-        <a:font script="Hans" typeface="宋体"/>
+        <a:font script="Hans" typeface="DengXian"/>
         <a:font script="Hant" typeface="新細明體"/>
         <a:font script="Arab" typeface="Arial"/>
         <a:font script="Hebr" typeface="Arial"/>
@@ -6583,166 +7474,142 @@
           <a:gsLst>
             <a:gs pos="0">
               <a:schemeClr val="phClr">
-                <a:tint val="50000"/>
-                <a:satMod val="300000"/>
+                <a:lumMod val="110000"/>
+                <a:satMod val="105000"/>
+                <a:tint val="67000"/>
               </a:schemeClr>
             </a:gs>
-            <a:gs pos="35000">
+            <a:gs pos="50000">
               <a:schemeClr val="phClr">
-                <a:tint val="37000"/>
-                <a:satMod val="300000"/>
+                <a:lumMod val="105000"/>
+                <a:satMod val="103000"/>
+                <a:tint val="73000"/>
               </a:schemeClr>
             </a:gs>
             <a:gs pos="100000">
               <a:schemeClr val="phClr">
-                <a:tint val="15000"/>
-                <a:satMod val="350000"/>
+                <a:lumMod val="105000"/>
+                <a:satMod val="109000"/>
+                <a:tint val="81000"/>
               </a:schemeClr>
             </a:gs>
           </a:gsLst>
-          <a:lin ang="16200000" scaled="1"/>
+          <a:lin ang="5400000" scaled="0"/>
         </a:gradFill>
         <a:gradFill rotWithShape="1">
           <a:gsLst>
             <a:gs pos="0">
               <a:schemeClr val="phClr">
-                <a:shade val="51000"/>
-                <a:satMod val="130000"/>
+                <a:satMod val="103000"/>
+                <a:lumMod val="102000"/>
+                <a:tint val="94000"/>
               </a:schemeClr>
             </a:gs>
-            <a:gs pos="80000">
+            <a:gs pos="50000">
               <a:schemeClr val="phClr">
-                <a:shade val="93000"/>
-                <a:satMod val="130000"/>
+                <a:satMod val="110000"/>
+                <a:lumMod val="100000"/>
+                <a:shade val="100000"/>
               </a:schemeClr>
             </a:gs>
             <a:gs pos="100000">
               <a:schemeClr val="phClr">
-                <a:shade val="94000"/>
-                <a:satMod val="135000"/>
+                <a:lumMod val="99000"/>
+                <a:satMod val="120000"/>
+                <a:shade val="78000"/>
               </a:schemeClr>
             </a:gs>
           </a:gsLst>
-          <a:lin ang="16200000" scaled="0"/>
+          <a:lin ang="5400000" scaled="0"/>
         </a:gradFill>
       </a:fillStyleLst>
       <a:lnStyleLst>
-        <a:ln w="9525" cap="flat" cmpd="sng" algn="ctr">
-          <a:solidFill>
-            <a:schemeClr val="phClr">
-              <a:shade val="95000"/>
-              <a:satMod val="105000"/>
-            </a:schemeClr>
-          </a:solidFill>
-          <a:prstDash val="solid"/>
-        </a:ln>
-        <a:ln w="25400" cap="flat" cmpd="sng" algn="ctr">
+        <a:ln w="6350" cap="flat" cmpd="sng" algn="ctr">
           <a:solidFill>
             <a:schemeClr val="phClr"/>
           </a:solidFill>
           <a:prstDash val="solid"/>
+          <a:miter lim="800000"/>
         </a:ln>
-        <a:ln w="38100" cap="flat" cmpd="sng" algn="ctr">
+        <a:ln w="12700" cap="flat" cmpd="sng" algn="ctr">
           <a:solidFill>
             <a:schemeClr val="phClr"/>
           </a:solidFill>
           <a:prstDash val="solid"/>
+          <a:miter lim="800000"/>
+        </a:ln>
+        <a:ln w="19050" cap="flat" cmpd="sng" algn="ctr">
+          <a:solidFill>
+            <a:schemeClr val="phClr"/>
+          </a:solidFill>
+          <a:prstDash val="solid"/>
+          <a:miter lim="800000"/>
         </a:ln>
       </a:lnStyleLst>
       <a:effectStyleLst>
         <a:effectStyle>
+          <a:effectLst/>
+        </a:effectStyle>
+        <a:effectStyle>
+          <a:effectLst/>
+        </a:effectStyle>
+        <a:effectStyle>
           <a:effectLst>
-            <a:outerShdw blurRad="40000" dist="20000" dir="5400000" rotWithShape="0">
+            <a:outerShdw blurRad="57150" dist="19050" dir="5400000" algn="ctr" rotWithShape="0">
               <a:srgbClr val="000000">
-                <a:alpha val="38000"/>
+                <a:alpha val="63000"/>
               </a:srgbClr>
             </a:outerShdw>
           </a:effectLst>
-        </a:effectStyle>
-        <a:effectStyle>
-          <a:effectLst>
-            <a:outerShdw blurRad="40000" dist="23000" dir="5400000" rotWithShape="0">
-              <a:srgbClr val="000000">
-                <a:alpha val="35000"/>
-              </a:srgbClr>
-            </a:outerShdw>
-          </a:effectLst>
-        </a:effectStyle>
-        <a:effectStyle>
-          <a:effectLst>
-            <a:outerShdw blurRad="40000" dist="23000" dir="5400000" rotWithShape="0">
-              <a:srgbClr val="000000">
-                <a:alpha val="35000"/>
-              </a:srgbClr>
-            </a:outerShdw>
-          </a:effectLst>
-          <a:scene3d>
-            <a:camera prst="orthographicFront">
-              <a:rot lat="0" lon="0" rev="0"/>
-            </a:camera>
-            <a:lightRig rig="threePt" dir="t">
-              <a:rot lat="0" lon="0" rev="1200000"/>
-            </a:lightRig>
-          </a:scene3d>
-          <a:sp3d>
-            <a:bevelT w="63500" h="25400"/>
-          </a:sp3d>
         </a:effectStyle>
       </a:effectStyleLst>
       <a:bgFillStyleLst>
         <a:solidFill>
           <a:schemeClr val="phClr"/>
         </a:solidFill>
+        <a:solidFill>
+          <a:schemeClr val="phClr">
+            <a:tint val="95000"/>
+            <a:satMod val="170000"/>
+          </a:schemeClr>
+        </a:solidFill>
         <a:gradFill rotWithShape="1">
           <a:gsLst>
             <a:gs pos="0">
               <a:schemeClr val="phClr">
-                <a:tint val="40000"/>
-                <a:satMod val="350000"/>
+                <a:tint val="93000"/>
+                <a:satMod val="150000"/>
+                <a:shade val="98000"/>
+                <a:lumMod val="102000"/>
               </a:schemeClr>
             </a:gs>
-            <a:gs pos="40000">
+            <a:gs pos="50000">
               <a:schemeClr val="phClr">
-                <a:tint val="45000"/>
-                <a:shade val="99000"/>
-                <a:satMod val="350000"/>
+                <a:tint val="98000"/>
+                <a:satMod val="130000"/>
+                <a:shade val="90000"/>
+                <a:lumMod val="103000"/>
               </a:schemeClr>
             </a:gs>
             <a:gs pos="100000">
               <a:schemeClr val="phClr">
-                <a:shade val="20000"/>
-                <a:satMod val="255000"/>
+                <a:shade val="63000"/>
+                <a:satMod val="120000"/>
               </a:schemeClr>
             </a:gs>
           </a:gsLst>
-          <a:path path="circle">
-            <a:fillToRect l="50000" t="-80000" r="50000" b="180000"/>
-          </a:path>
-        </a:gradFill>
-        <a:gradFill rotWithShape="1">
-          <a:gsLst>
-            <a:gs pos="0">
-              <a:schemeClr val="phClr">
-                <a:tint val="80000"/>
-                <a:satMod val="300000"/>
-              </a:schemeClr>
-            </a:gs>
-            <a:gs pos="100000">
-              <a:schemeClr val="phClr">
-                <a:shade val="30000"/>
-                <a:satMod val="200000"/>
-              </a:schemeClr>
-            </a:gs>
-          </a:gsLst>
-          <a:path path="circle">
-            <a:fillToRect l="50000" t="50000" r="50000" b="50000"/>
-          </a:path>
+          <a:lin ang="5400000" scaled="0"/>
         </a:gradFill>
       </a:bgFillStyleLst>
     </a:fmtScheme>
   </a:themeElements>
   <a:objectDefaults/>
   <a:extraClrSchemeLst/>
+  <a:extLst>
+    <a:ext uri="{05A4C25C-085E-4340-85A3-A5531E510DB2}">
+      <thm15:themeFamily xmlns:thm15="http://schemas.microsoft.com/office/thememl/2012/main" name="Office Theme" id="{62F939B6-93AF-4DB8-9C6B-D6C7DFDC589F}" vid="{4A3C46E8-61CC-4603-A589-7422A47A8E4A}"/>
+    </a:ext>
+  </a:extLst>
 </a:theme>
 </file>
 
@@ -6757,44 +7624,44 @@
         <a:sysClr val="window" lastClr="FFFFFF"/>
       </a:lt1>
       <a:dk2>
-        <a:srgbClr val="1F497D"/>
+        <a:srgbClr val="44546A"/>
       </a:dk2>
       <a:lt2>
-        <a:srgbClr val="EEECE1"/>
+        <a:srgbClr val="E7E6E6"/>
       </a:lt2>
       <a:accent1>
-        <a:srgbClr val="4F81BD"/>
+        <a:srgbClr val="5B9BD5"/>
       </a:accent1>
       <a:accent2>
-        <a:srgbClr val="C0504D"/>
+        <a:srgbClr val="ED7D31"/>
       </a:accent2>
       <a:accent3>
-        <a:srgbClr val="9BBB59"/>
+        <a:srgbClr val="A5A5A5"/>
       </a:accent3>
       <a:accent4>
-        <a:srgbClr val="8064A2"/>
+        <a:srgbClr val="FFC000"/>
       </a:accent4>
       <a:accent5>
-        <a:srgbClr val="4BACC6"/>
+        <a:srgbClr val="4472C4"/>
       </a:accent5>
       <a:accent6>
-        <a:srgbClr val="F79646"/>
+        <a:srgbClr val="70AD47"/>
       </a:accent6>
       <a:hlink>
-        <a:srgbClr val="0000FF"/>
+        <a:srgbClr val="0563C1"/>
       </a:hlink>
       <a:folHlink>
-        <a:srgbClr val="800080"/>
+        <a:srgbClr val="954F72"/>
       </a:folHlink>
     </a:clrScheme>
     <a:fontScheme name="Office">
       <a:majorFont>
-        <a:latin typeface="Calibri"/>
+        <a:latin typeface="Calibri Light" panose="020F0302020204030204"/>
         <a:ea typeface=""/>
         <a:cs typeface=""/>
-        <a:font script="Jpan" typeface="ＭＳ Ｐゴシック"/>
+        <a:font script="Jpan" typeface="Yu Gothic Light"/>
         <a:font script="Hang" typeface="맑은 고딕"/>
-        <a:font script="Hans" typeface="宋体"/>
+        <a:font script="Hans" typeface="DengXian Light"/>
         <a:font script="Hant" typeface="新細明體"/>
         <a:font script="Arab" typeface="Times New Roman"/>
         <a:font script="Hebr" typeface="Times New Roman"/>
@@ -6824,12 +7691,12 @@
         <a:font script="Geor" typeface="Sylfaen"/>
       </a:majorFont>
       <a:minorFont>
-        <a:latin typeface="Calibri"/>
+        <a:latin typeface="Calibri" panose="020F0502020204030204"/>
         <a:ea typeface=""/>
         <a:cs typeface=""/>
-        <a:font script="Jpan" typeface="ＭＳ Ｐゴシック"/>
+        <a:font script="Jpan" typeface="Yu Gothic"/>
         <a:font script="Hang" typeface="맑은 고딕"/>
-        <a:font script="Hans" typeface="宋体"/>
+        <a:font script="Hans" typeface="DengXian"/>
         <a:font script="Hant" typeface="新細明體"/>
         <a:font script="Arab" typeface="Arial"/>
         <a:font script="Hebr" typeface="Arial"/>
@@ -6868,165 +7735,141 @@
           <a:gsLst>
             <a:gs pos="0">
               <a:schemeClr val="phClr">
-                <a:tint val="50000"/>
-                <a:satMod val="300000"/>
+                <a:lumMod val="110000"/>
+                <a:satMod val="105000"/>
+                <a:tint val="67000"/>
               </a:schemeClr>
             </a:gs>
-            <a:gs pos="35000">
+            <a:gs pos="50000">
               <a:schemeClr val="phClr">
-                <a:tint val="37000"/>
-                <a:satMod val="300000"/>
+                <a:lumMod val="105000"/>
+                <a:satMod val="103000"/>
+                <a:tint val="73000"/>
               </a:schemeClr>
             </a:gs>
             <a:gs pos="100000">
               <a:schemeClr val="phClr">
-                <a:tint val="15000"/>
-                <a:satMod val="350000"/>
+                <a:lumMod val="105000"/>
+                <a:satMod val="109000"/>
+                <a:tint val="81000"/>
               </a:schemeClr>
             </a:gs>
           </a:gsLst>
-          <a:lin ang="16200000" scaled="1"/>
+          <a:lin ang="5400000" scaled="0"/>
         </a:gradFill>
         <a:gradFill rotWithShape="1">
           <a:gsLst>
             <a:gs pos="0">
               <a:schemeClr val="phClr">
-                <a:shade val="51000"/>
-                <a:satMod val="130000"/>
+                <a:satMod val="103000"/>
+                <a:lumMod val="102000"/>
+                <a:tint val="94000"/>
               </a:schemeClr>
             </a:gs>
-            <a:gs pos="80000">
+            <a:gs pos="50000">
               <a:schemeClr val="phClr">
-                <a:shade val="93000"/>
-                <a:satMod val="130000"/>
+                <a:satMod val="110000"/>
+                <a:lumMod val="100000"/>
+                <a:shade val="100000"/>
               </a:schemeClr>
             </a:gs>
             <a:gs pos="100000">
               <a:schemeClr val="phClr">
-                <a:shade val="94000"/>
-                <a:satMod val="135000"/>
+                <a:lumMod val="99000"/>
+                <a:satMod val="120000"/>
+                <a:shade val="78000"/>
               </a:schemeClr>
             </a:gs>
           </a:gsLst>
-          <a:lin ang="16200000" scaled="0"/>
+          <a:lin ang="5400000" scaled="0"/>
         </a:gradFill>
       </a:fillStyleLst>
       <a:lnStyleLst>
-        <a:ln w="9525" cap="flat" cmpd="sng" algn="ctr">
-          <a:solidFill>
-            <a:schemeClr val="phClr">
-              <a:shade val="95000"/>
-              <a:satMod val="105000"/>
-            </a:schemeClr>
-          </a:solidFill>
-          <a:prstDash val="solid"/>
-        </a:ln>
-        <a:ln w="25400" cap="flat" cmpd="sng" algn="ctr">
+        <a:ln w="6350" cap="flat" cmpd="sng" algn="ctr">
           <a:solidFill>
             <a:schemeClr val="phClr"/>
           </a:solidFill>
           <a:prstDash val="solid"/>
+          <a:miter lim="800000"/>
         </a:ln>
-        <a:ln w="38100" cap="flat" cmpd="sng" algn="ctr">
+        <a:ln w="12700" cap="flat" cmpd="sng" algn="ctr">
           <a:solidFill>
             <a:schemeClr val="phClr"/>
           </a:solidFill>
           <a:prstDash val="solid"/>
+          <a:miter lim="800000"/>
+        </a:ln>
+        <a:ln w="19050" cap="flat" cmpd="sng" algn="ctr">
+          <a:solidFill>
+            <a:schemeClr val="phClr"/>
+          </a:solidFill>
+          <a:prstDash val="solid"/>
+          <a:miter lim="800000"/>
         </a:ln>
       </a:lnStyleLst>
       <a:effectStyleLst>
         <a:effectStyle>
+          <a:effectLst/>
+        </a:effectStyle>
+        <a:effectStyle>
+          <a:effectLst/>
+        </a:effectStyle>
+        <a:effectStyle>
           <a:effectLst>
-            <a:outerShdw blurRad="40000" dist="20000" dir="5400000" rotWithShape="0">
+            <a:outerShdw blurRad="57150" dist="19050" dir="5400000" algn="ctr" rotWithShape="0">
               <a:srgbClr val="000000">
-                <a:alpha val="38000"/>
+                <a:alpha val="63000"/>
               </a:srgbClr>
             </a:outerShdw>
           </a:effectLst>
-        </a:effectStyle>
-        <a:effectStyle>
-          <a:effectLst>
-            <a:outerShdw blurRad="40000" dist="23000" dir="5400000" rotWithShape="0">
-              <a:srgbClr val="000000">
-                <a:alpha val="35000"/>
-              </a:srgbClr>
-            </a:outerShdw>
-          </a:effectLst>
-        </a:effectStyle>
-        <a:effectStyle>
-          <a:effectLst>
-            <a:outerShdw blurRad="40000" dist="23000" dir="5400000" rotWithShape="0">
-              <a:srgbClr val="000000">
-                <a:alpha val="35000"/>
-              </a:srgbClr>
-            </a:outerShdw>
-          </a:effectLst>
-          <a:scene3d>
-            <a:camera prst="orthographicFront">
-              <a:rot lat="0" lon="0" rev="0"/>
-            </a:camera>
-            <a:lightRig rig="threePt" dir="t">
-              <a:rot lat="0" lon="0" rev="1200000"/>
-            </a:lightRig>
-          </a:scene3d>
-          <a:sp3d>
-            <a:bevelT w="63500" h="25400"/>
-          </a:sp3d>
         </a:effectStyle>
       </a:effectStyleLst>
       <a:bgFillStyleLst>
         <a:solidFill>
           <a:schemeClr val="phClr"/>
         </a:solidFill>
+        <a:solidFill>
+          <a:schemeClr val="phClr">
+            <a:tint val="95000"/>
+            <a:satMod val="170000"/>
+          </a:schemeClr>
+        </a:solidFill>
         <a:gradFill rotWithShape="1">
           <a:gsLst>
             <a:gs pos="0">
               <a:schemeClr val="phClr">
-                <a:tint val="40000"/>
-                <a:satMod val="350000"/>
+                <a:tint val="93000"/>
+                <a:satMod val="150000"/>
+                <a:shade val="98000"/>
+                <a:lumMod val="102000"/>
               </a:schemeClr>
             </a:gs>
-            <a:gs pos="40000">
+            <a:gs pos="50000">
               <a:schemeClr val="phClr">
-                <a:tint val="45000"/>
-                <a:shade val="99000"/>
-                <a:satMod val="350000"/>
+                <a:tint val="98000"/>
+                <a:satMod val="130000"/>
+                <a:shade val="90000"/>
+                <a:lumMod val="103000"/>
               </a:schemeClr>
             </a:gs>
             <a:gs pos="100000">
               <a:schemeClr val="phClr">
-                <a:shade val="20000"/>
-                <a:satMod val="255000"/>
+                <a:shade val="63000"/>
+                <a:satMod val="120000"/>
               </a:schemeClr>
             </a:gs>
           </a:gsLst>
-          <a:path path="circle">
-            <a:fillToRect l="50000" t="-80000" r="50000" b="180000"/>
-          </a:path>
-        </a:gradFill>
-        <a:gradFill rotWithShape="1">
-          <a:gsLst>
-            <a:gs pos="0">
-              <a:schemeClr val="phClr">
-                <a:tint val="80000"/>
-                <a:satMod val="300000"/>
-              </a:schemeClr>
-            </a:gs>
-            <a:gs pos="100000">
-              <a:schemeClr val="phClr">
-                <a:shade val="30000"/>
-                <a:satMod val="200000"/>
-              </a:schemeClr>
-            </a:gs>
-          </a:gsLst>
-          <a:path path="circle">
-            <a:fillToRect l="50000" t="50000" r="50000" b="50000"/>
-          </a:path>
+          <a:lin ang="5400000" scaled="0"/>
         </a:gradFill>
       </a:bgFillStyleLst>
     </a:fmtScheme>
   </a:themeElements>
   <a:objectDefaults/>
   <a:extraClrSchemeLst/>
+  <a:extLst>
+    <a:ext uri="{05A4C25C-085E-4340-85A3-A5531E510DB2}">
+      <thm15:themeFamily xmlns:thm15="http://schemas.microsoft.com/office/thememl/2012/main" name="Office Theme" id="{62F939B6-93AF-4DB8-9C6B-D6C7DFDC589F}" vid="{4A3C46E8-61CC-4603-A589-7422A47A8E4A}"/>
+    </a:ext>
+  </a:extLst>
 </a:theme>
 </file>